--- a/개발 4팀 2차 미니 프로젝트/6) KOSMO_77기_개발 4팀_일정관리_형상관리_활용_종합보고서.pptx
+++ b/개발 4팀 2차 미니 프로젝트/6) KOSMO_77기_개발 4팀_일정관리_형상관리_활용_종합보고서.pptx
@@ -9,6 +9,16 @@
     <p:sldId id="260" r:id="rId3"/>
     <p:sldId id="258" r:id="rId4"/>
     <p:sldId id="259" r:id="rId5"/>
+    <p:sldId id="261" r:id="rId6"/>
+    <p:sldId id="262" r:id="rId7"/>
+    <p:sldId id="263" r:id="rId8"/>
+    <p:sldId id="264" r:id="rId9"/>
+    <p:sldId id="265" r:id="rId10"/>
+    <p:sldId id="266" r:id="rId11"/>
+    <p:sldId id="267" r:id="rId12"/>
+    <p:sldId id="268" r:id="rId13"/>
+    <p:sldId id="269" r:id="rId14"/>
+    <p:sldId id="270" r:id="rId15"/>
   </p:sldIdLst>
   <p:sldSz cx="9144000" cy="6858000" type="screen4x3"/>
   <p:notesSz cx="6858000" cy="9144000"/>
@@ -3566,6 +3576,2591 @@
 </p:sld>
 </file>
 
+<file path=ppt/slides/slide10.xml><?xml version="1.0" encoding="utf-8"?>
+<p:sld xmlns:a="http://schemas.openxmlformats.org/drawingml/2006/main" xmlns:r="http://schemas.openxmlformats.org/officeDocument/2006/relationships" xmlns:p="http://schemas.openxmlformats.org/presentationml/2006/main">
+  <p:cSld>
+    <p:spTree>
+      <p:nvGrpSpPr>
+        <p:cNvPr id="1" name=""/>
+        <p:cNvGrpSpPr/>
+        <p:nvPr/>
+      </p:nvGrpSpPr>
+      <p:grpSpPr>
+        <a:xfrm>
+          <a:off x="0" y="0"/>
+          <a:ext cx="0" cy="0"/>
+          <a:chOff x="0" y="0"/>
+          <a:chExt cx="0" cy="0"/>
+        </a:xfrm>
+      </p:grpSpPr>
+      <p:sp>
+        <p:nvSpPr>
+          <p:cNvPr id="18" name="TextBox 17">
+            <a:extLst>
+              <a:ext uri="{FF2B5EF4-FFF2-40B4-BE49-F238E27FC236}">
+                <a16:creationId xmlns:a16="http://schemas.microsoft.com/office/drawing/2014/main" id="{D7B7EE40-BAD9-4569-9BF6-F6E9ACA78A3C}"/>
+              </a:ext>
+            </a:extLst>
+          </p:cNvPr>
+          <p:cNvSpPr txBox="1"/>
+          <p:nvPr/>
+        </p:nvSpPr>
+        <p:spPr>
+          <a:xfrm>
+            <a:off x="2062279" y="1407020"/>
+            <a:ext cx="2389171" cy="578300"/>
+          </a:xfrm>
+          <a:prstGeom prst="rect">
+            <a:avLst/>
+          </a:prstGeom>
+          <a:noFill/>
+        </p:spPr>
+        <p:txBody>
+          <a:bodyPr wrap="square" rtlCol="0" anchor="ctr">
+            <a:spAutoFit/>
+          </a:bodyPr>
+          <a:lstStyle/>
+          <a:p>
+            <a:pPr algn="ctr">
+              <a:lnSpc>
+                <a:spcPct val="150000"/>
+              </a:lnSpc>
+            </a:pPr>
+            <a:r>
+              <a:rPr lang="ko-KR" altLang="en-US" sz="1125" b="1" dirty="0">
+                <a:ln>
+                  <a:solidFill>
+                    <a:schemeClr val="tx1">
+                      <a:alpha val="30000"/>
+                    </a:schemeClr>
+                  </a:solidFill>
+                </a:ln>
+                <a:latin typeface="맑은 고딕" panose="020B0503020000020004" pitchFamily="50" charset="-127"/>
+                <a:ea typeface="맑은 고딕" panose="020B0503020000020004" pitchFamily="50" charset="-127"/>
+              </a:rPr>
+              <a:t>개발 일정</a:t>
+            </a:r>
+            <a:r>
+              <a:rPr lang="en-US" altLang="ko-KR" sz="1125" b="1" dirty="0">
+                <a:ln>
+                  <a:solidFill>
+                    <a:schemeClr val="tx1">
+                      <a:alpha val="30000"/>
+                    </a:schemeClr>
+                  </a:solidFill>
+                </a:ln>
+                <a:latin typeface="맑은 고딕" panose="020B0503020000020004" pitchFamily="50" charset="-127"/>
+                <a:ea typeface="맑은 고딕" panose="020B0503020000020004" pitchFamily="50" charset="-127"/>
+              </a:rPr>
+              <a:t>(Development Schedule)</a:t>
+            </a:r>
+            <a:endParaRPr lang="ko-KR" altLang="en-US" sz="1125" b="1" dirty="0">
+              <a:ln>
+                <a:solidFill>
+                  <a:schemeClr val="tx1">
+                    <a:alpha val="30000"/>
+                  </a:schemeClr>
+                </a:solidFill>
+              </a:ln>
+              <a:latin typeface="맑은 고딕" panose="020B0503020000020004" pitchFamily="50" charset="-127"/>
+              <a:ea typeface="맑은 고딕" panose="020B0503020000020004" pitchFamily="50" charset="-127"/>
+            </a:endParaRPr>
+          </a:p>
+        </p:txBody>
+      </p:sp>
+      <p:sp>
+        <p:nvSpPr>
+          <p:cNvPr id="22" name="직사각형 21">
+            <a:extLst>
+              <a:ext uri="{FF2B5EF4-FFF2-40B4-BE49-F238E27FC236}">
+                <a16:creationId xmlns:a16="http://schemas.microsoft.com/office/drawing/2014/main" id="{AB4C8245-D0E4-4D79-B3E9-2FB89CE6FE84}"/>
+              </a:ext>
+            </a:extLst>
+          </p:cNvPr>
+          <p:cNvSpPr/>
+          <p:nvPr/>
+        </p:nvSpPr>
+        <p:spPr>
+          <a:xfrm>
+            <a:off x="2040416" y="1540358"/>
+            <a:ext cx="2411033" cy="321471"/>
+          </a:xfrm>
+          <a:prstGeom prst="rect">
+            <a:avLst/>
+          </a:prstGeom>
+          <a:noFill/>
+          <a:ln w="25400">
+            <a:solidFill>
+              <a:schemeClr val="tx1"/>
+            </a:solidFill>
+          </a:ln>
+        </p:spPr>
+        <p:style>
+          <a:lnRef idx="2">
+            <a:schemeClr val="accent1">
+              <a:shade val="50000"/>
+            </a:schemeClr>
+          </a:lnRef>
+          <a:fillRef idx="1">
+            <a:schemeClr val="accent1"/>
+          </a:fillRef>
+          <a:effectRef idx="0">
+            <a:schemeClr val="accent1"/>
+          </a:effectRef>
+          <a:fontRef idx="minor">
+            <a:schemeClr val="lt1"/>
+          </a:fontRef>
+        </p:style>
+        <p:txBody>
+          <a:bodyPr rtlCol="0" anchor="ctr"/>
+          <a:lstStyle/>
+          <a:p>
+            <a:pPr algn="ctr"/>
+            <a:endParaRPr lang="ko-KR" altLang="en-US" sz="1013"/>
+          </a:p>
+        </p:txBody>
+      </p:sp>
+      <p:sp>
+        <p:nvSpPr>
+          <p:cNvPr id="24" name="TextBox 23">
+            <a:extLst>
+              <a:ext uri="{FF2B5EF4-FFF2-40B4-BE49-F238E27FC236}">
+                <a16:creationId xmlns:a16="http://schemas.microsoft.com/office/drawing/2014/main" id="{706566D1-60CB-4C10-9859-0656D082B2B7}"/>
+              </a:ext>
+            </a:extLst>
+          </p:cNvPr>
+          <p:cNvSpPr txBox="1"/>
+          <p:nvPr/>
+        </p:nvSpPr>
+        <p:spPr>
+          <a:xfrm>
+            <a:off x="2120784" y="1939562"/>
+            <a:ext cx="4071397" cy="248209"/>
+          </a:xfrm>
+          <a:prstGeom prst="rect">
+            <a:avLst/>
+          </a:prstGeom>
+          <a:noFill/>
+          <a:ln>
+            <a:noFill/>
+          </a:ln>
+        </p:spPr>
+        <p:txBody>
+          <a:bodyPr wrap="square" rtlCol="0">
+            <a:spAutoFit/>
+          </a:bodyPr>
+          <a:lstStyle/>
+          <a:p>
+            <a:r>
+              <a:rPr lang="en-US" altLang="ko-KR" sz="1013" b="1" dirty="0">
+                <a:ln>
+                  <a:solidFill>
+                    <a:schemeClr val="tx1">
+                      <a:alpha val="30000"/>
+                    </a:schemeClr>
+                  </a:solidFill>
+                </a:ln>
+                <a:latin typeface="맑은 고딕" panose="020B0503020000020004" pitchFamily="50" charset="-127"/>
+                <a:ea typeface="맑은 고딕" panose="020B0503020000020004" pitchFamily="50" charset="-127"/>
+              </a:rPr>
+              <a:t>GitHub : </a:t>
+            </a:r>
+            <a:r>
+              <a:rPr lang="ko-KR" altLang="en-US" sz="1013" b="1" dirty="0">
+                <a:ln>
+                  <a:solidFill>
+                    <a:schemeClr val="tx1">
+                      <a:alpha val="30000"/>
+                    </a:schemeClr>
+                  </a:solidFill>
+                </a:ln>
+                <a:latin typeface="맑은 고딕" panose="020B0503020000020004" pitchFamily="50" charset="-127"/>
+                <a:ea typeface="맑은 고딕" panose="020B0503020000020004" pitchFamily="50" charset="-127"/>
+              </a:rPr>
+              <a:t>형상관리</a:t>
+            </a:r>
+            <a:r>
+              <a:rPr lang="en-US" altLang="ko-KR" sz="1013" b="1" dirty="0">
+                <a:ln>
+                  <a:solidFill>
+                    <a:schemeClr val="tx1">
+                      <a:alpha val="30000"/>
+                    </a:schemeClr>
+                  </a:solidFill>
+                </a:ln>
+                <a:latin typeface="맑은 고딕" panose="020B0503020000020004" pitchFamily="50" charset="-127"/>
+                <a:ea typeface="맑은 고딕" panose="020B0503020000020004" pitchFamily="50" charset="-127"/>
+              </a:rPr>
+              <a:t> : 4</a:t>
+            </a:r>
+            <a:r>
+              <a:rPr lang="ko-KR" altLang="en-US" sz="1013" b="1" dirty="0">
+                <a:ln>
+                  <a:solidFill>
+                    <a:schemeClr val="tx1">
+                      <a:alpha val="30000"/>
+                    </a:schemeClr>
+                  </a:solidFill>
+                </a:ln>
+                <a:latin typeface="맑은 고딕" panose="020B0503020000020004" pitchFamily="50" charset="-127"/>
+                <a:ea typeface="맑은 고딕" panose="020B0503020000020004" pitchFamily="50" charset="-127"/>
+              </a:rPr>
+              <a:t>월 </a:t>
+            </a:r>
+            <a:r>
+              <a:rPr lang="en-US" altLang="ko-KR" sz="1013" b="1" dirty="0">
+                <a:ln>
+                  <a:solidFill>
+                    <a:schemeClr val="tx1">
+                      <a:alpha val="30000"/>
+                    </a:schemeClr>
+                  </a:solidFill>
+                </a:ln>
+                <a:latin typeface="맑은 고딕" panose="020B0503020000020004" pitchFamily="50" charset="-127"/>
+                <a:ea typeface="맑은 고딕" panose="020B0503020000020004" pitchFamily="50" charset="-127"/>
+              </a:rPr>
+              <a:t>2</a:t>
+            </a:r>
+            <a:r>
+              <a:rPr lang="ko-KR" altLang="en-US" sz="1013" b="1" dirty="0">
+                <a:ln>
+                  <a:solidFill>
+                    <a:schemeClr val="tx1">
+                      <a:alpha val="30000"/>
+                    </a:schemeClr>
+                  </a:solidFill>
+                </a:ln>
+                <a:latin typeface="맑은 고딕" panose="020B0503020000020004" pitchFamily="50" charset="-127"/>
+                <a:ea typeface="맑은 고딕" panose="020B0503020000020004" pitchFamily="50" charset="-127"/>
+              </a:rPr>
+              <a:t>일 </a:t>
+            </a:r>
+            <a:r>
+              <a:rPr lang="en-US" altLang="ko-KR" sz="1013" b="1" dirty="0">
+                <a:ln>
+                  <a:solidFill>
+                    <a:schemeClr val="tx1">
+                      <a:alpha val="30000"/>
+                    </a:schemeClr>
+                  </a:solidFill>
+                </a:ln>
+                <a:latin typeface="맑은 고딕" panose="020B0503020000020004" pitchFamily="50" charset="-127"/>
+                <a:ea typeface="맑은 고딕" panose="020B0503020000020004" pitchFamily="50" charset="-127"/>
+              </a:rPr>
+              <a:t>~ 4</a:t>
+            </a:r>
+            <a:r>
+              <a:rPr lang="ko-KR" altLang="en-US" sz="1013" b="1" dirty="0">
+                <a:ln>
+                  <a:solidFill>
+                    <a:schemeClr val="tx1">
+                      <a:alpha val="30000"/>
+                    </a:schemeClr>
+                  </a:solidFill>
+                </a:ln>
+                <a:latin typeface="맑은 고딕" panose="020B0503020000020004" pitchFamily="50" charset="-127"/>
+                <a:ea typeface="맑은 고딕" panose="020B0503020000020004" pitchFamily="50" charset="-127"/>
+              </a:rPr>
+              <a:t>월 </a:t>
+            </a:r>
+            <a:r>
+              <a:rPr lang="en-US" altLang="ko-KR" sz="1013" b="1" dirty="0">
+                <a:ln>
+                  <a:solidFill>
+                    <a:schemeClr val="tx1">
+                      <a:alpha val="30000"/>
+                    </a:schemeClr>
+                  </a:solidFill>
+                </a:ln>
+                <a:latin typeface="맑은 고딕" panose="020B0503020000020004" pitchFamily="50" charset="-127"/>
+                <a:ea typeface="맑은 고딕" panose="020B0503020000020004" pitchFamily="50" charset="-127"/>
+              </a:rPr>
+              <a:t>9</a:t>
+            </a:r>
+            <a:r>
+              <a:rPr lang="ko-KR" altLang="en-US" sz="1013" b="1" dirty="0">
+                <a:ln>
+                  <a:solidFill>
+                    <a:schemeClr val="tx1">
+                      <a:alpha val="30000"/>
+                    </a:schemeClr>
+                  </a:solidFill>
+                </a:ln>
+                <a:latin typeface="맑은 고딕" panose="020B0503020000020004" pitchFamily="50" charset="-127"/>
+                <a:ea typeface="맑은 고딕" panose="020B0503020000020004" pitchFamily="50" charset="-127"/>
+              </a:rPr>
+              <a:t>일 </a:t>
+            </a:r>
+            <a:r>
+              <a:rPr lang="en-US" altLang="ko-KR" sz="1013" b="1" dirty="0">
+                <a:ln>
+                  <a:solidFill>
+                    <a:schemeClr val="tx1">
+                      <a:alpha val="30000"/>
+                    </a:schemeClr>
+                  </a:solidFill>
+                </a:ln>
+                <a:latin typeface="맑은 고딕" panose="020B0503020000020004" pitchFamily="50" charset="-127"/>
+                <a:ea typeface="맑은 고딕" panose="020B0503020000020004" pitchFamily="50" charset="-127"/>
+              </a:rPr>
+              <a:t>(1</a:t>
+            </a:r>
+            <a:r>
+              <a:rPr lang="ko-KR" altLang="en-US" sz="1013" b="1" dirty="0">
+                <a:ln>
+                  <a:solidFill>
+                    <a:schemeClr val="tx1">
+                      <a:alpha val="30000"/>
+                    </a:schemeClr>
+                  </a:solidFill>
+                </a:ln>
+                <a:latin typeface="맑은 고딕" panose="020B0503020000020004" pitchFamily="50" charset="-127"/>
+                <a:ea typeface="맑은 고딕" panose="020B0503020000020004" pitchFamily="50" charset="-127"/>
+              </a:rPr>
+              <a:t>주</a:t>
+            </a:r>
+            <a:r>
+              <a:rPr lang="en-US" altLang="ko-KR" sz="1013" b="1" dirty="0">
+                <a:ln>
+                  <a:solidFill>
+                    <a:schemeClr val="tx1">
+                      <a:alpha val="30000"/>
+                    </a:schemeClr>
+                  </a:solidFill>
+                </a:ln>
+                <a:latin typeface="맑은 고딕" panose="020B0503020000020004" pitchFamily="50" charset="-127"/>
+                <a:ea typeface="맑은 고딕" panose="020B0503020000020004" pitchFamily="50" charset="-127"/>
+              </a:rPr>
+              <a:t>) </a:t>
+            </a:r>
+          </a:p>
+        </p:txBody>
+      </p:sp>
+      <p:sp>
+        <p:nvSpPr>
+          <p:cNvPr id="39" name="직사각형 38"/>
+          <p:cNvSpPr/>
+          <p:nvPr/>
+        </p:nvSpPr>
+        <p:spPr>
+          <a:xfrm>
+            <a:off x="2080601" y="2187495"/>
+            <a:ext cx="4947170" cy="3064208"/>
+          </a:xfrm>
+          <a:prstGeom prst="rect">
+            <a:avLst/>
+          </a:prstGeom>
+        </p:spPr>
+        <p:style>
+          <a:lnRef idx="2">
+            <a:schemeClr val="accent5"/>
+          </a:lnRef>
+          <a:fillRef idx="1">
+            <a:schemeClr val="lt1"/>
+          </a:fillRef>
+          <a:effectRef idx="0">
+            <a:schemeClr val="accent5"/>
+          </a:effectRef>
+          <a:fontRef idx="minor">
+            <a:schemeClr val="dk1"/>
+          </a:fontRef>
+        </p:style>
+        <p:txBody>
+          <a:bodyPr rtlCol="0" anchor="ctr"/>
+          <a:lstStyle/>
+          <a:p>
+            <a:pPr algn="ctr"/>
+            <a:endParaRPr lang="ko-KR" altLang="en-US" sz="1013"/>
+          </a:p>
+        </p:txBody>
+      </p:sp>
+      <p:pic>
+        <p:nvPicPr>
+          <p:cNvPr id="3" name="그림 2">
+            <a:extLst>
+              <a:ext uri="{FF2B5EF4-FFF2-40B4-BE49-F238E27FC236}">
+                <a16:creationId xmlns:a16="http://schemas.microsoft.com/office/drawing/2014/main" id="{05D09A90-7406-42DC-872F-7DE6265E7865}"/>
+              </a:ext>
+            </a:extLst>
+          </p:cNvPr>
+          <p:cNvPicPr>
+            <a:picLocks noChangeAspect="1"/>
+          </p:cNvPicPr>
+          <p:nvPr/>
+        </p:nvPicPr>
+        <p:blipFill>
+          <a:blip r:embed="rId2"/>
+          <a:stretch>
+            <a:fillRect/>
+          </a:stretch>
+        </p:blipFill>
+        <p:spPr>
+          <a:xfrm>
+            <a:off x="2233970" y="2787312"/>
+            <a:ext cx="4434957" cy="966047"/>
+          </a:xfrm>
+          <a:prstGeom prst="rect">
+            <a:avLst/>
+          </a:prstGeom>
+        </p:spPr>
+      </p:pic>
+      <p:pic>
+        <p:nvPicPr>
+          <p:cNvPr id="6" name="그림 5">
+            <a:extLst>
+              <a:ext uri="{FF2B5EF4-FFF2-40B4-BE49-F238E27FC236}">
+                <a16:creationId xmlns:a16="http://schemas.microsoft.com/office/drawing/2014/main" id="{8FD42B3B-429A-4199-B774-F326A61B6D3D}"/>
+              </a:ext>
+            </a:extLst>
+          </p:cNvPr>
+          <p:cNvPicPr>
+            <a:picLocks noChangeAspect="1"/>
+          </p:cNvPicPr>
+          <p:nvPr/>
+        </p:nvPicPr>
+        <p:blipFill>
+          <a:blip r:embed="rId3"/>
+          <a:stretch>
+            <a:fillRect/>
+          </a:stretch>
+        </p:blipFill>
+        <p:spPr>
+          <a:xfrm>
+            <a:off x="2264206" y="3793541"/>
+            <a:ext cx="4374486" cy="1242711"/>
+          </a:xfrm>
+          <a:prstGeom prst="rect">
+            <a:avLst/>
+          </a:prstGeom>
+        </p:spPr>
+      </p:pic>
+      <p:pic>
+        <p:nvPicPr>
+          <p:cNvPr id="8" name="그림 7">
+            <a:extLst>
+              <a:ext uri="{FF2B5EF4-FFF2-40B4-BE49-F238E27FC236}">
+                <a16:creationId xmlns:a16="http://schemas.microsoft.com/office/drawing/2014/main" id="{C6C557FE-71C1-4653-8C4D-A1D121168E45}"/>
+              </a:ext>
+            </a:extLst>
+          </p:cNvPr>
+          <p:cNvPicPr>
+            <a:picLocks noChangeAspect="1"/>
+          </p:cNvPicPr>
+          <p:nvPr/>
+        </p:nvPicPr>
+        <p:blipFill>
+          <a:blip r:embed="rId4"/>
+          <a:stretch>
+            <a:fillRect/>
+          </a:stretch>
+        </p:blipFill>
+        <p:spPr>
+          <a:xfrm>
+            <a:off x="2256105" y="2574338"/>
+            <a:ext cx="669727" cy="192881"/>
+          </a:xfrm>
+          <a:prstGeom prst="rect">
+            <a:avLst/>
+          </a:prstGeom>
+        </p:spPr>
+      </p:pic>
+      <p:sp>
+        <p:nvSpPr>
+          <p:cNvPr id="13" name="직사각형 12">
+            <a:extLst>
+              <a:ext uri="{FF2B5EF4-FFF2-40B4-BE49-F238E27FC236}">
+                <a16:creationId xmlns:a16="http://schemas.microsoft.com/office/drawing/2014/main" id="{7034C9FB-F232-4EA0-B4A4-6912E021D3EC}"/>
+              </a:ext>
+            </a:extLst>
+          </p:cNvPr>
+          <p:cNvSpPr/>
+          <p:nvPr/>
+        </p:nvSpPr>
+        <p:spPr>
+          <a:xfrm>
+            <a:off x="2264206" y="2571859"/>
+            <a:ext cx="566102" cy="173132"/>
+          </a:xfrm>
+          <a:prstGeom prst="rect">
+            <a:avLst/>
+          </a:prstGeom>
+          <a:noFill/>
+        </p:spPr>
+        <p:style>
+          <a:lnRef idx="2">
+            <a:schemeClr val="accent1">
+              <a:shade val="50000"/>
+            </a:schemeClr>
+          </a:lnRef>
+          <a:fillRef idx="1">
+            <a:schemeClr val="accent1"/>
+          </a:fillRef>
+          <a:effectRef idx="0">
+            <a:schemeClr val="accent1"/>
+          </a:effectRef>
+          <a:fontRef idx="minor">
+            <a:schemeClr val="lt1"/>
+          </a:fontRef>
+        </p:style>
+        <p:txBody>
+          <a:bodyPr rtlCol="0" anchor="ctr"/>
+          <a:lstStyle/>
+          <a:p>
+            <a:pPr algn="ctr"/>
+            <a:endParaRPr lang="ko-KR" altLang="en-US" sz="1013"/>
+          </a:p>
+        </p:txBody>
+      </p:sp>
+    </p:spTree>
+    <p:extLst>
+      <p:ext uri="{BB962C8B-B14F-4D97-AF65-F5344CB8AC3E}">
+        <p14:creationId xmlns:p14="http://schemas.microsoft.com/office/powerpoint/2010/main" val="914702229"/>
+      </p:ext>
+    </p:extLst>
+  </p:cSld>
+  <p:clrMapOvr>
+    <a:masterClrMapping/>
+  </p:clrMapOvr>
+</p:sld>
+</file>
+
+<file path=ppt/slides/slide11.xml><?xml version="1.0" encoding="utf-8"?>
+<p:sld xmlns:a="http://schemas.openxmlformats.org/drawingml/2006/main" xmlns:r="http://schemas.openxmlformats.org/officeDocument/2006/relationships" xmlns:p="http://schemas.openxmlformats.org/presentationml/2006/main">
+  <p:cSld>
+    <p:spTree>
+      <p:nvGrpSpPr>
+        <p:cNvPr id="1" name=""/>
+        <p:cNvGrpSpPr/>
+        <p:nvPr/>
+      </p:nvGrpSpPr>
+      <p:grpSpPr>
+        <a:xfrm>
+          <a:off x="0" y="0"/>
+          <a:ext cx="0" cy="0"/>
+          <a:chOff x="0" y="0"/>
+          <a:chExt cx="0" cy="0"/>
+        </a:xfrm>
+      </p:grpSpPr>
+      <p:sp>
+        <p:nvSpPr>
+          <p:cNvPr id="18" name="TextBox 17">
+            <a:extLst>
+              <a:ext uri="{FF2B5EF4-FFF2-40B4-BE49-F238E27FC236}">
+                <a16:creationId xmlns:a16="http://schemas.microsoft.com/office/drawing/2014/main" id="{D7B7EE40-BAD9-4569-9BF6-F6E9ACA78A3C}"/>
+              </a:ext>
+            </a:extLst>
+          </p:cNvPr>
+          <p:cNvSpPr txBox="1"/>
+          <p:nvPr/>
+        </p:nvSpPr>
+        <p:spPr>
+          <a:xfrm>
+            <a:off x="2062279" y="1407020"/>
+            <a:ext cx="2389171" cy="578300"/>
+          </a:xfrm>
+          <a:prstGeom prst="rect">
+            <a:avLst/>
+          </a:prstGeom>
+          <a:noFill/>
+        </p:spPr>
+        <p:txBody>
+          <a:bodyPr wrap="square" rtlCol="0" anchor="ctr">
+            <a:spAutoFit/>
+          </a:bodyPr>
+          <a:lstStyle/>
+          <a:p>
+            <a:pPr algn="ctr">
+              <a:lnSpc>
+                <a:spcPct val="150000"/>
+              </a:lnSpc>
+            </a:pPr>
+            <a:r>
+              <a:rPr lang="ko-KR" altLang="en-US" sz="1125" b="1" dirty="0">
+                <a:ln>
+                  <a:solidFill>
+                    <a:schemeClr val="tx1">
+                      <a:alpha val="30000"/>
+                    </a:schemeClr>
+                  </a:solidFill>
+                </a:ln>
+                <a:latin typeface="맑은 고딕" panose="020B0503020000020004" pitchFamily="50" charset="-127"/>
+                <a:ea typeface="맑은 고딕" panose="020B0503020000020004" pitchFamily="50" charset="-127"/>
+              </a:rPr>
+              <a:t>개발 일정</a:t>
+            </a:r>
+            <a:r>
+              <a:rPr lang="en-US" altLang="ko-KR" sz="1125" b="1" dirty="0">
+                <a:ln>
+                  <a:solidFill>
+                    <a:schemeClr val="tx1">
+                      <a:alpha val="30000"/>
+                    </a:schemeClr>
+                  </a:solidFill>
+                </a:ln>
+                <a:latin typeface="맑은 고딕" panose="020B0503020000020004" pitchFamily="50" charset="-127"/>
+                <a:ea typeface="맑은 고딕" panose="020B0503020000020004" pitchFamily="50" charset="-127"/>
+              </a:rPr>
+              <a:t>(Development Schedule)</a:t>
+            </a:r>
+            <a:endParaRPr lang="ko-KR" altLang="en-US" sz="1125" b="1" dirty="0">
+              <a:ln>
+                <a:solidFill>
+                  <a:schemeClr val="tx1">
+                    <a:alpha val="30000"/>
+                  </a:schemeClr>
+                </a:solidFill>
+              </a:ln>
+              <a:latin typeface="맑은 고딕" panose="020B0503020000020004" pitchFamily="50" charset="-127"/>
+              <a:ea typeface="맑은 고딕" panose="020B0503020000020004" pitchFamily="50" charset="-127"/>
+            </a:endParaRPr>
+          </a:p>
+        </p:txBody>
+      </p:sp>
+      <p:sp>
+        <p:nvSpPr>
+          <p:cNvPr id="22" name="직사각형 21">
+            <a:extLst>
+              <a:ext uri="{FF2B5EF4-FFF2-40B4-BE49-F238E27FC236}">
+                <a16:creationId xmlns:a16="http://schemas.microsoft.com/office/drawing/2014/main" id="{AB4C8245-D0E4-4D79-B3E9-2FB89CE6FE84}"/>
+              </a:ext>
+            </a:extLst>
+          </p:cNvPr>
+          <p:cNvSpPr/>
+          <p:nvPr/>
+        </p:nvSpPr>
+        <p:spPr>
+          <a:xfrm>
+            <a:off x="2040416" y="1540358"/>
+            <a:ext cx="2411033" cy="321471"/>
+          </a:xfrm>
+          <a:prstGeom prst="rect">
+            <a:avLst/>
+          </a:prstGeom>
+          <a:noFill/>
+          <a:ln w="25400">
+            <a:solidFill>
+              <a:schemeClr val="tx1"/>
+            </a:solidFill>
+          </a:ln>
+        </p:spPr>
+        <p:style>
+          <a:lnRef idx="2">
+            <a:schemeClr val="accent1">
+              <a:shade val="50000"/>
+            </a:schemeClr>
+          </a:lnRef>
+          <a:fillRef idx="1">
+            <a:schemeClr val="accent1"/>
+          </a:fillRef>
+          <a:effectRef idx="0">
+            <a:schemeClr val="accent1"/>
+          </a:effectRef>
+          <a:fontRef idx="minor">
+            <a:schemeClr val="lt1"/>
+          </a:fontRef>
+        </p:style>
+        <p:txBody>
+          <a:bodyPr rtlCol="0" anchor="ctr"/>
+          <a:lstStyle/>
+          <a:p>
+            <a:pPr algn="ctr"/>
+            <a:endParaRPr lang="ko-KR" altLang="en-US" sz="1013"/>
+          </a:p>
+        </p:txBody>
+      </p:sp>
+      <p:sp>
+        <p:nvSpPr>
+          <p:cNvPr id="24" name="TextBox 23">
+            <a:extLst>
+              <a:ext uri="{FF2B5EF4-FFF2-40B4-BE49-F238E27FC236}">
+                <a16:creationId xmlns:a16="http://schemas.microsoft.com/office/drawing/2014/main" id="{706566D1-60CB-4C10-9859-0656D082B2B7}"/>
+              </a:ext>
+            </a:extLst>
+          </p:cNvPr>
+          <p:cNvSpPr txBox="1"/>
+          <p:nvPr/>
+        </p:nvSpPr>
+        <p:spPr>
+          <a:xfrm>
+            <a:off x="2120784" y="1939562"/>
+            <a:ext cx="4071397" cy="248209"/>
+          </a:xfrm>
+          <a:prstGeom prst="rect">
+            <a:avLst/>
+          </a:prstGeom>
+          <a:noFill/>
+          <a:ln>
+            <a:noFill/>
+          </a:ln>
+        </p:spPr>
+        <p:txBody>
+          <a:bodyPr wrap="square" rtlCol="0">
+            <a:spAutoFit/>
+          </a:bodyPr>
+          <a:lstStyle/>
+          <a:p>
+            <a:r>
+              <a:rPr lang="en-US" altLang="ko-KR" sz="1013" b="1" dirty="0">
+                <a:ln>
+                  <a:solidFill>
+                    <a:schemeClr val="tx1">
+                      <a:alpha val="30000"/>
+                    </a:schemeClr>
+                  </a:solidFill>
+                </a:ln>
+                <a:latin typeface="맑은 고딕" panose="020B0503020000020004" pitchFamily="50" charset="-127"/>
+                <a:ea typeface="맑은 고딕" panose="020B0503020000020004" pitchFamily="50" charset="-127"/>
+              </a:rPr>
+              <a:t>GitHub : </a:t>
+            </a:r>
+            <a:r>
+              <a:rPr lang="ko-KR" altLang="en-US" sz="1013" b="1" dirty="0">
+                <a:ln>
+                  <a:solidFill>
+                    <a:schemeClr val="tx1">
+                      <a:alpha val="30000"/>
+                    </a:schemeClr>
+                  </a:solidFill>
+                </a:ln>
+                <a:latin typeface="맑은 고딕" panose="020B0503020000020004" pitchFamily="50" charset="-127"/>
+                <a:ea typeface="맑은 고딕" panose="020B0503020000020004" pitchFamily="50" charset="-127"/>
+              </a:rPr>
+              <a:t>형상관리</a:t>
+            </a:r>
+            <a:r>
+              <a:rPr lang="en-US" altLang="ko-KR" sz="1013" b="1" dirty="0">
+                <a:ln>
+                  <a:solidFill>
+                    <a:schemeClr val="tx1">
+                      <a:alpha val="30000"/>
+                    </a:schemeClr>
+                  </a:solidFill>
+                </a:ln>
+                <a:latin typeface="맑은 고딕" panose="020B0503020000020004" pitchFamily="50" charset="-127"/>
+                <a:ea typeface="맑은 고딕" panose="020B0503020000020004" pitchFamily="50" charset="-127"/>
+              </a:rPr>
+              <a:t> : 4</a:t>
+            </a:r>
+            <a:r>
+              <a:rPr lang="ko-KR" altLang="en-US" sz="1013" b="1" dirty="0">
+                <a:ln>
+                  <a:solidFill>
+                    <a:schemeClr val="tx1">
+                      <a:alpha val="30000"/>
+                    </a:schemeClr>
+                  </a:solidFill>
+                </a:ln>
+                <a:latin typeface="맑은 고딕" panose="020B0503020000020004" pitchFamily="50" charset="-127"/>
+                <a:ea typeface="맑은 고딕" panose="020B0503020000020004" pitchFamily="50" charset="-127"/>
+              </a:rPr>
+              <a:t>월 </a:t>
+            </a:r>
+            <a:r>
+              <a:rPr lang="en-US" altLang="ko-KR" sz="1013" b="1" dirty="0">
+                <a:ln>
+                  <a:solidFill>
+                    <a:schemeClr val="tx1">
+                      <a:alpha val="30000"/>
+                    </a:schemeClr>
+                  </a:solidFill>
+                </a:ln>
+                <a:latin typeface="맑은 고딕" panose="020B0503020000020004" pitchFamily="50" charset="-127"/>
+                <a:ea typeface="맑은 고딕" panose="020B0503020000020004" pitchFamily="50" charset="-127"/>
+              </a:rPr>
+              <a:t>2</a:t>
+            </a:r>
+            <a:r>
+              <a:rPr lang="ko-KR" altLang="en-US" sz="1013" b="1" dirty="0">
+                <a:ln>
+                  <a:solidFill>
+                    <a:schemeClr val="tx1">
+                      <a:alpha val="30000"/>
+                    </a:schemeClr>
+                  </a:solidFill>
+                </a:ln>
+                <a:latin typeface="맑은 고딕" panose="020B0503020000020004" pitchFamily="50" charset="-127"/>
+                <a:ea typeface="맑은 고딕" panose="020B0503020000020004" pitchFamily="50" charset="-127"/>
+              </a:rPr>
+              <a:t>일 </a:t>
+            </a:r>
+            <a:r>
+              <a:rPr lang="en-US" altLang="ko-KR" sz="1013" b="1" dirty="0">
+                <a:ln>
+                  <a:solidFill>
+                    <a:schemeClr val="tx1">
+                      <a:alpha val="30000"/>
+                    </a:schemeClr>
+                  </a:solidFill>
+                </a:ln>
+                <a:latin typeface="맑은 고딕" panose="020B0503020000020004" pitchFamily="50" charset="-127"/>
+                <a:ea typeface="맑은 고딕" panose="020B0503020000020004" pitchFamily="50" charset="-127"/>
+              </a:rPr>
+              <a:t>~ 4</a:t>
+            </a:r>
+            <a:r>
+              <a:rPr lang="ko-KR" altLang="en-US" sz="1013" b="1" dirty="0">
+                <a:ln>
+                  <a:solidFill>
+                    <a:schemeClr val="tx1">
+                      <a:alpha val="30000"/>
+                    </a:schemeClr>
+                  </a:solidFill>
+                </a:ln>
+                <a:latin typeface="맑은 고딕" panose="020B0503020000020004" pitchFamily="50" charset="-127"/>
+                <a:ea typeface="맑은 고딕" panose="020B0503020000020004" pitchFamily="50" charset="-127"/>
+              </a:rPr>
+              <a:t>월 </a:t>
+            </a:r>
+            <a:r>
+              <a:rPr lang="en-US" altLang="ko-KR" sz="1013" b="1" dirty="0">
+                <a:ln>
+                  <a:solidFill>
+                    <a:schemeClr val="tx1">
+                      <a:alpha val="30000"/>
+                    </a:schemeClr>
+                  </a:solidFill>
+                </a:ln>
+                <a:latin typeface="맑은 고딕" panose="020B0503020000020004" pitchFamily="50" charset="-127"/>
+                <a:ea typeface="맑은 고딕" panose="020B0503020000020004" pitchFamily="50" charset="-127"/>
+              </a:rPr>
+              <a:t>9</a:t>
+            </a:r>
+            <a:r>
+              <a:rPr lang="ko-KR" altLang="en-US" sz="1013" b="1" dirty="0">
+                <a:ln>
+                  <a:solidFill>
+                    <a:schemeClr val="tx1">
+                      <a:alpha val="30000"/>
+                    </a:schemeClr>
+                  </a:solidFill>
+                </a:ln>
+                <a:latin typeface="맑은 고딕" panose="020B0503020000020004" pitchFamily="50" charset="-127"/>
+                <a:ea typeface="맑은 고딕" panose="020B0503020000020004" pitchFamily="50" charset="-127"/>
+              </a:rPr>
+              <a:t>일 </a:t>
+            </a:r>
+            <a:r>
+              <a:rPr lang="en-US" altLang="ko-KR" sz="1013" b="1" dirty="0">
+                <a:ln>
+                  <a:solidFill>
+                    <a:schemeClr val="tx1">
+                      <a:alpha val="30000"/>
+                    </a:schemeClr>
+                  </a:solidFill>
+                </a:ln>
+                <a:latin typeface="맑은 고딕" panose="020B0503020000020004" pitchFamily="50" charset="-127"/>
+                <a:ea typeface="맑은 고딕" panose="020B0503020000020004" pitchFamily="50" charset="-127"/>
+              </a:rPr>
+              <a:t>(1</a:t>
+            </a:r>
+            <a:r>
+              <a:rPr lang="ko-KR" altLang="en-US" sz="1013" b="1" dirty="0">
+                <a:ln>
+                  <a:solidFill>
+                    <a:schemeClr val="tx1">
+                      <a:alpha val="30000"/>
+                    </a:schemeClr>
+                  </a:solidFill>
+                </a:ln>
+                <a:latin typeface="맑은 고딕" panose="020B0503020000020004" pitchFamily="50" charset="-127"/>
+                <a:ea typeface="맑은 고딕" panose="020B0503020000020004" pitchFamily="50" charset="-127"/>
+              </a:rPr>
+              <a:t>주</a:t>
+            </a:r>
+            <a:r>
+              <a:rPr lang="en-US" altLang="ko-KR" sz="1013" b="1" dirty="0">
+                <a:ln>
+                  <a:solidFill>
+                    <a:schemeClr val="tx1">
+                      <a:alpha val="30000"/>
+                    </a:schemeClr>
+                  </a:solidFill>
+                </a:ln>
+                <a:latin typeface="맑은 고딕" panose="020B0503020000020004" pitchFamily="50" charset="-127"/>
+                <a:ea typeface="맑은 고딕" panose="020B0503020000020004" pitchFamily="50" charset="-127"/>
+              </a:rPr>
+              <a:t>) </a:t>
+            </a:r>
+          </a:p>
+        </p:txBody>
+      </p:sp>
+      <p:sp>
+        <p:nvSpPr>
+          <p:cNvPr id="39" name="직사각형 38"/>
+          <p:cNvSpPr/>
+          <p:nvPr/>
+        </p:nvSpPr>
+        <p:spPr>
+          <a:xfrm>
+            <a:off x="2080601" y="2187495"/>
+            <a:ext cx="4947170" cy="3064208"/>
+          </a:xfrm>
+          <a:prstGeom prst="rect">
+            <a:avLst/>
+          </a:prstGeom>
+        </p:spPr>
+        <p:style>
+          <a:lnRef idx="2">
+            <a:schemeClr val="accent5"/>
+          </a:lnRef>
+          <a:fillRef idx="1">
+            <a:schemeClr val="lt1"/>
+          </a:fillRef>
+          <a:effectRef idx="0">
+            <a:schemeClr val="accent5"/>
+          </a:effectRef>
+          <a:fontRef idx="minor">
+            <a:schemeClr val="dk1"/>
+          </a:fontRef>
+        </p:style>
+        <p:txBody>
+          <a:bodyPr rtlCol="0" anchor="ctr"/>
+          <a:lstStyle/>
+          <a:p>
+            <a:pPr algn="ctr"/>
+            <a:endParaRPr lang="ko-KR" altLang="en-US" sz="1013"/>
+          </a:p>
+        </p:txBody>
+      </p:sp>
+      <p:sp>
+        <p:nvSpPr>
+          <p:cNvPr id="13" name="직사각형 12">
+            <a:extLst>
+              <a:ext uri="{FF2B5EF4-FFF2-40B4-BE49-F238E27FC236}">
+                <a16:creationId xmlns:a16="http://schemas.microsoft.com/office/drawing/2014/main" id="{7034C9FB-F232-4EA0-B4A4-6912E021D3EC}"/>
+              </a:ext>
+            </a:extLst>
+          </p:cNvPr>
+          <p:cNvSpPr/>
+          <p:nvPr/>
+        </p:nvSpPr>
+        <p:spPr>
+          <a:xfrm>
+            <a:off x="2243957" y="2346430"/>
+            <a:ext cx="920373" cy="288017"/>
+          </a:xfrm>
+          <a:prstGeom prst="rect">
+            <a:avLst/>
+          </a:prstGeom>
+          <a:noFill/>
+        </p:spPr>
+        <p:style>
+          <a:lnRef idx="2">
+            <a:schemeClr val="accent1">
+              <a:shade val="50000"/>
+            </a:schemeClr>
+          </a:lnRef>
+          <a:fillRef idx="1">
+            <a:schemeClr val="accent1"/>
+          </a:fillRef>
+          <a:effectRef idx="0">
+            <a:schemeClr val="accent1"/>
+          </a:effectRef>
+          <a:fontRef idx="minor">
+            <a:schemeClr val="lt1"/>
+          </a:fontRef>
+        </p:style>
+        <p:txBody>
+          <a:bodyPr rtlCol="0" anchor="ctr"/>
+          <a:lstStyle/>
+          <a:p>
+            <a:pPr algn="ctr"/>
+            <a:endParaRPr lang="ko-KR" altLang="en-US" sz="1013"/>
+          </a:p>
+        </p:txBody>
+      </p:sp>
+      <p:pic>
+        <p:nvPicPr>
+          <p:cNvPr id="4" name="그림 3">
+            <a:extLst>
+              <a:ext uri="{FF2B5EF4-FFF2-40B4-BE49-F238E27FC236}">
+                <a16:creationId xmlns:a16="http://schemas.microsoft.com/office/drawing/2014/main" id="{4274FFD0-8469-4AF7-8FF7-140D81AAC1EE}"/>
+              </a:ext>
+            </a:extLst>
+          </p:cNvPr>
+          <p:cNvPicPr>
+            <a:picLocks noChangeAspect="1"/>
+          </p:cNvPicPr>
+          <p:nvPr/>
+        </p:nvPicPr>
+        <p:blipFill>
+          <a:blip r:embed="rId2"/>
+          <a:stretch>
+            <a:fillRect/>
+          </a:stretch>
+        </p:blipFill>
+        <p:spPr>
+          <a:xfrm>
+            <a:off x="2274194" y="2393153"/>
+            <a:ext cx="819746" cy="192881"/>
+          </a:xfrm>
+          <a:prstGeom prst="rect">
+            <a:avLst/>
+          </a:prstGeom>
+        </p:spPr>
+      </p:pic>
+      <p:pic>
+        <p:nvPicPr>
+          <p:cNvPr id="7" name="그림 6">
+            <a:extLst>
+              <a:ext uri="{FF2B5EF4-FFF2-40B4-BE49-F238E27FC236}">
+                <a16:creationId xmlns:a16="http://schemas.microsoft.com/office/drawing/2014/main" id="{5097CB58-E47C-4B41-BA80-24F3F4FB0A71}"/>
+              </a:ext>
+            </a:extLst>
+          </p:cNvPr>
+          <p:cNvPicPr>
+            <a:picLocks noChangeAspect="1"/>
+          </p:cNvPicPr>
+          <p:nvPr/>
+        </p:nvPicPr>
+        <p:blipFill>
+          <a:blip r:embed="rId3"/>
+          <a:stretch>
+            <a:fillRect/>
+          </a:stretch>
+        </p:blipFill>
+        <p:spPr>
+          <a:xfrm>
+            <a:off x="2233971" y="3975479"/>
+            <a:ext cx="4313444" cy="1111785"/>
+          </a:xfrm>
+          <a:prstGeom prst="rect">
+            <a:avLst/>
+          </a:prstGeom>
+        </p:spPr>
+      </p:pic>
+      <p:pic>
+        <p:nvPicPr>
+          <p:cNvPr id="10" name="그림 9">
+            <a:extLst>
+              <a:ext uri="{FF2B5EF4-FFF2-40B4-BE49-F238E27FC236}">
+                <a16:creationId xmlns:a16="http://schemas.microsoft.com/office/drawing/2014/main" id="{B2E598C0-EAF1-49CF-B807-C5ED76FCFC44}"/>
+              </a:ext>
+            </a:extLst>
+          </p:cNvPr>
+          <p:cNvPicPr>
+            <a:picLocks noChangeAspect="1"/>
+          </p:cNvPicPr>
+          <p:nvPr/>
+        </p:nvPicPr>
+        <p:blipFill>
+          <a:blip r:embed="rId4"/>
+          <a:stretch>
+            <a:fillRect/>
+          </a:stretch>
+        </p:blipFill>
+        <p:spPr>
+          <a:xfrm>
+            <a:off x="2233970" y="2662304"/>
+            <a:ext cx="4272939" cy="1330517"/>
+          </a:xfrm>
+          <a:prstGeom prst="rect">
+            <a:avLst/>
+          </a:prstGeom>
+        </p:spPr>
+      </p:pic>
+    </p:spTree>
+    <p:extLst>
+      <p:ext uri="{BB962C8B-B14F-4D97-AF65-F5344CB8AC3E}">
+        <p14:creationId xmlns:p14="http://schemas.microsoft.com/office/powerpoint/2010/main" val="1121989828"/>
+      </p:ext>
+    </p:extLst>
+  </p:cSld>
+  <p:clrMapOvr>
+    <a:masterClrMapping/>
+  </p:clrMapOvr>
+</p:sld>
+</file>
+
+<file path=ppt/slides/slide12.xml><?xml version="1.0" encoding="utf-8"?>
+<p:sld xmlns:a="http://schemas.openxmlformats.org/drawingml/2006/main" xmlns:r="http://schemas.openxmlformats.org/officeDocument/2006/relationships" xmlns:p="http://schemas.openxmlformats.org/presentationml/2006/main">
+  <p:cSld>
+    <p:spTree>
+      <p:nvGrpSpPr>
+        <p:cNvPr id="1" name=""/>
+        <p:cNvGrpSpPr/>
+        <p:nvPr/>
+      </p:nvGrpSpPr>
+      <p:grpSpPr>
+        <a:xfrm>
+          <a:off x="0" y="0"/>
+          <a:ext cx="0" cy="0"/>
+          <a:chOff x="0" y="0"/>
+          <a:chExt cx="0" cy="0"/>
+        </a:xfrm>
+      </p:grpSpPr>
+      <p:sp>
+        <p:nvSpPr>
+          <p:cNvPr id="18" name="TextBox 17">
+            <a:extLst>
+              <a:ext uri="{FF2B5EF4-FFF2-40B4-BE49-F238E27FC236}">
+                <a16:creationId xmlns:a16="http://schemas.microsoft.com/office/drawing/2014/main" id="{D7B7EE40-BAD9-4569-9BF6-F6E9ACA78A3C}"/>
+              </a:ext>
+            </a:extLst>
+          </p:cNvPr>
+          <p:cNvSpPr txBox="1"/>
+          <p:nvPr/>
+        </p:nvSpPr>
+        <p:spPr>
+          <a:xfrm>
+            <a:off x="2062279" y="1407020"/>
+            <a:ext cx="2389171" cy="578300"/>
+          </a:xfrm>
+          <a:prstGeom prst="rect">
+            <a:avLst/>
+          </a:prstGeom>
+          <a:noFill/>
+        </p:spPr>
+        <p:txBody>
+          <a:bodyPr wrap="square" rtlCol="0" anchor="ctr">
+            <a:spAutoFit/>
+          </a:bodyPr>
+          <a:lstStyle/>
+          <a:p>
+            <a:pPr algn="ctr">
+              <a:lnSpc>
+                <a:spcPct val="150000"/>
+              </a:lnSpc>
+            </a:pPr>
+            <a:r>
+              <a:rPr lang="ko-KR" altLang="en-US" sz="1125" b="1" dirty="0">
+                <a:ln>
+                  <a:solidFill>
+                    <a:schemeClr val="tx1">
+                      <a:alpha val="30000"/>
+                    </a:schemeClr>
+                  </a:solidFill>
+                </a:ln>
+                <a:latin typeface="맑은 고딕" panose="020B0503020000020004" pitchFamily="50" charset="-127"/>
+                <a:ea typeface="맑은 고딕" panose="020B0503020000020004" pitchFamily="50" charset="-127"/>
+              </a:rPr>
+              <a:t>개발 일정</a:t>
+            </a:r>
+            <a:r>
+              <a:rPr lang="en-US" altLang="ko-KR" sz="1125" b="1" dirty="0">
+                <a:ln>
+                  <a:solidFill>
+                    <a:schemeClr val="tx1">
+                      <a:alpha val="30000"/>
+                    </a:schemeClr>
+                  </a:solidFill>
+                </a:ln>
+                <a:latin typeface="맑은 고딕" panose="020B0503020000020004" pitchFamily="50" charset="-127"/>
+                <a:ea typeface="맑은 고딕" panose="020B0503020000020004" pitchFamily="50" charset="-127"/>
+              </a:rPr>
+              <a:t>(Development Schedule)</a:t>
+            </a:r>
+            <a:endParaRPr lang="ko-KR" altLang="en-US" sz="1125" b="1" dirty="0">
+              <a:ln>
+                <a:solidFill>
+                  <a:schemeClr val="tx1">
+                    <a:alpha val="30000"/>
+                  </a:schemeClr>
+                </a:solidFill>
+              </a:ln>
+              <a:latin typeface="맑은 고딕" panose="020B0503020000020004" pitchFamily="50" charset="-127"/>
+              <a:ea typeface="맑은 고딕" panose="020B0503020000020004" pitchFamily="50" charset="-127"/>
+            </a:endParaRPr>
+          </a:p>
+        </p:txBody>
+      </p:sp>
+      <p:sp>
+        <p:nvSpPr>
+          <p:cNvPr id="22" name="직사각형 21">
+            <a:extLst>
+              <a:ext uri="{FF2B5EF4-FFF2-40B4-BE49-F238E27FC236}">
+                <a16:creationId xmlns:a16="http://schemas.microsoft.com/office/drawing/2014/main" id="{AB4C8245-D0E4-4D79-B3E9-2FB89CE6FE84}"/>
+              </a:ext>
+            </a:extLst>
+          </p:cNvPr>
+          <p:cNvSpPr/>
+          <p:nvPr/>
+        </p:nvSpPr>
+        <p:spPr>
+          <a:xfrm>
+            <a:off x="2040416" y="1540358"/>
+            <a:ext cx="2411033" cy="321471"/>
+          </a:xfrm>
+          <a:prstGeom prst="rect">
+            <a:avLst/>
+          </a:prstGeom>
+          <a:noFill/>
+          <a:ln w="25400">
+            <a:solidFill>
+              <a:schemeClr val="tx1"/>
+            </a:solidFill>
+          </a:ln>
+        </p:spPr>
+        <p:style>
+          <a:lnRef idx="2">
+            <a:schemeClr val="accent1">
+              <a:shade val="50000"/>
+            </a:schemeClr>
+          </a:lnRef>
+          <a:fillRef idx="1">
+            <a:schemeClr val="accent1"/>
+          </a:fillRef>
+          <a:effectRef idx="0">
+            <a:schemeClr val="accent1"/>
+          </a:effectRef>
+          <a:fontRef idx="minor">
+            <a:schemeClr val="lt1"/>
+          </a:fontRef>
+        </p:style>
+        <p:txBody>
+          <a:bodyPr rtlCol="0" anchor="ctr"/>
+          <a:lstStyle/>
+          <a:p>
+            <a:pPr algn="ctr"/>
+            <a:endParaRPr lang="ko-KR" altLang="en-US" sz="1013"/>
+          </a:p>
+        </p:txBody>
+      </p:sp>
+      <p:sp>
+        <p:nvSpPr>
+          <p:cNvPr id="24" name="TextBox 23">
+            <a:extLst>
+              <a:ext uri="{FF2B5EF4-FFF2-40B4-BE49-F238E27FC236}">
+                <a16:creationId xmlns:a16="http://schemas.microsoft.com/office/drawing/2014/main" id="{706566D1-60CB-4C10-9859-0656D082B2B7}"/>
+              </a:ext>
+            </a:extLst>
+          </p:cNvPr>
+          <p:cNvSpPr txBox="1"/>
+          <p:nvPr/>
+        </p:nvSpPr>
+        <p:spPr>
+          <a:xfrm>
+            <a:off x="2120784" y="1939562"/>
+            <a:ext cx="4071397" cy="248209"/>
+          </a:xfrm>
+          <a:prstGeom prst="rect">
+            <a:avLst/>
+          </a:prstGeom>
+          <a:noFill/>
+          <a:ln>
+            <a:noFill/>
+          </a:ln>
+        </p:spPr>
+        <p:txBody>
+          <a:bodyPr wrap="square" rtlCol="0">
+            <a:spAutoFit/>
+          </a:bodyPr>
+          <a:lstStyle/>
+          <a:p>
+            <a:r>
+              <a:rPr lang="en-US" altLang="ko-KR" sz="1013" b="1" dirty="0">
+                <a:ln>
+                  <a:solidFill>
+                    <a:schemeClr val="tx1">
+                      <a:alpha val="30000"/>
+                    </a:schemeClr>
+                  </a:solidFill>
+                </a:ln>
+                <a:latin typeface="맑은 고딕" panose="020B0503020000020004" pitchFamily="50" charset="-127"/>
+                <a:ea typeface="맑은 고딕" panose="020B0503020000020004" pitchFamily="50" charset="-127"/>
+              </a:rPr>
+              <a:t>GitHub : </a:t>
+            </a:r>
+            <a:r>
+              <a:rPr lang="ko-KR" altLang="en-US" sz="1013" b="1" dirty="0">
+                <a:ln>
+                  <a:solidFill>
+                    <a:schemeClr val="tx1">
+                      <a:alpha val="30000"/>
+                    </a:schemeClr>
+                  </a:solidFill>
+                </a:ln>
+                <a:latin typeface="맑은 고딕" panose="020B0503020000020004" pitchFamily="50" charset="-127"/>
+                <a:ea typeface="맑은 고딕" panose="020B0503020000020004" pitchFamily="50" charset="-127"/>
+              </a:rPr>
+              <a:t>형상관리</a:t>
+            </a:r>
+            <a:r>
+              <a:rPr lang="en-US" altLang="ko-KR" sz="1013" b="1" dirty="0">
+                <a:ln>
+                  <a:solidFill>
+                    <a:schemeClr val="tx1">
+                      <a:alpha val="30000"/>
+                    </a:schemeClr>
+                  </a:solidFill>
+                </a:ln>
+                <a:latin typeface="맑은 고딕" panose="020B0503020000020004" pitchFamily="50" charset="-127"/>
+                <a:ea typeface="맑은 고딕" panose="020B0503020000020004" pitchFamily="50" charset="-127"/>
+              </a:rPr>
+              <a:t> : 4</a:t>
+            </a:r>
+            <a:r>
+              <a:rPr lang="ko-KR" altLang="en-US" sz="1013" b="1" dirty="0">
+                <a:ln>
+                  <a:solidFill>
+                    <a:schemeClr val="tx1">
+                      <a:alpha val="30000"/>
+                    </a:schemeClr>
+                  </a:solidFill>
+                </a:ln>
+                <a:latin typeface="맑은 고딕" panose="020B0503020000020004" pitchFamily="50" charset="-127"/>
+                <a:ea typeface="맑은 고딕" panose="020B0503020000020004" pitchFamily="50" charset="-127"/>
+              </a:rPr>
+              <a:t>월 </a:t>
+            </a:r>
+            <a:r>
+              <a:rPr lang="en-US" altLang="ko-KR" sz="1013" b="1" dirty="0">
+                <a:ln>
+                  <a:solidFill>
+                    <a:schemeClr val="tx1">
+                      <a:alpha val="30000"/>
+                    </a:schemeClr>
+                  </a:solidFill>
+                </a:ln>
+                <a:latin typeface="맑은 고딕" panose="020B0503020000020004" pitchFamily="50" charset="-127"/>
+                <a:ea typeface="맑은 고딕" panose="020B0503020000020004" pitchFamily="50" charset="-127"/>
+              </a:rPr>
+              <a:t>2</a:t>
+            </a:r>
+            <a:r>
+              <a:rPr lang="ko-KR" altLang="en-US" sz="1013" b="1" dirty="0">
+                <a:ln>
+                  <a:solidFill>
+                    <a:schemeClr val="tx1">
+                      <a:alpha val="30000"/>
+                    </a:schemeClr>
+                  </a:solidFill>
+                </a:ln>
+                <a:latin typeface="맑은 고딕" panose="020B0503020000020004" pitchFamily="50" charset="-127"/>
+                <a:ea typeface="맑은 고딕" panose="020B0503020000020004" pitchFamily="50" charset="-127"/>
+              </a:rPr>
+              <a:t>일 </a:t>
+            </a:r>
+            <a:r>
+              <a:rPr lang="en-US" altLang="ko-KR" sz="1013" b="1" dirty="0">
+                <a:ln>
+                  <a:solidFill>
+                    <a:schemeClr val="tx1">
+                      <a:alpha val="30000"/>
+                    </a:schemeClr>
+                  </a:solidFill>
+                </a:ln>
+                <a:latin typeface="맑은 고딕" panose="020B0503020000020004" pitchFamily="50" charset="-127"/>
+                <a:ea typeface="맑은 고딕" panose="020B0503020000020004" pitchFamily="50" charset="-127"/>
+              </a:rPr>
+              <a:t>~ 4</a:t>
+            </a:r>
+            <a:r>
+              <a:rPr lang="ko-KR" altLang="en-US" sz="1013" b="1" dirty="0">
+                <a:ln>
+                  <a:solidFill>
+                    <a:schemeClr val="tx1">
+                      <a:alpha val="30000"/>
+                    </a:schemeClr>
+                  </a:solidFill>
+                </a:ln>
+                <a:latin typeface="맑은 고딕" panose="020B0503020000020004" pitchFamily="50" charset="-127"/>
+                <a:ea typeface="맑은 고딕" panose="020B0503020000020004" pitchFamily="50" charset="-127"/>
+              </a:rPr>
+              <a:t>월 </a:t>
+            </a:r>
+            <a:r>
+              <a:rPr lang="en-US" altLang="ko-KR" sz="1013" b="1" dirty="0">
+                <a:ln>
+                  <a:solidFill>
+                    <a:schemeClr val="tx1">
+                      <a:alpha val="30000"/>
+                    </a:schemeClr>
+                  </a:solidFill>
+                </a:ln>
+                <a:latin typeface="맑은 고딕" panose="020B0503020000020004" pitchFamily="50" charset="-127"/>
+                <a:ea typeface="맑은 고딕" panose="020B0503020000020004" pitchFamily="50" charset="-127"/>
+              </a:rPr>
+              <a:t>9</a:t>
+            </a:r>
+            <a:r>
+              <a:rPr lang="ko-KR" altLang="en-US" sz="1013" b="1" dirty="0">
+                <a:ln>
+                  <a:solidFill>
+                    <a:schemeClr val="tx1">
+                      <a:alpha val="30000"/>
+                    </a:schemeClr>
+                  </a:solidFill>
+                </a:ln>
+                <a:latin typeface="맑은 고딕" panose="020B0503020000020004" pitchFamily="50" charset="-127"/>
+                <a:ea typeface="맑은 고딕" panose="020B0503020000020004" pitchFamily="50" charset="-127"/>
+              </a:rPr>
+              <a:t>일 </a:t>
+            </a:r>
+            <a:r>
+              <a:rPr lang="en-US" altLang="ko-KR" sz="1013" b="1" dirty="0">
+                <a:ln>
+                  <a:solidFill>
+                    <a:schemeClr val="tx1">
+                      <a:alpha val="30000"/>
+                    </a:schemeClr>
+                  </a:solidFill>
+                </a:ln>
+                <a:latin typeface="맑은 고딕" panose="020B0503020000020004" pitchFamily="50" charset="-127"/>
+                <a:ea typeface="맑은 고딕" panose="020B0503020000020004" pitchFamily="50" charset="-127"/>
+              </a:rPr>
+              <a:t>(1</a:t>
+            </a:r>
+            <a:r>
+              <a:rPr lang="ko-KR" altLang="en-US" sz="1013" b="1" dirty="0">
+                <a:ln>
+                  <a:solidFill>
+                    <a:schemeClr val="tx1">
+                      <a:alpha val="30000"/>
+                    </a:schemeClr>
+                  </a:solidFill>
+                </a:ln>
+                <a:latin typeface="맑은 고딕" panose="020B0503020000020004" pitchFamily="50" charset="-127"/>
+                <a:ea typeface="맑은 고딕" panose="020B0503020000020004" pitchFamily="50" charset="-127"/>
+              </a:rPr>
+              <a:t>주</a:t>
+            </a:r>
+            <a:r>
+              <a:rPr lang="en-US" altLang="ko-KR" sz="1013" b="1" dirty="0">
+                <a:ln>
+                  <a:solidFill>
+                    <a:schemeClr val="tx1">
+                      <a:alpha val="30000"/>
+                    </a:schemeClr>
+                  </a:solidFill>
+                </a:ln>
+                <a:latin typeface="맑은 고딕" panose="020B0503020000020004" pitchFamily="50" charset="-127"/>
+                <a:ea typeface="맑은 고딕" panose="020B0503020000020004" pitchFamily="50" charset="-127"/>
+              </a:rPr>
+              <a:t>) </a:t>
+            </a:r>
+          </a:p>
+        </p:txBody>
+      </p:sp>
+      <p:sp>
+        <p:nvSpPr>
+          <p:cNvPr id="39" name="직사각형 38"/>
+          <p:cNvSpPr/>
+          <p:nvPr/>
+        </p:nvSpPr>
+        <p:spPr>
+          <a:xfrm>
+            <a:off x="2080601" y="2187495"/>
+            <a:ext cx="4947170" cy="3064208"/>
+          </a:xfrm>
+          <a:prstGeom prst="rect">
+            <a:avLst/>
+          </a:prstGeom>
+        </p:spPr>
+        <p:style>
+          <a:lnRef idx="2">
+            <a:schemeClr val="accent5"/>
+          </a:lnRef>
+          <a:fillRef idx="1">
+            <a:schemeClr val="lt1"/>
+          </a:fillRef>
+          <a:effectRef idx="0">
+            <a:schemeClr val="accent5"/>
+          </a:effectRef>
+          <a:fontRef idx="minor">
+            <a:schemeClr val="dk1"/>
+          </a:fontRef>
+        </p:style>
+        <p:txBody>
+          <a:bodyPr rtlCol="0" anchor="ctr"/>
+          <a:lstStyle/>
+          <a:p>
+            <a:pPr algn="ctr"/>
+            <a:endParaRPr lang="ko-KR" altLang="en-US" sz="1013"/>
+          </a:p>
+        </p:txBody>
+      </p:sp>
+      <p:sp>
+        <p:nvSpPr>
+          <p:cNvPr id="13" name="직사각형 12">
+            <a:extLst>
+              <a:ext uri="{FF2B5EF4-FFF2-40B4-BE49-F238E27FC236}">
+                <a16:creationId xmlns:a16="http://schemas.microsoft.com/office/drawing/2014/main" id="{7034C9FB-F232-4EA0-B4A4-6912E021D3EC}"/>
+              </a:ext>
+            </a:extLst>
+          </p:cNvPr>
+          <p:cNvSpPr/>
+          <p:nvPr/>
+        </p:nvSpPr>
+        <p:spPr>
+          <a:xfrm>
+            <a:off x="3766796" y="2565096"/>
+            <a:ext cx="1509287" cy="212468"/>
+          </a:xfrm>
+          <a:prstGeom prst="rect">
+            <a:avLst/>
+          </a:prstGeom>
+          <a:noFill/>
+        </p:spPr>
+        <p:style>
+          <a:lnRef idx="2">
+            <a:schemeClr val="accent1">
+              <a:shade val="50000"/>
+            </a:schemeClr>
+          </a:lnRef>
+          <a:fillRef idx="1">
+            <a:schemeClr val="accent1"/>
+          </a:fillRef>
+          <a:effectRef idx="0">
+            <a:schemeClr val="accent1"/>
+          </a:effectRef>
+          <a:fontRef idx="minor">
+            <a:schemeClr val="lt1"/>
+          </a:fontRef>
+        </p:style>
+        <p:txBody>
+          <a:bodyPr rtlCol="0" anchor="ctr"/>
+          <a:lstStyle/>
+          <a:p>
+            <a:pPr algn="ctr"/>
+            <a:endParaRPr lang="ko-KR" altLang="en-US" sz="1013"/>
+          </a:p>
+        </p:txBody>
+      </p:sp>
+      <p:pic>
+        <p:nvPicPr>
+          <p:cNvPr id="3" name="그림 2">
+            <a:extLst>
+              <a:ext uri="{FF2B5EF4-FFF2-40B4-BE49-F238E27FC236}">
+                <a16:creationId xmlns:a16="http://schemas.microsoft.com/office/drawing/2014/main" id="{FC39453F-0E7D-48EF-9901-E3A0AD7E1CB3}"/>
+              </a:ext>
+            </a:extLst>
+          </p:cNvPr>
+          <p:cNvPicPr>
+            <a:picLocks noChangeAspect="1"/>
+          </p:cNvPicPr>
+          <p:nvPr/>
+        </p:nvPicPr>
+        <p:blipFill>
+          <a:blip r:embed="rId2"/>
+          <a:stretch>
+            <a:fillRect/>
+          </a:stretch>
+        </p:blipFill>
+        <p:spPr>
+          <a:xfrm>
+            <a:off x="2149234" y="2922175"/>
+            <a:ext cx="4845535" cy="1584878"/>
+          </a:xfrm>
+          <a:prstGeom prst="rect">
+            <a:avLst/>
+          </a:prstGeom>
+        </p:spPr>
+      </p:pic>
+      <p:pic>
+        <p:nvPicPr>
+          <p:cNvPr id="6" name="그림 5">
+            <a:extLst>
+              <a:ext uri="{FF2B5EF4-FFF2-40B4-BE49-F238E27FC236}">
+                <a16:creationId xmlns:a16="http://schemas.microsoft.com/office/drawing/2014/main" id="{8DAB46A5-C44B-4767-9677-36795497D58B}"/>
+              </a:ext>
+            </a:extLst>
+          </p:cNvPr>
+          <p:cNvPicPr>
+            <a:picLocks noChangeAspect="1"/>
+          </p:cNvPicPr>
+          <p:nvPr/>
+        </p:nvPicPr>
+        <p:blipFill>
+          <a:blip r:embed="rId3"/>
+          <a:stretch>
+            <a:fillRect/>
+          </a:stretch>
+        </p:blipFill>
+        <p:spPr>
+          <a:xfrm>
+            <a:off x="3802416" y="2601558"/>
+            <a:ext cx="1398100" cy="153340"/>
+          </a:xfrm>
+          <a:prstGeom prst="rect">
+            <a:avLst/>
+          </a:prstGeom>
+        </p:spPr>
+      </p:pic>
+    </p:spTree>
+    <p:extLst>
+      <p:ext uri="{BB962C8B-B14F-4D97-AF65-F5344CB8AC3E}">
+        <p14:creationId xmlns:p14="http://schemas.microsoft.com/office/powerpoint/2010/main" val="1363208530"/>
+      </p:ext>
+    </p:extLst>
+  </p:cSld>
+  <p:clrMapOvr>
+    <a:masterClrMapping/>
+  </p:clrMapOvr>
+</p:sld>
+</file>
+
+<file path=ppt/slides/slide13.xml><?xml version="1.0" encoding="utf-8"?>
+<p:sld xmlns:a="http://schemas.openxmlformats.org/drawingml/2006/main" xmlns:r="http://schemas.openxmlformats.org/officeDocument/2006/relationships" xmlns:p="http://schemas.openxmlformats.org/presentationml/2006/main">
+  <p:cSld>
+    <p:spTree>
+      <p:nvGrpSpPr>
+        <p:cNvPr id="1" name=""/>
+        <p:cNvGrpSpPr/>
+        <p:nvPr/>
+      </p:nvGrpSpPr>
+      <p:grpSpPr>
+        <a:xfrm>
+          <a:off x="0" y="0"/>
+          <a:ext cx="0" cy="0"/>
+          <a:chOff x="0" y="0"/>
+          <a:chExt cx="0" cy="0"/>
+        </a:xfrm>
+      </p:grpSpPr>
+      <p:sp>
+        <p:nvSpPr>
+          <p:cNvPr id="11" name="직사각형 10">
+            <a:extLst>
+              <a:ext uri="{FF2B5EF4-FFF2-40B4-BE49-F238E27FC236}">
+                <a16:creationId xmlns:a16="http://schemas.microsoft.com/office/drawing/2014/main" id="{E7F48EE2-946C-41C9-AB49-E05601B819CE}"/>
+              </a:ext>
+            </a:extLst>
+          </p:cNvPr>
+          <p:cNvSpPr/>
+          <p:nvPr/>
+        </p:nvSpPr>
+        <p:spPr>
+          <a:xfrm>
+            <a:off x="2080601" y="2187495"/>
+            <a:ext cx="4947170" cy="3064208"/>
+          </a:xfrm>
+          <a:prstGeom prst="rect">
+            <a:avLst/>
+          </a:prstGeom>
+        </p:spPr>
+        <p:style>
+          <a:lnRef idx="2">
+            <a:schemeClr val="accent5"/>
+          </a:lnRef>
+          <a:fillRef idx="1">
+            <a:schemeClr val="lt1"/>
+          </a:fillRef>
+          <a:effectRef idx="0">
+            <a:schemeClr val="accent5"/>
+          </a:effectRef>
+          <a:fontRef idx="minor">
+            <a:schemeClr val="dk1"/>
+          </a:fontRef>
+        </p:style>
+        <p:txBody>
+          <a:bodyPr rtlCol="0" anchor="ctr"/>
+          <a:lstStyle/>
+          <a:p>
+            <a:pPr algn="ctr"/>
+            <a:endParaRPr lang="ko-KR" altLang="en-US" sz="1013"/>
+          </a:p>
+        </p:txBody>
+      </p:sp>
+      <p:sp>
+        <p:nvSpPr>
+          <p:cNvPr id="18" name="TextBox 17">
+            <a:extLst>
+              <a:ext uri="{FF2B5EF4-FFF2-40B4-BE49-F238E27FC236}">
+                <a16:creationId xmlns:a16="http://schemas.microsoft.com/office/drawing/2014/main" id="{D7B7EE40-BAD9-4569-9BF6-F6E9ACA78A3C}"/>
+              </a:ext>
+            </a:extLst>
+          </p:cNvPr>
+          <p:cNvSpPr txBox="1"/>
+          <p:nvPr/>
+        </p:nvSpPr>
+        <p:spPr>
+          <a:xfrm>
+            <a:off x="2062279" y="1407020"/>
+            <a:ext cx="2389171" cy="578300"/>
+          </a:xfrm>
+          <a:prstGeom prst="rect">
+            <a:avLst/>
+          </a:prstGeom>
+          <a:noFill/>
+        </p:spPr>
+        <p:txBody>
+          <a:bodyPr wrap="square" rtlCol="0" anchor="ctr">
+            <a:spAutoFit/>
+          </a:bodyPr>
+          <a:lstStyle/>
+          <a:p>
+            <a:pPr algn="ctr">
+              <a:lnSpc>
+                <a:spcPct val="150000"/>
+              </a:lnSpc>
+            </a:pPr>
+            <a:r>
+              <a:rPr lang="ko-KR" altLang="en-US" sz="1125" b="1" dirty="0">
+                <a:ln>
+                  <a:solidFill>
+                    <a:schemeClr val="tx1">
+                      <a:alpha val="30000"/>
+                    </a:schemeClr>
+                  </a:solidFill>
+                </a:ln>
+                <a:latin typeface="맑은 고딕" panose="020B0503020000020004" pitchFamily="50" charset="-127"/>
+                <a:ea typeface="맑은 고딕" panose="020B0503020000020004" pitchFamily="50" charset="-127"/>
+              </a:rPr>
+              <a:t>개발 일정</a:t>
+            </a:r>
+            <a:r>
+              <a:rPr lang="en-US" altLang="ko-KR" sz="1125" b="1" dirty="0">
+                <a:ln>
+                  <a:solidFill>
+                    <a:schemeClr val="tx1">
+                      <a:alpha val="30000"/>
+                    </a:schemeClr>
+                  </a:solidFill>
+                </a:ln>
+                <a:latin typeface="맑은 고딕" panose="020B0503020000020004" pitchFamily="50" charset="-127"/>
+                <a:ea typeface="맑은 고딕" panose="020B0503020000020004" pitchFamily="50" charset="-127"/>
+              </a:rPr>
+              <a:t>(Development Schedule)</a:t>
+            </a:r>
+            <a:endParaRPr lang="ko-KR" altLang="en-US" sz="1125" b="1" dirty="0">
+              <a:ln>
+                <a:solidFill>
+                  <a:schemeClr val="tx1">
+                    <a:alpha val="30000"/>
+                  </a:schemeClr>
+                </a:solidFill>
+              </a:ln>
+              <a:latin typeface="맑은 고딕" panose="020B0503020000020004" pitchFamily="50" charset="-127"/>
+              <a:ea typeface="맑은 고딕" panose="020B0503020000020004" pitchFamily="50" charset="-127"/>
+            </a:endParaRPr>
+          </a:p>
+        </p:txBody>
+      </p:sp>
+      <p:sp>
+        <p:nvSpPr>
+          <p:cNvPr id="22" name="직사각형 21">
+            <a:extLst>
+              <a:ext uri="{FF2B5EF4-FFF2-40B4-BE49-F238E27FC236}">
+                <a16:creationId xmlns:a16="http://schemas.microsoft.com/office/drawing/2014/main" id="{AB4C8245-D0E4-4D79-B3E9-2FB89CE6FE84}"/>
+              </a:ext>
+            </a:extLst>
+          </p:cNvPr>
+          <p:cNvSpPr/>
+          <p:nvPr/>
+        </p:nvSpPr>
+        <p:spPr>
+          <a:xfrm>
+            <a:off x="2040416" y="1540358"/>
+            <a:ext cx="2411033" cy="321471"/>
+          </a:xfrm>
+          <a:prstGeom prst="rect">
+            <a:avLst/>
+          </a:prstGeom>
+          <a:noFill/>
+          <a:ln w="25400">
+            <a:solidFill>
+              <a:schemeClr val="tx1"/>
+            </a:solidFill>
+          </a:ln>
+        </p:spPr>
+        <p:style>
+          <a:lnRef idx="2">
+            <a:schemeClr val="accent1">
+              <a:shade val="50000"/>
+            </a:schemeClr>
+          </a:lnRef>
+          <a:fillRef idx="1">
+            <a:schemeClr val="accent1"/>
+          </a:fillRef>
+          <a:effectRef idx="0">
+            <a:schemeClr val="accent1"/>
+          </a:effectRef>
+          <a:fontRef idx="minor">
+            <a:schemeClr val="lt1"/>
+          </a:fontRef>
+        </p:style>
+        <p:txBody>
+          <a:bodyPr rtlCol="0" anchor="ctr"/>
+          <a:lstStyle/>
+          <a:p>
+            <a:pPr algn="ctr"/>
+            <a:endParaRPr lang="ko-KR" altLang="en-US" sz="1013"/>
+          </a:p>
+        </p:txBody>
+      </p:sp>
+      <p:sp>
+        <p:nvSpPr>
+          <p:cNvPr id="24" name="TextBox 23">
+            <a:extLst>
+              <a:ext uri="{FF2B5EF4-FFF2-40B4-BE49-F238E27FC236}">
+                <a16:creationId xmlns:a16="http://schemas.microsoft.com/office/drawing/2014/main" id="{706566D1-60CB-4C10-9859-0656D082B2B7}"/>
+              </a:ext>
+            </a:extLst>
+          </p:cNvPr>
+          <p:cNvSpPr txBox="1"/>
+          <p:nvPr/>
+        </p:nvSpPr>
+        <p:spPr>
+          <a:xfrm>
+            <a:off x="2120784" y="1939562"/>
+            <a:ext cx="4071397" cy="248209"/>
+          </a:xfrm>
+          <a:prstGeom prst="rect">
+            <a:avLst/>
+          </a:prstGeom>
+          <a:noFill/>
+          <a:ln>
+            <a:noFill/>
+          </a:ln>
+        </p:spPr>
+        <p:txBody>
+          <a:bodyPr wrap="square" rtlCol="0">
+            <a:spAutoFit/>
+          </a:bodyPr>
+          <a:lstStyle/>
+          <a:p>
+            <a:r>
+              <a:rPr lang="en-US" altLang="ko-KR" sz="1013" b="1" dirty="0">
+                <a:ln>
+                  <a:solidFill>
+                    <a:schemeClr val="tx1">
+                      <a:alpha val="30000"/>
+                    </a:schemeClr>
+                  </a:solidFill>
+                </a:ln>
+                <a:latin typeface="맑은 고딕" panose="020B0503020000020004" pitchFamily="50" charset="-127"/>
+                <a:ea typeface="맑은 고딕" panose="020B0503020000020004" pitchFamily="50" charset="-127"/>
+              </a:rPr>
+              <a:t>GitHub : </a:t>
+            </a:r>
+            <a:r>
+              <a:rPr lang="ko-KR" altLang="en-US" sz="1013" b="1" dirty="0">
+                <a:ln>
+                  <a:solidFill>
+                    <a:schemeClr val="tx1">
+                      <a:alpha val="30000"/>
+                    </a:schemeClr>
+                  </a:solidFill>
+                </a:ln>
+                <a:latin typeface="맑은 고딕" panose="020B0503020000020004" pitchFamily="50" charset="-127"/>
+                <a:ea typeface="맑은 고딕" panose="020B0503020000020004" pitchFamily="50" charset="-127"/>
+              </a:rPr>
+              <a:t>형상관리</a:t>
+            </a:r>
+            <a:r>
+              <a:rPr lang="en-US" altLang="ko-KR" sz="1013" b="1" dirty="0">
+                <a:ln>
+                  <a:solidFill>
+                    <a:schemeClr val="tx1">
+                      <a:alpha val="30000"/>
+                    </a:schemeClr>
+                  </a:solidFill>
+                </a:ln>
+                <a:latin typeface="맑은 고딕" panose="020B0503020000020004" pitchFamily="50" charset="-127"/>
+                <a:ea typeface="맑은 고딕" panose="020B0503020000020004" pitchFamily="50" charset="-127"/>
+              </a:rPr>
+              <a:t> : 4</a:t>
+            </a:r>
+            <a:r>
+              <a:rPr lang="ko-KR" altLang="en-US" sz="1013" b="1" dirty="0">
+                <a:ln>
+                  <a:solidFill>
+                    <a:schemeClr val="tx1">
+                      <a:alpha val="30000"/>
+                    </a:schemeClr>
+                  </a:solidFill>
+                </a:ln>
+                <a:latin typeface="맑은 고딕" panose="020B0503020000020004" pitchFamily="50" charset="-127"/>
+                <a:ea typeface="맑은 고딕" panose="020B0503020000020004" pitchFamily="50" charset="-127"/>
+              </a:rPr>
+              <a:t>월 </a:t>
+            </a:r>
+            <a:r>
+              <a:rPr lang="en-US" altLang="ko-KR" sz="1013" b="1" dirty="0">
+                <a:ln>
+                  <a:solidFill>
+                    <a:schemeClr val="tx1">
+                      <a:alpha val="30000"/>
+                    </a:schemeClr>
+                  </a:solidFill>
+                </a:ln>
+                <a:latin typeface="맑은 고딕" panose="020B0503020000020004" pitchFamily="50" charset="-127"/>
+                <a:ea typeface="맑은 고딕" panose="020B0503020000020004" pitchFamily="50" charset="-127"/>
+              </a:rPr>
+              <a:t>2</a:t>
+            </a:r>
+            <a:r>
+              <a:rPr lang="ko-KR" altLang="en-US" sz="1013" b="1" dirty="0">
+                <a:ln>
+                  <a:solidFill>
+                    <a:schemeClr val="tx1">
+                      <a:alpha val="30000"/>
+                    </a:schemeClr>
+                  </a:solidFill>
+                </a:ln>
+                <a:latin typeface="맑은 고딕" panose="020B0503020000020004" pitchFamily="50" charset="-127"/>
+                <a:ea typeface="맑은 고딕" panose="020B0503020000020004" pitchFamily="50" charset="-127"/>
+              </a:rPr>
+              <a:t>일 </a:t>
+            </a:r>
+            <a:r>
+              <a:rPr lang="en-US" altLang="ko-KR" sz="1013" b="1" dirty="0">
+                <a:ln>
+                  <a:solidFill>
+                    <a:schemeClr val="tx1">
+                      <a:alpha val="30000"/>
+                    </a:schemeClr>
+                  </a:solidFill>
+                </a:ln>
+                <a:latin typeface="맑은 고딕" panose="020B0503020000020004" pitchFamily="50" charset="-127"/>
+                <a:ea typeface="맑은 고딕" panose="020B0503020000020004" pitchFamily="50" charset="-127"/>
+              </a:rPr>
+              <a:t>~ 4</a:t>
+            </a:r>
+            <a:r>
+              <a:rPr lang="ko-KR" altLang="en-US" sz="1013" b="1" dirty="0">
+                <a:ln>
+                  <a:solidFill>
+                    <a:schemeClr val="tx1">
+                      <a:alpha val="30000"/>
+                    </a:schemeClr>
+                  </a:solidFill>
+                </a:ln>
+                <a:latin typeface="맑은 고딕" panose="020B0503020000020004" pitchFamily="50" charset="-127"/>
+                <a:ea typeface="맑은 고딕" panose="020B0503020000020004" pitchFamily="50" charset="-127"/>
+              </a:rPr>
+              <a:t>월 </a:t>
+            </a:r>
+            <a:r>
+              <a:rPr lang="en-US" altLang="ko-KR" sz="1013" b="1" dirty="0">
+                <a:ln>
+                  <a:solidFill>
+                    <a:schemeClr val="tx1">
+                      <a:alpha val="30000"/>
+                    </a:schemeClr>
+                  </a:solidFill>
+                </a:ln>
+                <a:latin typeface="맑은 고딕" panose="020B0503020000020004" pitchFamily="50" charset="-127"/>
+                <a:ea typeface="맑은 고딕" panose="020B0503020000020004" pitchFamily="50" charset="-127"/>
+              </a:rPr>
+              <a:t>9</a:t>
+            </a:r>
+            <a:r>
+              <a:rPr lang="ko-KR" altLang="en-US" sz="1013" b="1" dirty="0">
+                <a:ln>
+                  <a:solidFill>
+                    <a:schemeClr val="tx1">
+                      <a:alpha val="30000"/>
+                    </a:schemeClr>
+                  </a:solidFill>
+                </a:ln>
+                <a:latin typeface="맑은 고딕" panose="020B0503020000020004" pitchFamily="50" charset="-127"/>
+                <a:ea typeface="맑은 고딕" panose="020B0503020000020004" pitchFamily="50" charset="-127"/>
+              </a:rPr>
+              <a:t>일 </a:t>
+            </a:r>
+            <a:r>
+              <a:rPr lang="en-US" altLang="ko-KR" sz="1013" b="1" dirty="0">
+                <a:ln>
+                  <a:solidFill>
+                    <a:schemeClr val="tx1">
+                      <a:alpha val="30000"/>
+                    </a:schemeClr>
+                  </a:solidFill>
+                </a:ln>
+                <a:latin typeface="맑은 고딕" panose="020B0503020000020004" pitchFamily="50" charset="-127"/>
+                <a:ea typeface="맑은 고딕" panose="020B0503020000020004" pitchFamily="50" charset="-127"/>
+              </a:rPr>
+              <a:t>(1</a:t>
+            </a:r>
+            <a:r>
+              <a:rPr lang="ko-KR" altLang="en-US" sz="1013" b="1" dirty="0">
+                <a:ln>
+                  <a:solidFill>
+                    <a:schemeClr val="tx1">
+                      <a:alpha val="30000"/>
+                    </a:schemeClr>
+                  </a:solidFill>
+                </a:ln>
+                <a:latin typeface="맑은 고딕" panose="020B0503020000020004" pitchFamily="50" charset="-127"/>
+                <a:ea typeface="맑은 고딕" panose="020B0503020000020004" pitchFamily="50" charset="-127"/>
+              </a:rPr>
+              <a:t>주</a:t>
+            </a:r>
+            <a:r>
+              <a:rPr lang="en-US" altLang="ko-KR" sz="1013" b="1" dirty="0">
+                <a:ln>
+                  <a:solidFill>
+                    <a:schemeClr val="tx1">
+                      <a:alpha val="30000"/>
+                    </a:schemeClr>
+                  </a:solidFill>
+                </a:ln>
+                <a:latin typeface="맑은 고딕" panose="020B0503020000020004" pitchFamily="50" charset="-127"/>
+                <a:ea typeface="맑은 고딕" panose="020B0503020000020004" pitchFamily="50" charset="-127"/>
+              </a:rPr>
+              <a:t>) </a:t>
+            </a:r>
+          </a:p>
+        </p:txBody>
+      </p:sp>
+      <p:pic>
+        <p:nvPicPr>
+          <p:cNvPr id="7" name="그림 6">
+            <a:extLst>
+              <a:ext uri="{FF2B5EF4-FFF2-40B4-BE49-F238E27FC236}">
+                <a16:creationId xmlns:a16="http://schemas.microsoft.com/office/drawing/2014/main" id="{00C3D95B-BE45-4998-8460-BD79253F4E9F}"/>
+              </a:ext>
+            </a:extLst>
+          </p:cNvPr>
+          <p:cNvPicPr>
+            <a:picLocks noChangeAspect="1"/>
+          </p:cNvPicPr>
+          <p:nvPr/>
+        </p:nvPicPr>
+        <p:blipFill>
+          <a:blip r:embed="rId2"/>
+          <a:stretch>
+            <a:fillRect/>
+          </a:stretch>
+        </p:blipFill>
+        <p:spPr>
+          <a:xfrm>
+            <a:off x="2465766" y="2282057"/>
+            <a:ext cx="3867894" cy="2875083"/>
+          </a:xfrm>
+          <a:prstGeom prst="rect">
+            <a:avLst/>
+          </a:prstGeom>
+        </p:spPr>
+      </p:pic>
+    </p:spTree>
+    <p:extLst>
+      <p:ext uri="{BB962C8B-B14F-4D97-AF65-F5344CB8AC3E}">
+        <p14:creationId xmlns:p14="http://schemas.microsoft.com/office/powerpoint/2010/main" val="2208663857"/>
+      </p:ext>
+    </p:extLst>
+  </p:cSld>
+  <p:clrMapOvr>
+    <a:masterClrMapping/>
+  </p:clrMapOvr>
+</p:sld>
+</file>
+
+<file path=ppt/slides/slide14.xml><?xml version="1.0" encoding="utf-8"?>
+<p:sld xmlns:a="http://schemas.openxmlformats.org/drawingml/2006/main" xmlns:r="http://schemas.openxmlformats.org/officeDocument/2006/relationships" xmlns:p="http://schemas.openxmlformats.org/presentationml/2006/main">
+  <p:cSld>
+    <p:spTree>
+      <p:nvGrpSpPr>
+        <p:cNvPr id="1" name=""/>
+        <p:cNvGrpSpPr/>
+        <p:nvPr/>
+      </p:nvGrpSpPr>
+      <p:grpSpPr>
+        <a:xfrm>
+          <a:off x="0" y="0"/>
+          <a:ext cx="0" cy="0"/>
+          <a:chOff x="0" y="0"/>
+          <a:chExt cx="0" cy="0"/>
+        </a:xfrm>
+      </p:grpSpPr>
+      <p:sp>
+        <p:nvSpPr>
+          <p:cNvPr id="11" name="직사각형 10">
+            <a:extLst>
+              <a:ext uri="{FF2B5EF4-FFF2-40B4-BE49-F238E27FC236}">
+                <a16:creationId xmlns:a16="http://schemas.microsoft.com/office/drawing/2014/main" id="{E7F48EE2-946C-41C9-AB49-E05601B819CE}"/>
+              </a:ext>
+            </a:extLst>
+          </p:cNvPr>
+          <p:cNvSpPr/>
+          <p:nvPr/>
+        </p:nvSpPr>
+        <p:spPr>
+          <a:xfrm>
+            <a:off x="2080601" y="2187495"/>
+            <a:ext cx="4947170" cy="3064208"/>
+          </a:xfrm>
+          <a:prstGeom prst="rect">
+            <a:avLst/>
+          </a:prstGeom>
+        </p:spPr>
+        <p:style>
+          <a:lnRef idx="2">
+            <a:schemeClr val="accent5"/>
+          </a:lnRef>
+          <a:fillRef idx="1">
+            <a:schemeClr val="lt1"/>
+          </a:fillRef>
+          <a:effectRef idx="0">
+            <a:schemeClr val="accent5"/>
+          </a:effectRef>
+          <a:fontRef idx="minor">
+            <a:schemeClr val="dk1"/>
+          </a:fontRef>
+        </p:style>
+        <p:txBody>
+          <a:bodyPr rtlCol="0" anchor="ctr"/>
+          <a:lstStyle/>
+          <a:p>
+            <a:pPr algn="ctr"/>
+            <a:endParaRPr lang="ko-KR" altLang="en-US" sz="1013"/>
+          </a:p>
+        </p:txBody>
+      </p:sp>
+      <p:sp>
+        <p:nvSpPr>
+          <p:cNvPr id="18" name="TextBox 17">
+            <a:extLst>
+              <a:ext uri="{FF2B5EF4-FFF2-40B4-BE49-F238E27FC236}">
+                <a16:creationId xmlns:a16="http://schemas.microsoft.com/office/drawing/2014/main" id="{D7B7EE40-BAD9-4569-9BF6-F6E9ACA78A3C}"/>
+              </a:ext>
+            </a:extLst>
+          </p:cNvPr>
+          <p:cNvSpPr txBox="1"/>
+          <p:nvPr/>
+        </p:nvSpPr>
+        <p:spPr>
+          <a:xfrm>
+            <a:off x="2062279" y="1407020"/>
+            <a:ext cx="2389171" cy="578300"/>
+          </a:xfrm>
+          <a:prstGeom prst="rect">
+            <a:avLst/>
+          </a:prstGeom>
+          <a:noFill/>
+        </p:spPr>
+        <p:txBody>
+          <a:bodyPr wrap="square" rtlCol="0" anchor="ctr">
+            <a:spAutoFit/>
+          </a:bodyPr>
+          <a:lstStyle/>
+          <a:p>
+            <a:pPr algn="ctr">
+              <a:lnSpc>
+                <a:spcPct val="150000"/>
+              </a:lnSpc>
+            </a:pPr>
+            <a:r>
+              <a:rPr lang="ko-KR" altLang="en-US" sz="1125" b="1" dirty="0">
+                <a:ln>
+                  <a:solidFill>
+                    <a:schemeClr val="tx1">
+                      <a:alpha val="30000"/>
+                    </a:schemeClr>
+                  </a:solidFill>
+                </a:ln>
+                <a:latin typeface="맑은 고딕" panose="020B0503020000020004" pitchFamily="50" charset="-127"/>
+                <a:ea typeface="맑은 고딕" panose="020B0503020000020004" pitchFamily="50" charset="-127"/>
+              </a:rPr>
+              <a:t>개발 일정</a:t>
+            </a:r>
+            <a:r>
+              <a:rPr lang="en-US" altLang="ko-KR" sz="1125" b="1" dirty="0">
+                <a:ln>
+                  <a:solidFill>
+                    <a:schemeClr val="tx1">
+                      <a:alpha val="30000"/>
+                    </a:schemeClr>
+                  </a:solidFill>
+                </a:ln>
+                <a:latin typeface="맑은 고딕" panose="020B0503020000020004" pitchFamily="50" charset="-127"/>
+                <a:ea typeface="맑은 고딕" panose="020B0503020000020004" pitchFamily="50" charset="-127"/>
+              </a:rPr>
+              <a:t>(Development Schedule)</a:t>
+            </a:r>
+            <a:endParaRPr lang="ko-KR" altLang="en-US" sz="1125" b="1" dirty="0">
+              <a:ln>
+                <a:solidFill>
+                  <a:schemeClr val="tx1">
+                    <a:alpha val="30000"/>
+                  </a:schemeClr>
+                </a:solidFill>
+              </a:ln>
+              <a:latin typeface="맑은 고딕" panose="020B0503020000020004" pitchFamily="50" charset="-127"/>
+              <a:ea typeface="맑은 고딕" panose="020B0503020000020004" pitchFamily="50" charset="-127"/>
+            </a:endParaRPr>
+          </a:p>
+        </p:txBody>
+      </p:sp>
+      <p:sp>
+        <p:nvSpPr>
+          <p:cNvPr id="22" name="직사각형 21">
+            <a:extLst>
+              <a:ext uri="{FF2B5EF4-FFF2-40B4-BE49-F238E27FC236}">
+                <a16:creationId xmlns:a16="http://schemas.microsoft.com/office/drawing/2014/main" id="{AB4C8245-D0E4-4D79-B3E9-2FB89CE6FE84}"/>
+              </a:ext>
+            </a:extLst>
+          </p:cNvPr>
+          <p:cNvSpPr/>
+          <p:nvPr/>
+        </p:nvSpPr>
+        <p:spPr>
+          <a:xfrm>
+            <a:off x="2040416" y="1540358"/>
+            <a:ext cx="2411033" cy="321471"/>
+          </a:xfrm>
+          <a:prstGeom prst="rect">
+            <a:avLst/>
+          </a:prstGeom>
+          <a:noFill/>
+          <a:ln w="25400">
+            <a:solidFill>
+              <a:schemeClr val="tx1"/>
+            </a:solidFill>
+          </a:ln>
+        </p:spPr>
+        <p:style>
+          <a:lnRef idx="2">
+            <a:schemeClr val="accent1">
+              <a:shade val="50000"/>
+            </a:schemeClr>
+          </a:lnRef>
+          <a:fillRef idx="1">
+            <a:schemeClr val="accent1"/>
+          </a:fillRef>
+          <a:effectRef idx="0">
+            <a:schemeClr val="accent1"/>
+          </a:effectRef>
+          <a:fontRef idx="minor">
+            <a:schemeClr val="lt1"/>
+          </a:fontRef>
+        </p:style>
+        <p:txBody>
+          <a:bodyPr rtlCol="0" anchor="ctr"/>
+          <a:lstStyle/>
+          <a:p>
+            <a:pPr algn="ctr"/>
+            <a:endParaRPr lang="ko-KR" altLang="en-US" sz="1013"/>
+          </a:p>
+        </p:txBody>
+      </p:sp>
+      <p:sp>
+        <p:nvSpPr>
+          <p:cNvPr id="24" name="TextBox 23">
+            <a:extLst>
+              <a:ext uri="{FF2B5EF4-FFF2-40B4-BE49-F238E27FC236}">
+                <a16:creationId xmlns:a16="http://schemas.microsoft.com/office/drawing/2014/main" id="{706566D1-60CB-4C10-9859-0656D082B2B7}"/>
+              </a:ext>
+            </a:extLst>
+          </p:cNvPr>
+          <p:cNvSpPr txBox="1"/>
+          <p:nvPr/>
+        </p:nvSpPr>
+        <p:spPr>
+          <a:xfrm>
+            <a:off x="2120784" y="1939562"/>
+            <a:ext cx="4071397" cy="248209"/>
+          </a:xfrm>
+          <a:prstGeom prst="rect">
+            <a:avLst/>
+          </a:prstGeom>
+          <a:noFill/>
+          <a:ln>
+            <a:noFill/>
+          </a:ln>
+        </p:spPr>
+        <p:txBody>
+          <a:bodyPr wrap="square" rtlCol="0">
+            <a:spAutoFit/>
+          </a:bodyPr>
+          <a:lstStyle/>
+          <a:p>
+            <a:r>
+              <a:rPr lang="en-US" altLang="ko-KR" sz="1013" b="1" dirty="0">
+                <a:ln>
+                  <a:solidFill>
+                    <a:schemeClr val="tx1">
+                      <a:alpha val="30000"/>
+                    </a:schemeClr>
+                  </a:solidFill>
+                </a:ln>
+                <a:latin typeface="맑은 고딕" panose="020B0503020000020004" pitchFamily="50" charset="-127"/>
+                <a:ea typeface="맑은 고딕" panose="020B0503020000020004" pitchFamily="50" charset="-127"/>
+              </a:rPr>
+              <a:t>GitHub : </a:t>
+            </a:r>
+            <a:r>
+              <a:rPr lang="ko-KR" altLang="en-US" sz="1013" b="1" dirty="0">
+                <a:ln>
+                  <a:solidFill>
+                    <a:schemeClr val="tx1">
+                      <a:alpha val="30000"/>
+                    </a:schemeClr>
+                  </a:solidFill>
+                </a:ln>
+                <a:latin typeface="맑은 고딕" panose="020B0503020000020004" pitchFamily="50" charset="-127"/>
+                <a:ea typeface="맑은 고딕" panose="020B0503020000020004" pitchFamily="50" charset="-127"/>
+              </a:rPr>
+              <a:t>형상관리</a:t>
+            </a:r>
+            <a:r>
+              <a:rPr lang="en-US" altLang="ko-KR" sz="1013" b="1" dirty="0">
+                <a:ln>
+                  <a:solidFill>
+                    <a:schemeClr val="tx1">
+                      <a:alpha val="30000"/>
+                    </a:schemeClr>
+                  </a:solidFill>
+                </a:ln>
+                <a:latin typeface="맑은 고딕" panose="020B0503020000020004" pitchFamily="50" charset="-127"/>
+                <a:ea typeface="맑은 고딕" panose="020B0503020000020004" pitchFamily="50" charset="-127"/>
+              </a:rPr>
+              <a:t> : 4</a:t>
+            </a:r>
+            <a:r>
+              <a:rPr lang="ko-KR" altLang="en-US" sz="1013" b="1" dirty="0">
+                <a:ln>
+                  <a:solidFill>
+                    <a:schemeClr val="tx1">
+                      <a:alpha val="30000"/>
+                    </a:schemeClr>
+                  </a:solidFill>
+                </a:ln>
+                <a:latin typeface="맑은 고딕" panose="020B0503020000020004" pitchFamily="50" charset="-127"/>
+                <a:ea typeface="맑은 고딕" panose="020B0503020000020004" pitchFamily="50" charset="-127"/>
+              </a:rPr>
+              <a:t>월 </a:t>
+            </a:r>
+            <a:r>
+              <a:rPr lang="en-US" altLang="ko-KR" sz="1013" b="1" dirty="0">
+                <a:ln>
+                  <a:solidFill>
+                    <a:schemeClr val="tx1">
+                      <a:alpha val="30000"/>
+                    </a:schemeClr>
+                  </a:solidFill>
+                </a:ln>
+                <a:latin typeface="맑은 고딕" panose="020B0503020000020004" pitchFamily="50" charset="-127"/>
+                <a:ea typeface="맑은 고딕" panose="020B0503020000020004" pitchFamily="50" charset="-127"/>
+              </a:rPr>
+              <a:t>2</a:t>
+            </a:r>
+            <a:r>
+              <a:rPr lang="ko-KR" altLang="en-US" sz="1013" b="1" dirty="0">
+                <a:ln>
+                  <a:solidFill>
+                    <a:schemeClr val="tx1">
+                      <a:alpha val="30000"/>
+                    </a:schemeClr>
+                  </a:solidFill>
+                </a:ln>
+                <a:latin typeface="맑은 고딕" panose="020B0503020000020004" pitchFamily="50" charset="-127"/>
+                <a:ea typeface="맑은 고딕" panose="020B0503020000020004" pitchFamily="50" charset="-127"/>
+              </a:rPr>
+              <a:t>일 </a:t>
+            </a:r>
+            <a:r>
+              <a:rPr lang="en-US" altLang="ko-KR" sz="1013" b="1" dirty="0">
+                <a:ln>
+                  <a:solidFill>
+                    <a:schemeClr val="tx1">
+                      <a:alpha val="30000"/>
+                    </a:schemeClr>
+                  </a:solidFill>
+                </a:ln>
+                <a:latin typeface="맑은 고딕" panose="020B0503020000020004" pitchFamily="50" charset="-127"/>
+                <a:ea typeface="맑은 고딕" panose="020B0503020000020004" pitchFamily="50" charset="-127"/>
+              </a:rPr>
+              <a:t>~ 4</a:t>
+            </a:r>
+            <a:r>
+              <a:rPr lang="ko-KR" altLang="en-US" sz="1013" b="1" dirty="0">
+                <a:ln>
+                  <a:solidFill>
+                    <a:schemeClr val="tx1">
+                      <a:alpha val="30000"/>
+                    </a:schemeClr>
+                  </a:solidFill>
+                </a:ln>
+                <a:latin typeface="맑은 고딕" panose="020B0503020000020004" pitchFamily="50" charset="-127"/>
+                <a:ea typeface="맑은 고딕" panose="020B0503020000020004" pitchFamily="50" charset="-127"/>
+              </a:rPr>
+              <a:t>월 </a:t>
+            </a:r>
+            <a:r>
+              <a:rPr lang="en-US" altLang="ko-KR" sz="1013" b="1" dirty="0">
+                <a:ln>
+                  <a:solidFill>
+                    <a:schemeClr val="tx1">
+                      <a:alpha val="30000"/>
+                    </a:schemeClr>
+                  </a:solidFill>
+                </a:ln>
+                <a:latin typeface="맑은 고딕" panose="020B0503020000020004" pitchFamily="50" charset="-127"/>
+                <a:ea typeface="맑은 고딕" panose="020B0503020000020004" pitchFamily="50" charset="-127"/>
+              </a:rPr>
+              <a:t>9</a:t>
+            </a:r>
+            <a:r>
+              <a:rPr lang="ko-KR" altLang="en-US" sz="1013" b="1" dirty="0">
+                <a:ln>
+                  <a:solidFill>
+                    <a:schemeClr val="tx1">
+                      <a:alpha val="30000"/>
+                    </a:schemeClr>
+                  </a:solidFill>
+                </a:ln>
+                <a:latin typeface="맑은 고딕" panose="020B0503020000020004" pitchFamily="50" charset="-127"/>
+                <a:ea typeface="맑은 고딕" panose="020B0503020000020004" pitchFamily="50" charset="-127"/>
+              </a:rPr>
+              <a:t>일 </a:t>
+            </a:r>
+            <a:r>
+              <a:rPr lang="en-US" altLang="ko-KR" sz="1013" b="1" dirty="0">
+                <a:ln>
+                  <a:solidFill>
+                    <a:schemeClr val="tx1">
+                      <a:alpha val="30000"/>
+                    </a:schemeClr>
+                  </a:solidFill>
+                </a:ln>
+                <a:latin typeface="맑은 고딕" panose="020B0503020000020004" pitchFamily="50" charset="-127"/>
+                <a:ea typeface="맑은 고딕" panose="020B0503020000020004" pitchFamily="50" charset="-127"/>
+              </a:rPr>
+              <a:t>(1</a:t>
+            </a:r>
+            <a:r>
+              <a:rPr lang="ko-KR" altLang="en-US" sz="1013" b="1" dirty="0">
+                <a:ln>
+                  <a:solidFill>
+                    <a:schemeClr val="tx1">
+                      <a:alpha val="30000"/>
+                    </a:schemeClr>
+                  </a:solidFill>
+                </a:ln>
+                <a:latin typeface="맑은 고딕" panose="020B0503020000020004" pitchFamily="50" charset="-127"/>
+                <a:ea typeface="맑은 고딕" panose="020B0503020000020004" pitchFamily="50" charset="-127"/>
+              </a:rPr>
+              <a:t>주</a:t>
+            </a:r>
+            <a:r>
+              <a:rPr lang="en-US" altLang="ko-KR" sz="1013" b="1" dirty="0">
+                <a:ln>
+                  <a:solidFill>
+                    <a:schemeClr val="tx1">
+                      <a:alpha val="30000"/>
+                    </a:schemeClr>
+                  </a:solidFill>
+                </a:ln>
+                <a:latin typeface="맑은 고딕" panose="020B0503020000020004" pitchFamily="50" charset="-127"/>
+                <a:ea typeface="맑은 고딕" panose="020B0503020000020004" pitchFamily="50" charset="-127"/>
+              </a:rPr>
+              <a:t>) </a:t>
+            </a:r>
+          </a:p>
+        </p:txBody>
+      </p:sp>
+      <p:sp>
+        <p:nvSpPr>
+          <p:cNvPr id="13" name="직사각형 12">
+            <a:extLst>
+              <a:ext uri="{FF2B5EF4-FFF2-40B4-BE49-F238E27FC236}">
+                <a16:creationId xmlns:a16="http://schemas.microsoft.com/office/drawing/2014/main" id="{7034C9FB-F232-4EA0-B4A4-6912E021D3EC}"/>
+              </a:ext>
+            </a:extLst>
+          </p:cNvPr>
+          <p:cNvSpPr/>
+          <p:nvPr/>
+        </p:nvSpPr>
+        <p:spPr>
+          <a:xfrm>
+            <a:off x="3280890" y="2670048"/>
+            <a:ext cx="2419690" cy="247929"/>
+          </a:xfrm>
+          <a:prstGeom prst="rect">
+            <a:avLst/>
+          </a:prstGeom>
+          <a:noFill/>
+        </p:spPr>
+        <p:style>
+          <a:lnRef idx="2">
+            <a:schemeClr val="accent1">
+              <a:shade val="50000"/>
+            </a:schemeClr>
+          </a:lnRef>
+          <a:fillRef idx="1">
+            <a:schemeClr val="accent1"/>
+          </a:fillRef>
+          <a:effectRef idx="0">
+            <a:schemeClr val="accent1"/>
+          </a:effectRef>
+          <a:fontRef idx="minor">
+            <a:schemeClr val="lt1"/>
+          </a:fontRef>
+        </p:style>
+        <p:txBody>
+          <a:bodyPr rtlCol="0" anchor="ctr"/>
+          <a:lstStyle/>
+          <a:p>
+            <a:pPr algn="ctr"/>
+            <a:endParaRPr lang="ko-KR" altLang="en-US" sz="1013"/>
+          </a:p>
+        </p:txBody>
+      </p:sp>
+      <p:pic>
+        <p:nvPicPr>
+          <p:cNvPr id="10" name="그림 9">
+            <a:extLst>
+              <a:ext uri="{FF2B5EF4-FFF2-40B4-BE49-F238E27FC236}">
+                <a16:creationId xmlns:a16="http://schemas.microsoft.com/office/drawing/2014/main" id="{CF6BA19B-C170-4D2D-9639-55BBB20CB741}"/>
+              </a:ext>
+            </a:extLst>
+          </p:cNvPr>
+          <p:cNvPicPr>
+            <a:picLocks noChangeAspect="1"/>
+          </p:cNvPicPr>
+          <p:nvPr/>
+        </p:nvPicPr>
+        <p:blipFill>
+          <a:blip r:embed="rId2"/>
+          <a:stretch>
+            <a:fillRect/>
+          </a:stretch>
+        </p:blipFill>
+        <p:spPr>
+          <a:xfrm>
+            <a:off x="2152827" y="3398989"/>
+            <a:ext cx="4743886" cy="1271517"/>
+          </a:xfrm>
+          <a:prstGeom prst="rect">
+            <a:avLst/>
+          </a:prstGeom>
+        </p:spPr>
+      </p:pic>
+      <p:pic>
+        <p:nvPicPr>
+          <p:cNvPr id="4" name="그림 3">
+            <a:extLst>
+              <a:ext uri="{FF2B5EF4-FFF2-40B4-BE49-F238E27FC236}">
+                <a16:creationId xmlns:a16="http://schemas.microsoft.com/office/drawing/2014/main" id="{FEC1F33E-C30E-4846-93C7-691A7A81B41D}"/>
+              </a:ext>
+            </a:extLst>
+          </p:cNvPr>
+          <p:cNvPicPr>
+            <a:picLocks noChangeAspect="1"/>
+          </p:cNvPicPr>
+          <p:nvPr/>
+        </p:nvPicPr>
+        <p:blipFill>
+          <a:blip r:embed="rId3"/>
+          <a:stretch>
+            <a:fillRect/>
+          </a:stretch>
+        </p:blipFill>
+        <p:spPr>
+          <a:xfrm>
+            <a:off x="3423358" y="2715526"/>
+            <a:ext cx="2180630" cy="171450"/>
+          </a:xfrm>
+          <a:prstGeom prst="rect">
+            <a:avLst/>
+          </a:prstGeom>
+        </p:spPr>
+      </p:pic>
+    </p:spTree>
+    <p:extLst>
+      <p:ext uri="{BB962C8B-B14F-4D97-AF65-F5344CB8AC3E}">
+        <p14:creationId xmlns:p14="http://schemas.microsoft.com/office/powerpoint/2010/main" val="3190877612"/>
+      </p:ext>
+    </p:extLst>
+  </p:cSld>
+  <p:clrMapOvr>
+    <a:masterClrMapping/>
+  </p:clrMapOvr>
+</p:sld>
+</file>
+
 <file path=ppt/slides/slide2.xml><?xml version="1.0" encoding="utf-8"?>
 <p:sld xmlns:a="http://schemas.openxmlformats.org/drawingml/2006/main" xmlns:r="http://schemas.openxmlformats.org/officeDocument/2006/relationships" xmlns:p="http://schemas.openxmlformats.org/presentationml/2006/main">
   <p:cSld>
@@ -4977,6 +7572,2479 @@
     <p:extLst>
       <p:ext uri="{BB962C8B-B14F-4D97-AF65-F5344CB8AC3E}">
         <p14:creationId xmlns:p14="http://schemas.microsoft.com/office/powerpoint/2010/main" val="2459406997"/>
+      </p:ext>
+    </p:extLst>
+  </p:cSld>
+  <p:clrMapOvr>
+    <a:masterClrMapping/>
+  </p:clrMapOvr>
+</p:sld>
+</file>
+
+<file path=ppt/slides/slide5.xml><?xml version="1.0" encoding="utf-8"?>
+<p:sld xmlns:a="http://schemas.openxmlformats.org/drawingml/2006/main" xmlns:r="http://schemas.openxmlformats.org/officeDocument/2006/relationships" xmlns:p="http://schemas.openxmlformats.org/presentationml/2006/main">
+  <p:cSld>
+    <p:spTree>
+      <p:nvGrpSpPr>
+        <p:cNvPr id="1" name=""/>
+        <p:cNvGrpSpPr/>
+        <p:nvPr/>
+      </p:nvGrpSpPr>
+      <p:grpSpPr>
+        <a:xfrm>
+          <a:off x="0" y="0"/>
+          <a:ext cx="0" cy="0"/>
+          <a:chOff x="0" y="0"/>
+          <a:chExt cx="0" cy="0"/>
+        </a:xfrm>
+      </p:grpSpPr>
+      <p:sp>
+        <p:nvSpPr>
+          <p:cNvPr id="4" name="TextBox 3">
+            <a:extLst>
+              <a:ext uri="{FF2B5EF4-FFF2-40B4-BE49-F238E27FC236}">
+                <a16:creationId xmlns:a16="http://schemas.microsoft.com/office/drawing/2014/main" id="{A3DA2DF7-98BE-41BA-B2C0-1B8E131B60DB}"/>
+              </a:ext>
+            </a:extLst>
+          </p:cNvPr>
+          <p:cNvSpPr txBox="1"/>
+          <p:nvPr/>
+        </p:nvSpPr>
+        <p:spPr>
+          <a:xfrm>
+            <a:off x="1225704" y="921583"/>
+            <a:ext cx="3185561" cy="393954"/>
+          </a:xfrm>
+          <a:prstGeom prst="rect">
+            <a:avLst/>
+          </a:prstGeom>
+          <a:noFill/>
+        </p:spPr>
+        <p:txBody>
+          <a:bodyPr wrap="square" rtlCol="0" anchor="ctr">
+            <a:spAutoFit/>
+          </a:bodyPr>
+          <a:lstStyle/>
+          <a:p>
+            <a:pPr algn="ctr">
+              <a:lnSpc>
+                <a:spcPct val="150000"/>
+              </a:lnSpc>
+            </a:pPr>
+            <a:r>
+              <a:rPr lang="ko-KR" altLang="en-US" sz="1500" b="1" dirty="0">
+                <a:ln>
+                  <a:solidFill>
+                    <a:schemeClr val="tx1">
+                      <a:alpha val="30000"/>
+                    </a:schemeClr>
+                  </a:solidFill>
+                </a:ln>
+                <a:latin typeface="맑은 고딕" panose="020B0503020000020004" pitchFamily="50" charset="-127"/>
+                <a:ea typeface="맑은 고딕" panose="020B0503020000020004" pitchFamily="50" charset="-127"/>
+              </a:rPr>
+              <a:t>개발 일정</a:t>
+            </a:r>
+            <a:r>
+              <a:rPr lang="en-US" altLang="ko-KR" sz="1500" b="1" dirty="0">
+                <a:ln>
+                  <a:solidFill>
+                    <a:schemeClr val="tx1">
+                      <a:alpha val="30000"/>
+                    </a:schemeClr>
+                  </a:solidFill>
+                </a:ln>
+                <a:latin typeface="맑은 고딕" panose="020B0503020000020004" pitchFamily="50" charset="-127"/>
+                <a:ea typeface="맑은 고딕" panose="020B0503020000020004" pitchFamily="50" charset="-127"/>
+              </a:rPr>
+              <a:t>(Development Schedule)</a:t>
+            </a:r>
+            <a:endParaRPr lang="ko-KR" altLang="en-US" sz="1500" b="1" dirty="0">
+              <a:ln>
+                <a:solidFill>
+                  <a:schemeClr val="tx1">
+                    <a:alpha val="30000"/>
+                  </a:schemeClr>
+                </a:solidFill>
+              </a:ln>
+              <a:latin typeface="맑은 고딕" panose="020B0503020000020004" pitchFamily="50" charset="-127"/>
+              <a:ea typeface="맑은 고딕" panose="020B0503020000020004" pitchFamily="50" charset="-127"/>
+            </a:endParaRPr>
+          </a:p>
+        </p:txBody>
+      </p:sp>
+      <p:sp>
+        <p:nvSpPr>
+          <p:cNvPr id="5" name="직사각형 4">
+            <a:extLst>
+              <a:ext uri="{FF2B5EF4-FFF2-40B4-BE49-F238E27FC236}">
+                <a16:creationId xmlns:a16="http://schemas.microsoft.com/office/drawing/2014/main" id="{3B173D82-819C-4A6E-AB9C-4E513AED91A3}"/>
+              </a:ext>
+            </a:extLst>
+          </p:cNvPr>
+          <p:cNvSpPr/>
+          <p:nvPr/>
+        </p:nvSpPr>
+        <p:spPr>
+          <a:xfrm>
+            <a:off x="1196555" y="910811"/>
+            <a:ext cx="3214710" cy="428628"/>
+          </a:xfrm>
+          <a:prstGeom prst="rect">
+            <a:avLst/>
+          </a:prstGeom>
+          <a:noFill/>
+          <a:ln w="25400">
+            <a:solidFill>
+              <a:schemeClr val="tx1"/>
+            </a:solidFill>
+          </a:ln>
+        </p:spPr>
+        <p:style>
+          <a:lnRef idx="2">
+            <a:schemeClr val="accent1">
+              <a:shade val="50000"/>
+            </a:schemeClr>
+          </a:lnRef>
+          <a:fillRef idx="1">
+            <a:schemeClr val="accent1"/>
+          </a:fillRef>
+          <a:effectRef idx="0">
+            <a:schemeClr val="accent1"/>
+          </a:effectRef>
+          <a:fontRef idx="minor">
+            <a:schemeClr val="lt1"/>
+          </a:fontRef>
+        </p:style>
+        <p:txBody>
+          <a:bodyPr rtlCol="0" anchor="ctr"/>
+          <a:lstStyle/>
+          <a:p>
+            <a:pPr algn="ctr"/>
+            <a:endParaRPr lang="ko-KR" altLang="en-US" sz="1350"/>
+          </a:p>
+        </p:txBody>
+      </p:sp>
+      <p:sp>
+        <p:nvSpPr>
+          <p:cNvPr id="6" name="TextBox 5">
+            <a:extLst>
+              <a:ext uri="{FF2B5EF4-FFF2-40B4-BE49-F238E27FC236}">
+                <a16:creationId xmlns:a16="http://schemas.microsoft.com/office/drawing/2014/main" id="{B729E978-0679-4406-AAF1-3A6C49AC6480}"/>
+              </a:ext>
+            </a:extLst>
+          </p:cNvPr>
+          <p:cNvSpPr txBox="1"/>
+          <p:nvPr/>
+        </p:nvSpPr>
+        <p:spPr>
+          <a:xfrm>
+            <a:off x="1279282" y="1437489"/>
+            <a:ext cx="3670760" cy="300082"/>
+          </a:xfrm>
+          <a:prstGeom prst="rect">
+            <a:avLst/>
+          </a:prstGeom>
+          <a:noFill/>
+          <a:ln>
+            <a:noFill/>
+          </a:ln>
+        </p:spPr>
+        <p:txBody>
+          <a:bodyPr wrap="square" rtlCol="0">
+            <a:spAutoFit/>
+          </a:bodyPr>
+          <a:lstStyle/>
+          <a:p>
+            <a:r>
+              <a:rPr lang="en-US" altLang="ko-KR" sz="1350" b="1" dirty="0">
+                <a:ln>
+                  <a:solidFill>
+                    <a:schemeClr val="tx1">
+                      <a:alpha val="30000"/>
+                    </a:schemeClr>
+                  </a:solidFill>
+                </a:ln>
+                <a:latin typeface="맑은 고딕" panose="020B0503020000020004" pitchFamily="50" charset="-127"/>
+                <a:ea typeface="맑은 고딕" panose="020B0503020000020004" pitchFamily="50" charset="-127"/>
+              </a:rPr>
+              <a:t>Trello : </a:t>
+            </a:r>
+            <a:r>
+              <a:rPr lang="ko-KR" altLang="en-US" sz="1350" b="1" dirty="0">
+                <a:ln>
+                  <a:solidFill>
+                    <a:schemeClr val="tx1">
+                      <a:alpha val="30000"/>
+                    </a:schemeClr>
+                  </a:solidFill>
+                </a:ln>
+                <a:latin typeface="맑은 고딕" panose="020B0503020000020004" pitchFamily="50" charset="-127"/>
+                <a:ea typeface="맑은 고딕" panose="020B0503020000020004" pitchFamily="50" charset="-127"/>
+              </a:rPr>
+              <a:t>형상관리</a:t>
+            </a:r>
+            <a:r>
+              <a:rPr lang="en-US" altLang="ko-KR" sz="1350" b="1" dirty="0">
+                <a:ln>
+                  <a:solidFill>
+                    <a:schemeClr val="tx1">
+                      <a:alpha val="30000"/>
+                    </a:schemeClr>
+                  </a:solidFill>
+                </a:ln>
+                <a:latin typeface="맑은 고딕" panose="020B0503020000020004" pitchFamily="50" charset="-127"/>
+                <a:ea typeface="맑은 고딕" panose="020B0503020000020004" pitchFamily="50" charset="-127"/>
+              </a:rPr>
+              <a:t> : 4</a:t>
+            </a:r>
+            <a:r>
+              <a:rPr lang="ko-KR" altLang="en-US" sz="1350" b="1" dirty="0">
+                <a:ln>
+                  <a:solidFill>
+                    <a:schemeClr val="tx1">
+                      <a:alpha val="30000"/>
+                    </a:schemeClr>
+                  </a:solidFill>
+                </a:ln>
+                <a:latin typeface="맑은 고딕" panose="020B0503020000020004" pitchFamily="50" charset="-127"/>
+                <a:ea typeface="맑은 고딕" panose="020B0503020000020004" pitchFamily="50" charset="-127"/>
+              </a:rPr>
+              <a:t>월 </a:t>
+            </a:r>
+            <a:r>
+              <a:rPr lang="en-US" altLang="ko-KR" sz="1350" b="1" dirty="0">
+                <a:ln>
+                  <a:solidFill>
+                    <a:schemeClr val="tx1">
+                      <a:alpha val="30000"/>
+                    </a:schemeClr>
+                  </a:solidFill>
+                </a:ln>
+                <a:latin typeface="맑은 고딕" panose="020B0503020000020004" pitchFamily="50" charset="-127"/>
+                <a:ea typeface="맑은 고딕" panose="020B0503020000020004" pitchFamily="50" charset="-127"/>
+              </a:rPr>
+              <a:t>2</a:t>
+            </a:r>
+            <a:r>
+              <a:rPr lang="ko-KR" altLang="en-US" sz="1350" b="1" dirty="0">
+                <a:ln>
+                  <a:solidFill>
+                    <a:schemeClr val="tx1">
+                      <a:alpha val="30000"/>
+                    </a:schemeClr>
+                  </a:solidFill>
+                </a:ln>
+                <a:latin typeface="맑은 고딕" panose="020B0503020000020004" pitchFamily="50" charset="-127"/>
+                <a:ea typeface="맑은 고딕" panose="020B0503020000020004" pitchFamily="50" charset="-127"/>
+              </a:rPr>
+              <a:t>일 </a:t>
+            </a:r>
+            <a:r>
+              <a:rPr lang="en-US" altLang="ko-KR" sz="1350" b="1" dirty="0">
+                <a:ln>
+                  <a:solidFill>
+                    <a:schemeClr val="tx1">
+                      <a:alpha val="30000"/>
+                    </a:schemeClr>
+                  </a:solidFill>
+                </a:ln>
+                <a:latin typeface="맑은 고딕" panose="020B0503020000020004" pitchFamily="50" charset="-127"/>
+                <a:ea typeface="맑은 고딕" panose="020B0503020000020004" pitchFamily="50" charset="-127"/>
+              </a:rPr>
+              <a:t>~ 4</a:t>
+            </a:r>
+            <a:r>
+              <a:rPr lang="ko-KR" altLang="en-US" sz="1350" b="1" dirty="0">
+                <a:ln>
+                  <a:solidFill>
+                    <a:schemeClr val="tx1">
+                      <a:alpha val="30000"/>
+                    </a:schemeClr>
+                  </a:solidFill>
+                </a:ln>
+                <a:latin typeface="맑은 고딕" panose="020B0503020000020004" pitchFamily="50" charset="-127"/>
+                <a:ea typeface="맑은 고딕" panose="020B0503020000020004" pitchFamily="50" charset="-127"/>
+              </a:rPr>
+              <a:t>월 </a:t>
+            </a:r>
+            <a:r>
+              <a:rPr lang="en-US" altLang="ko-KR" sz="1350" b="1" dirty="0">
+                <a:ln>
+                  <a:solidFill>
+                    <a:schemeClr val="tx1">
+                      <a:alpha val="30000"/>
+                    </a:schemeClr>
+                  </a:solidFill>
+                </a:ln>
+                <a:latin typeface="맑은 고딕" panose="020B0503020000020004" pitchFamily="50" charset="-127"/>
+                <a:ea typeface="맑은 고딕" panose="020B0503020000020004" pitchFamily="50" charset="-127"/>
+              </a:rPr>
+              <a:t>9</a:t>
+            </a:r>
+            <a:r>
+              <a:rPr lang="ko-KR" altLang="en-US" sz="1350" b="1" dirty="0">
+                <a:ln>
+                  <a:solidFill>
+                    <a:schemeClr val="tx1">
+                      <a:alpha val="30000"/>
+                    </a:schemeClr>
+                  </a:solidFill>
+                </a:ln>
+                <a:latin typeface="맑은 고딕" panose="020B0503020000020004" pitchFamily="50" charset="-127"/>
+                <a:ea typeface="맑은 고딕" panose="020B0503020000020004" pitchFamily="50" charset="-127"/>
+              </a:rPr>
+              <a:t>일 </a:t>
+            </a:r>
+            <a:r>
+              <a:rPr lang="en-US" altLang="ko-KR" sz="1350" b="1" dirty="0">
+                <a:ln>
+                  <a:solidFill>
+                    <a:schemeClr val="tx1">
+                      <a:alpha val="30000"/>
+                    </a:schemeClr>
+                  </a:solidFill>
+                </a:ln>
+                <a:latin typeface="맑은 고딕" panose="020B0503020000020004" pitchFamily="50" charset="-127"/>
+                <a:ea typeface="맑은 고딕" panose="020B0503020000020004" pitchFamily="50" charset="-127"/>
+              </a:rPr>
+              <a:t>(1</a:t>
+            </a:r>
+            <a:r>
+              <a:rPr lang="ko-KR" altLang="en-US" sz="1350" b="1" dirty="0">
+                <a:ln>
+                  <a:solidFill>
+                    <a:schemeClr val="tx1">
+                      <a:alpha val="30000"/>
+                    </a:schemeClr>
+                  </a:solidFill>
+                </a:ln>
+                <a:latin typeface="맑은 고딕" panose="020B0503020000020004" pitchFamily="50" charset="-127"/>
+                <a:ea typeface="맑은 고딕" panose="020B0503020000020004" pitchFamily="50" charset="-127"/>
+              </a:rPr>
+              <a:t>주</a:t>
+            </a:r>
+            <a:r>
+              <a:rPr lang="en-US" altLang="ko-KR" sz="1350" b="1" dirty="0">
+                <a:ln>
+                  <a:solidFill>
+                    <a:schemeClr val="tx1">
+                      <a:alpha val="30000"/>
+                    </a:schemeClr>
+                  </a:solidFill>
+                </a:ln>
+                <a:latin typeface="맑은 고딕" panose="020B0503020000020004" pitchFamily="50" charset="-127"/>
+                <a:ea typeface="맑은 고딕" panose="020B0503020000020004" pitchFamily="50" charset="-127"/>
+              </a:rPr>
+              <a:t>)</a:t>
+            </a:r>
+          </a:p>
+        </p:txBody>
+      </p:sp>
+      <p:sp>
+        <p:nvSpPr>
+          <p:cNvPr id="10" name="직사각형 9">
+            <a:extLst>
+              <a:ext uri="{FF2B5EF4-FFF2-40B4-BE49-F238E27FC236}">
+                <a16:creationId xmlns:a16="http://schemas.microsoft.com/office/drawing/2014/main" id="{D0B92730-812E-47DC-8FEB-745A5EB314EA}"/>
+              </a:ext>
+            </a:extLst>
+          </p:cNvPr>
+          <p:cNvSpPr/>
+          <p:nvPr/>
+        </p:nvSpPr>
+        <p:spPr>
+          <a:xfrm>
+            <a:off x="1225704" y="1768066"/>
+            <a:ext cx="6655842" cy="3497138"/>
+          </a:xfrm>
+          <a:prstGeom prst="rect">
+            <a:avLst/>
+          </a:prstGeom>
+        </p:spPr>
+        <p:style>
+          <a:lnRef idx="2">
+            <a:schemeClr val="accent5"/>
+          </a:lnRef>
+          <a:fillRef idx="1">
+            <a:schemeClr val="lt1"/>
+          </a:fillRef>
+          <a:effectRef idx="0">
+            <a:schemeClr val="accent5"/>
+          </a:effectRef>
+          <a:fontRef idx="minor">
+            <a:schemeClr val="dk1"/>
+          </a:fontRef>
+        </p:style>
+        <p:txBody>
+          <a:bodyPr rtlCol="0" anchor="ctr"/>
+          <a:lstStyle/>
+          <a:p>
+            <a:pPr algn="ctr"/>
+            <a:endParaRPr lang="ko-KR" altLang="en-US" sz="1350"/>
+          </a:p>
+        </p:txBody>
+      </p:sp>
+      <p:sp>
+        <p:nvSpPr>
+          <p:cNvPr id="11" name="TextBox 10">
+            <a:extLst>
+              <a:ext uri="{FF2B5EF4-FFF2-40B4-BE49-F238E27FC236}">
+                <a16:creationId xmlns:a16="http://schemas.microsoft.com/office/drawing/2014/main" id="{DDCDD611-648F-4E5E-B70C-65CAEAA0674C}"/>
+              </a:ext>
+            </a:extLst>
+          </p:cNvPr>
+          <p:cNvSpPr txBox="1"/>
+          <p:nvPr/>
+        </p:nvSpPr>
+        <p:spPr>
+          <a:xfrm>
+            <a:off x="1273212" y="1812538"/>
+            <a:ext cx="2460866" cy="300082"/>
+          </a:xfrm>
+          <a:prstGeom prst="rect">
+            <a:avLst/>
+          </a:prstGeom>
+          <a:noFill/>
+        </p:spPr>
+        <p:txBody>
+          <a:bodyPr wrap="none" rtlCol="0">
+            <a:spAutoFit/>
+          </a:bodyPr>
+          <a:lstStyle/>
+          <a:p>
+            <a:r>
+              <a:rPr lang="en-US" altLang="ko-KR" sz="1350" dirty="0"/>
+              <a:t>Here : Contents Image Insert</a:t>
+            </a:r>
+            <a:endParaRPr lang="ko-KR" altLang="en-US" sz="1350" dirty="0"/>
+          </a:p>
+        </p:txBody>
+      </p:sp>
+      <p:pic>
+        <p:nvPicPr>
+          <p:cNvPr id="3" name="그림 2">
+            <a:extLst>
+              <a:ext uri="{FF2B5EF4-FFF2-40B4-BE49-F238E27FC236}">
+                <a16:creationId xmlns:a16="http://schemas.microsoft.com/office/drawing/2014/main" id="{CA634179-61FE-47B5-B05F-BF012D98E7F3}"/>
+              </a:ext>
+            </a:extLst>
+          </p:cNvPr>
+          <p:cNvPicPr>
+            <a:picLocks noChangeAspect="1"/>
+          </p:cNvPicPr>
+          <p:nvPr/>
+        </p:nvPicPr>
+        <p:blipFill>
+          <a:blip r:embed="rId2"/>
+          <a:stretch>
+            <a:fillRect/>
+          </a:stretch>
+        </p:blipFill>
+        <p:spPr>
+          <a:xfrm>
+            <a:off x="3507581" y="2365024"/>
+            <a:ext cx="1807369" cy="2584728"/>
+          </a:xfrm>
+          <a:prstGeom prst="rect">
+            <a:avLst/>
+          </a:prstGeom>
+        </p:spPr>
+      </p:pic>
+    </p:spTree>
+    <p:extLst>
+      <p:ext uri="{BB962C8B-B14F-4D97-AF65-F5344CB8AC3E}">
+        <p14:creationId xmlns:p14="http://schemas.microsoft.com/office/powerpoint/2010/main" val="3772103959"/>
+      </p:ext>
+    </p:extLst>
+  </p:cSld>
+  <p:clrMapOvr>
+    <a:masterClrMapping/>
+  </p:clrMapOvr>
+</p:sld>
+</file>
+
+<file path=ppt/slides/slide6.xml><?xml version="1.0" encoding="utf-8"?>
+<p:sld xmlns:a="http://schemas.openxmlformats.org/drawingml/2006/main" xmlns:r="http://schemas.openxmlformats.org/officeDocument/2006/relationships" xmlns:p="http://schemas.openxmlformats.org/presentationml/2006/main">
+  <p:cSld>
+    <p:spTree>
+      <p:nvGrpSpPr>
+        <p:cNvPr id="1" name=""/>
+        <p:cNvGrpSpPr/>
+        <p:nvPr/>
+      </p:nvGrpSpPr>
+      <p:grpSpPr>
+        <a:xfrm>
+          <a:off x="0" y="0"/>
+          <a:ext cx="0" cy="0"/>
+          <a:chOff x="0" y="0"/>
+          <a:chExt cx="0" cy="0"/>
+        </a:xfrm>
+      </p:grpSpPr>
+      <p:sp>
+        <p:nvSpPr>
+          <p:cNvPr id="18" name="TextBox 17">
+            <a:extLst>
+              <a:ext uri="{FF2B5EF4-FFF2-40B4-BE49-F238E27FC236}">
+                <a16:creationId xmlns:a16="http://schemas.microsoft.com/office/drawing/2014/main" id="{D7B7EE40-BAD9-4569-9BF6-F6E9ACA78A3C}"/>
+              </a:ext>
+            </a:extLst>
+          </p:cNvPr>
+          <p:cNvSpPr txBox="1"/>
+          <p:nvPr/>
+        </p:nvSpPr>
+        <p:spPr>
+          <a:xfrm>
+            <a:off x="1225704" y="921583"/>
+            <a:ext cx="3185561" cy="393954"/>
+          </a:xfrm>
+          <a:prstGeom prst="rect">
+            <a:avLst/>
+          </a:prstGeom>
+          <a:noFill/>
+        </p:spPr>
+        <p:txBody>
+          <a:bodyPr wrap="square" rtlCol="0" anchor="ctr">
+            <a:spAutoFit/>
+          </a:bodyPr>
+          <a:lstStyle/>
+          <a:p>
+            <a:pPr algn="ctr">
+              <a:lnSpc>
+                <a:spcPct val="150000"/>
+              </a:lnSpc>
+            </a:pPr>
+            <a:r>
+              <a:rPr lang="ko-KR" altLang="en-US" sz="1500" b="1" dirty="0">
+                <a:ln>
+                  <a:solidFill>
+                    <a:schemeClr val="tx1">
+                      <a:alpha val="30000"/>
+                    </a:schemeClr>
+                  </a:solidFill>
+                </a:ln>
+                <a:latin typeface="맑은 고딕" panose="020B0503020000020004" pitchFamily="50" charset="-127"/>
+                <a:ea typeface="맑은 고딕" panose="020B0503020000020004" pitchFamily="50" charset="-127"/>
+              </a:rPr>
+              <a:t>개발 일정</a:t>
+            </a:r>
+            <a:r>
+              <a:rPr lang="en-US" altLang="ko-KR" sz="1500" b="1" dirty="0">
+                <a:ln>
+                  <a:solidFill>
+                    <a:schemeClr val="tx1">
+                      <a:alpha val="30000"/>
+                    </a:schemeClr>
+                  </a:solidFill>
+                </a:ln>
+                <a:latin typeface="맑은 고딕" panose="020B0503020000020004" pitchFamily="50" charset="-127"/>
+                <a:ea typeface="맑은 고딕" panose="020B0503020000020004" pitchFamily="50" charset="-127"/>
+              </a:rPr>
+              <a:t>(Development Schedule)</a:t>
+            </a:r>
+            <a:endParaRPr lang="ko-KR" altLang="en-US" sz="1500" b="1" dirty="0">
+              <a:ln>
+                <a:solidFill>
+                  <a:schemeClr val="tx1">
+                    <a:alpha val="30000"/>
+                  </a:schemeClr>
+                </a:solidFill>
+              </a:ln>
+              <a:latin typeface="맑은 고딕" panose="020B0503020000020004" pitchFamily="50" charset="-127"/>
+              <a:ea typeface="맑은 고딕" panose="020B0503020000020004" pitchFamily="50" charset="-127"/>
+            </a:endParaRPr>
+          </a:p>
+        </p:txBody>
+      </p:sp>
+      <p:sp>
+        <p:nvSpPr>
+          <p:cNvPr id="22" name="직사각형 21">
+            <a:extLst>
+              <a:ext uri="{FF2B5EF4-FFF2-40B4-BE49-F238E27FC236}">
+                <a16:creationId xmlns:a16="http://schemas.microsoft.com/office/drawing/2014/main" id="{AB4C8245-D0E4-4D79-B3E9-2FB89CE6FE84}"/>
+              </a:ext>
+            </a:extLst>
+          </p:cNvPr>
+          <p:cNvSpPr/>
+          <p:nvPr/>
+        </p:nvSpPr>
+        <p:spPr>
+          <a:xfrm>
+            <a:off x="1196555" y="910811"/>
+            <a:ext cx="3214710" cy="428628"/>
+          </a:xfrm>
+          <a:prstGeom prst="rect">
+            <a:avLst/>
+          </a:prstGeom>
+          <a:noFill/>
+          <a:ln w="25400">
+            <a:solidFill>
+              <a:schemeClr val="tx1"/>
+            </a:solidFill>
+          </a:ln>
+        </p:spPr>
+        <p:style>
+          <a:lnRef idx="2">
+            <a:schemeClr val="accent1">
+              <a:shade val="50000"/>
+            </a:schemeClr>
+          </a:lnRef>
+          <a:fillRef idx="1">
+            <a:schemeClr val="accent1"/>
+          </a:fillRef>
+          <a:effectRef idx="0">
+            <a:schemeClr val="accent1"/>
+          </a:effectRef>
+          <a:fontRef idx="minor">
+            <a:schemeClr val="lt1"/>
+          </a:fontRef>
+        </p:style>
+        <p:txBody>
+          <a:bodyPr rtlCol="0" anchor="ctr"/>
+          <a:lstStyle/>
+          <a:p>
+            <a:pPr algn="ctr"/>
+            <a:endParaRPr lang="ko-KR" altLang="en-US" sz="1350"/>
+          </a:p>
+        </p:txBody>
+      </p:sp>
+      <p:sp>
+        <p:nvSpPr>
+          <p:cNvPr id="24" name="TextBox 23">
+            <a:extLst>
+              <a:ext uri="{FF2B5EF4-FFF2-40B4-BE49-F238E27FC236}">
+                <a16:creationId xmlns:a16="http://schemas.microsoft.com/office/drawing/2014/main" id="{706566D1-60CB-4C10-9859-0656D082B2B7}"/>
+              </a:ext>
+            </a:extLst>
+          </p:cNvPr>
+          <p:cNvSpPr txBox="1"/>
+          <p:nvPr/>
+        </p:nvSpPr>
+        <p:spPr>
+          <a:xfrm>
+            <a:off x="1303711" y="1443082"/>
+            <a:ext cx="5428529" cy="300082"/>
+          </a:xfrm>
+          <a:prstGeom prst="rect">
+            <a:avLst/>
+          </a:prstGeom>
+          <a:noFill/>
+          <a:ln>
+            <a:noFill/>
+          </a:ln>
+        </p:spPr>
+        <p:txBody>
+          <a:bodyPr wrap="square" rtlCol="0">
+            <a:spAutoFit/>
+          </a:bodyPr>
+          <a:lstStyle/>
+          <a:p>
+            <a:r>
+              <a:rPr lang="en-US" altLang="ko-KR" sz="1350" b="1" dirty="0">
+                <a:ln>
+                  <a:solidFill>
+                    <a:schemeClr val="tx1">
+                      <a:alpha val="30000"/>
+                    </a:schemeClr>
+                  </a:solidFill>
+                </a:ln>
+                <a:latin typeface="맑은 고딕" panose="020B0503020000020004" pitchFamily="50" charset="-127"/>
+                <a:ea typeface="맑은 고딕" panose="020B0503020000020004" pitchFamily="50" charset="-127"/>
+              </a:rPr>
+              <a:t>GitHub : </a:t>
+            </a:r>
+            <a:r>
+              <a:rPr lang="ko-KR" altLang="en-US" sz="1350" b="1" dirty="0">
+                <a:ln>
+                  <a:solidFill>
+                    <a:schemeClr val="tx1">
+                      <a:alpha val="30000"/>
+                    </a:schemeClr>
+                  </a:solidFill>
+                </a:ln>
+                <a:latin typeface="맑은 고딕" panose="020B0503020000020004" pitchFamily="50" charset="-127"/>
+                <a:ea typeface="맑은 고딕" panose="020B0503020000020004" pitchFamily="50" charset="-127"/>
+              </a:rPr>
+              <a:t>형상관리</a:t>
+            </a:r>
+            <a:r>
+              <a:rPr lang="en-US" altLang="ko-KR" sz="1350" b="1" dirty="0">
+                <a:ln>
+                  <a:solidFill>
+                    <a:schemeClr val="tx1">
+                      <a:alpha val="30000"/>
+                    </a:schemeClr>
+                  </a:solidFill>
+                </a:ln>
+                <a:latin typeface="맑은 고딕" panose="020B0503020000020004" pitchFamily="50" charset="-127"/>
+                <a:ea typeface="맑은 고딕" panose="020B0503020000020004" pitchFamily="50" charset="-127"/>
+              </a:rPr>
+              <a:t> : 4</a:t>
+            </a:r>
+            <a:r>
+              <a:rPr lang="ko-KR" altLang="en-US" sz="1350" b="1" dirty="0">
+                <a:ln>
+                  <a:solidFill>
+                    <a:schemeClr val="tx1">
+                      <a:alpha val="30000"/>
+                    </a:schemeClr>
+                  </a:solidFill>
+                </a:ln>
+                <a:latin typeface="맑은 고딕" panose="020B0503020000020004" pitchFamily="50" charset="-127"/>
+                <a:ea typeface="맑은 고딕" panose="020B0503020000020004" pitchFamily="50" charset="-127"/>
+              </a:rPr>
+              <a:t>월 </a:t>
+            </a:r>
+            <a:r>
+              <a:rPr lang="en-US" altLang="ko-KR" sz="1350" b="1" dirty="0">
+                <a:ln>
+                  <a:solidFill>
+                    <a:schemeClr val="tx1">
+                      <a:alpha val="30000"/>
+                    </a:schemeClr>
+                  </a:solidFill>
+                </a:ln>
+                <a:latin typeface="맑은 고딕" panose="020B0503020000020004" pitchFamily="50" charset="-127"/>
+                <a:ea typeface="맑은 고딕" panose="020B0503020000020004" pitchFamily="50" charset="-127"/>
+              </a:rPr>
+              <a:t>2</a:t>
+            </a:r>
+            <a:r>
+              <a:rPr lang="ko-KR" altLang="en-US" sz="1350" b="1" dirty="0">
+                <a:ln>
+                  <a:solidFill>
+                    <a:schemeClr val="tx1">
+                      <a:alpha val="30000"/>
+                    </a:schemeClr>
+                  </a:solidFill>
+                </a:ln>
+                <a:latin typeface="맑은 고딕" panose="020B0503020000020004" pitchFamily="50" charset="-127"/>
+                <a:ea typeface="맑은 고딕" panose="020B0503020000020004" pitchFamily="50" charset="-127"/>
+              </a:rPr>
+              <a:t>일 </a:t>
+            </a:r>
+            <a:r>
+              <a:rPr lang="en-US" altLang="ko-KR" sz="1350" b="1" dirty="0">
+                <a:ln>
+                  <a:solidFill>
+                    <a:schemeClr val="tx1">
+                      <a:alpha val="30000"/>
+                    </a:schemeClr>
+                  </a:solidFill>
+                </a:ln>
+                <a:latin typeface="맑은 고딕" panose="020B0503020000020004" pitchFamily="50" charset="-127"/>
+                <a:ea typeface="맑은 고딕" panose="020B0503020000020004" pitchFamily="50" charset="-127"/>
+              </a:rPr>
+              <a:t>~ 4</a:t>
+            </a:r>
+            <a:r>
+              <a:rPr lang="ko-KR" altLang="en-US" sz="1350" b="1" dirty="0">
+                <a:ln>
+                  <a:solidFill>
+                    <a:schemeClr val="tx1">
+                      <a:alpha val="30000"/>
+                    </a:schemeClr>
+                  </a:solidFill>
+                </a:ln>
+                <a:latin typeface="맑은 고딕" panose="020B0503020000020004" pitchFamily="50" charset="-127"/>
+                <a:ea typeface="맑은 고딕" panose="020B0503020000020004" pitchFamily="50" charset="-127"/>
+              </a:rPr>
+              <a:t>월 </a:t>
+            </a:r>
+            <a:r>
+              <a:rPr lang="en-US" altLang="ko-KR" sz="1350" b="1" dirty="0">
+                <a:ln>
+                  <a:solidFill>
+                    <a:schemeClr val="tx1">
+                      <a:alpha val="30000"/>
+                    </a:schemeClr>
+                  </a:solidFill>
+                </a:ln>
+                <a:latin typeface="맑은 고딕" panose="020B0503020000020004" pitchFamily="50" charset="-127"/>
+                <a:ea typeface="맑은 고딕" panose="020B0503020000020004" pitchFamily="50" charset="-127"/>
+              </a:rPr>
+              <a:t>9</a:t>
+            </a:r>
+            <a:r>
+              <a:rPr lang="ko-KR" altLang="en-US" sz="1350" b="1" dirty="0">
+                <a:ln>
+                  <a:solidFill>
+                    <a:schemeClr val="tx1">
+                      <a:alpha val="30000"/>
+                    </a:schemeClr>
+                  </a:solidFill>
+                </a:ln>
+                <a:latin typeface="맑은 고딕" panose="020B0503020000020004" pitchFamily="50" charset="-127"/>
+                <a:ea typeface="맑은 고딕" panose="020B0503020000020004" pitchFamily="50" charset="-127"/>
+              </a:rPr>
+              <a:t>일 </a:t>
+            </a:r>
+            <a:r>
+              <a:rPr lang="en-US" altLang="ko-KR" sz="1350" b="1" dirty="0">
+                <a:ln>
+                  <a:solidFill>
+                    <a:schemeClr val="tx1">
+                      <a:alpha val="30000"/>
+                    </a:schemeClr>
+                  </a:solidFill>
+                </a:ln>
+                <a:latin typeface="맑은 고딕" panose="020B0503020000020004" pitchFamily="50" charset="-127"/>
+                <a:ea typeface="맑은 고딕" panose="020B0503020000020004" pitchFamily="50" charset="-127"/>
+              </a:rPr>
+              <a:t>(1</a:t>
+            </a:r>
+            <a:r>
+              <a:rPr lang="ko-KR" altLang="en-US" sz="1350" b="1" dirty="0">
+                <a:ln>
+                  <a:solidFill>
+                    <a:schemeClr val="tx1">
+                      <a:alpha val="30000"/>
+                    </a:schemeClr>
+                  </a:solidFill>
+                </a:ln>
+                <a:latin typeface="맑은 고딕" panose="020B0503020000020004" pitchFamily="50" charset="-127"/>
+                <a:ea typeface="맑은 고딕" panose="020B0503020000020004" pitchFamily="50" charset="-127"/>
+              </a:rPr>
+              <a:t>주</a:t>
+            </a:r>
+            <a:r>
+              <a:rPr lang="en-US" altLang="ko-KR" sz="1350" b="1" dirty="0">
+                <a:ln>
+                  <a:solidFill>
+                    <a:schemeClr val="tx1">
+                      <a:alpha val="30000"/>
+                    </a:schemeClr>
+                  </a:solidFill>
+                </a:ln>
+                <a:latin typeface="맑은 고딕" panose="020B0503020000020004" pitchFamily="50" charset="-127"/>
+                <a:ea typeface="맑은 고딕" panose="020B0503020000020004" pitchFamily="50" charset="-127"/>
+              </a:rPr>
+              <a:t>) </a:t>
+            </a:r>
+          </a:p>
+        </p:txBody>
+      </p:sp>
+      <p:sp>
+        <p:nvSpPr>
+          <p:cNvPr id="39" name="직사각형 38"/>
+          <p:cNvSpPr/>
+          <p:nvPr/>
+        </p:nvSpPr>
+        <p:spPr>
+          <a:xfrm>
+            <a:off x="1250133" y="1773660"/>
+            <a:ext cx="6596227" cy="4085610"/>
+          </a:xfrm>
+          <a:prstGeom prst="rect">
+            <a:avLst/>
+          </a:prstGeom>
+        </p:spPr>
+        <p:style>
+          <a:lnRef idx="2">
+            <a:schemeClr val="accent5"/>
+          </a:lnRef>
+          <a:fillRef idx="1">
+            <a:schemeClr val="lt1"/>
+          </a:fillRef>
+          <a:effectRef idx="0">
+            <a:schemeClr val="accent5"/>
+          </a:effectRef>
+          <a:fontRef idx="minor">
+            <a:schemeClr val="dk1"/>
+          </a:fontRef>
+        </p:style>
+        <p:txBody>
+          <a:bodyPr rtlCol="0" anchor="ctr"/>
+          <a:lstStyle/>
+          <a:p>
+            <a:pPr algn="ctr"/>
+            <a:endParaRPr lang="ko-KR" altLang="en-US" sz="1350"/>
+          </a:p>
+        </p:txBody>
+      </p:sp>
+      <p:sp>
+        <p:nvSpPr>
+          <p:cNvPr id="40" name="TextBox 39"/>
+          <p:cNvSpPr txBox="1"/>
+          <p:nvPr/>
+        </p:nvSpPr>
+        <p:spPr>
+          <a:xfrm>
+            <a:off x="1297641" y="1818132"/>
+            <a:ext cx="2460866" cy="300082"/>
+          </a:xfrm>
+          <a:prstGeom prst="rect">
+            <a:avLst/>
+          </a:prstGeom>
+          <a:noFill/>
+        </p:spPr>
+        <p:txBody>
+          <a:bodyPr wrap="none" rtlCol="0">
+            <a:spAutoFit/>
+          </a:bodyPr>
+          <a:lstStyle/>
+          <a:p>
+            <a:r>
+              <a:rPr lang="en-US" altLang="ko-KR" sz="1350" dirty="0"/>
+              <a:t>Here : Contents Image Insert</a:t>
+            </a:r>
+            <a:endParaRPr lang="ko-KR" altLang="en-US" sz="1350" dirty="0"/>
+          </a:p>
+        </p:txBody>
+      </p:sp>
+      <p:pic>
+        <p:nvPicPr>
+          <p:cNvPr id="3" name="그림 2">
+            <a:extLst>
+              <a:ext uri="{FF2B5EF4-FFF2-40B4-BE49-F238E27FC236}">
+                <a16:creationId xmlns:a16="http://schemas.microsoft.com/office/drawing/2014/main" id="{625CBAB4-E3B7-4E44-9BAA-64F85C37409D}"/>
+              </a:ext>
+            </a:extLst>
+          </p:cNvPr>
+          <p:cNvPicPr>
+            <a:picLocks noChangeAspect="1"/>
+          </p:cNvPicPr>
+          <p:nvPr/>
+        </p:nvPicPr>
+        <p:blipFill>
+          <a:blip r:embed="rId2"/>
+          <a:stretch>
+            <a:fillRect/>
+          </a:stretch>
+        </p:blipFill>
+        <p:spPr>
+          <a:xfrm>
+            <a:off x="1571937" y="2281396"/>
+            <a:ext cx="5952617" cy="3380259"/>
+          </a:xfrm>
+          <a:prstGeom prst="rect">
+            <a:avLst/>
+          </a:prstGeom>
+        </p:spPr>
+      </p:pic>
+    </p:spTree>
+    <p:extLst>
+      <p:ext uri="{BB962C8B-B14F-4D97-AF65-F5344CB8AC3E}">
+        <p14:creationId xmlns:p14="http://schemas.microsoft.com/office/powerpoint/2010/main" val="3641498126"/>
+      </p:ext>
+    </p:extLst>
+  </p:cSld>
+  <p:clrMapOvr>
+    <a:masterClrMapping/>
+  </p:clrMapOvr>
+</p:sld>
+</file>
+
+<file path=ppt/slides/slide7.xml><?xml version="1.0" encoding="utf-8"?>
+<p:sld xmlns:a="http://schemas.openxmlformats.org/drawingml/2006/main" xmlns:r="http://schemas.openxmlformats.org/officeDocument/2006/relationships" xmlns:p="http://schemas.openxmlformats.org/presentationml/2006/main">
+  <p:cSld>
+    <p:spTree>
+      <p:nvGrpSpPr>
+        <p:cNvPr id="1" name=""/>
+        <p:cNvGrpSpPr/>
+        <p:nvPr/>
+      </p:nvGrpSpPr>
+      <p:grpSpPr>
+        <a:xfrm>
+          <a:off x="0" y="0"/>
+          <a:ext cx="0" cy="0"/>
+          <a:chOff x="0" y="0"/>
+          <a:chExt cx="0" cy="0"/>
+        </a:xfrm>
+      </p:grpSpPr>
+      <p:sp>
+        <p:nvSpPr>
+          <p:cNvPr id="4" name="TextBox 3">
+            <a:extLst>
+              <a:ext uri="{FF2B5EF4-FFF2-40B4-BE49-F238E27FC236}">
+                <a16:creationId xmlns:a16="http://schemas.microsoft.com/office/drawing/2014/main" id="{A3DA2DF7-98BE-41BA-B2C0-1B8E131B60DB}"/>
+              </a:ext>
+            </a:extLst>
+          </p:cNvPr>
+          <p:cNvSpPr txBox="1"/>
+          <p:nvPr/>
+        </p:nvSpPr>
+        <p:spPr>
+          <a:xfrm>
+            <a:off x="2062279" y="1407020"/>
+            <a:ext cx="2389171" cy="578300"/>
+          </a:xfrm>
+          <a:prstGeom prst="rect">
+            <a:avLst/>
+          </a:prstGeom>
+          <a:noFill/>
+        </p:spPr>
+        <p:txBody>
+          <a:bodyPr wrap="square" rtlCol="0" anchor="ctr">
+            <a:spAutoFit/>
+          </a:bodyPr>
+          <a:lstStyle/>
+          <a:p>
+            <a:pPr algn="ctr">
+              <a:lnSpc>
+                <a:spcPct val="150000"/>
+              </a:lnSpc>
+            </a:pPr>
+            <a:r>
+              <a:rPr lang="ko-KR" altLang="en-US" sz="1125" b="1" dirty="0">
+                <a:ln>
+                  <a:solidFill>
+                    <a:schemeClr val="tx1">
+                      <a:alpha val="30000"/>
+                    </a:schemeClr>
+                  </a:solidFill>
+                </a:ln>
+                <a:latin typeface="맑은 고딕" panose="020B0503020000020004" pitchFamily="50" charset="-127"/>
+                <a:ea typeface="맑은 고딕" panose="020B0503020000020004" pitchFamily="50" charset="-127"/>
+              </a:rPr>
+              <a:t>개발 일정</a:t>
+            </a:r>
+            <a:r>
+              <a:rPr lang="en-US" altLang="ko-KR" sz="1125" b="1" dirty="0">
+                <a:ln>
+                  <a:solidFill>
+                    <a:schemeClr val="tx1">
+                      <a:alpha val="30000"/>
+                    </a:schemeClr>
+                  </a:solidFill>
+                </a:ln>
+                <a:latin typeface="맑은 고딕" panose="020B0503020000020004" pitchFamily="50" charset="-127"/>
+                <a:ea typeface="맑은 고딕" panose="020B0503020000020004" pitchFamily="50" charset="-127"/>
+              </a:rPr>
+              <a:t>(Development Schedule)</a:t>
+            </a:r>
+            <a:endParaRPr lang="ko-KR" altLang="en-US" sz="1125" b="1" dirty="0">
+              <a:ln>
+                <a:solidFill>
+                  <a:schemeClr val="tx1">
+                    <a:alpha val="30000"/>
+                  </a:schemeClr>
+                </a:solidFill>
+              </a:ln>
+              <a:latin typeface="맑은 고딕" panose="020B0503020000020004" pitchFamily="50" charset="-127"/>
+              <a:ea typeface="맑은 고딕" panose="020B0503020000020004" pitchFamily="50" charset="-127"/>
+            </a:endParaRPr>
+          </a:p>
+        </p:txBody>
+      </p:sp>
+      <p:sp>
+        <p:nvSpPr>
+          <p:cNvPr id="5" name="직사각형 4">
+            <a:extLst>
+              <a:ext uri="{FF2B5EF4-FFF2-40B4-BE49-F238E27FC236}">
+                <a16:creationId xmlns:a16="http://schemas.microsoft.com/office/drawing/2014/main" id="{3B173D82-819C-4A6E-AB9C-4E513AED91A3}"/>
+              </a:ext>
+            </a:extLst>
+          </p:cNvPr>
+          <p:cNvSpPr/>
+          <p:nvPr/>
+        </p:nvSpPr>
+        <p:spPr>
+          <a:xfrm>
+            <a:off x="2040416" y="1540358"/>
+            <a:ext cx="2411033" cy="321471"/>
+          </a:xfrm>
+          <a:prstGeom prst="rect">
+            <a:avLst/>
+          </a:prstGeom>
+          <a:noFill/>
+          <a:ln w="25400">
+            <a:solidFill>
+              <a:schemeClr val="tx1"/>
+            </a:solidFill>
+          </a:ln>
+        </p:spPr>
+        <p:style>
+          <a:lnRef idx="2">
+            <a:schemeClr val="accent1">
+              <a:shade val="50000"/>
+            </a:schemeClr>
+          </a:lnRef>
+          <a:fillRef idx="1">
+            <a:schemeClr val="accent1"/>
+          </a:fillRef>
+          <a:effectRef idx="0">
+            <a:schemeClr val="accent1"/>
+          </a:effectRef>
+          <a:fontRef idx="minor">
+            <a:schemeClr val="lt1"/>
+          </a:fontRef>
+        </p:style>
+        <p:txBody>
+          <a:bodyPr rtlCol="0" anchor="ctr"/>
+          <a:lstStyle/>
+          <a:p>
+            <a:pPr algn="ctr"/>
+            <a:endParaRPr lang="ko-KR" altLang="en-US" sz="1013"/>
+          </a:p>
+        </p:txBody>
+      </p:sp>
+      <p:sp>
+        <p:nvSpPr>
+          <p:cNvPr id="6" name="TextBox 5">
+            <a:extLst>
+              <a:ext uri="{FF2B5EF4-FFF2-40B4-BE49-F238E27FC236}">
+                <a16:creationId xmlns:a16="http://schemas.microsoft.com/office/drawing/2014/main" id="{B729E978-0679-4406-AAF1-3A6C49AC6480}"/>
+              </a:ext>
+            </a:extLst>
+          </p:cNvPr>
+          <p:cNvSpPr txBox="1"/>
+          <p:nvPr/>
+        </p:nvSpPr>
+        <p:spPr>
+          <a:xfrm>
+            <a:off x="2102462" y="1935367"/>
+            <a:ext cx="2753070" cy="248209"/>
+          </a:xfrm>
+          <a:prstGeom prst="rect">
+            <a:avLst/>
+          </a:prstGeom>
+          <a:noFill/>
+          <a:ln>
+            <a:noFill/>
+          </a:ln>
+        </p:spPr>
+        <p:txBody>
+          <a:bodyPr wrap="square" rtlCol="0">
+            <a:spAutoFit/>
+          </a:bodyPr>
+          <a:lstStyle/>
+          <a:p>
+            <a:r>
+              <a:rPr lang="en-US" altLang="ko-KR" sz="1013" b="1" dirty="0">
+                <a:ln>
+                  <a:solidFill>
+                    <a:schemeClr val="tx1">
+                      <a:alpha val="30000"/>
+                    </a:schemeClr>
+                  </a:solidFill>
+                </a:ln>
+                <a:latin typeface="맑은 고딕" panose="020B0503020000020004" pitchFamily="50" charset="-127"/>
+                <a:ea typeface="맑은 고딕" panose="020B0503020000020004" pitchFamily="50" charset="-127"/>
+              </a:rPr>
+              <a:t>Trello : </a:t>
+            </a:r>
+            <a:r>
+              <a:rPr lang="ko-KR" altLang="en-US" sz="1013" b="1" dirty="0">
+                <a:ln>
+                  <a:solidFill>
+                    <a:schemeClr val="tx1">
+                      <a:alpha val="30000"/>
+                    </a:schemeClr>
+                  </a:solidFill>
+                </a:ln>
+                <a:latin typeface="맑은 고딕" panose="020B0503020000020004" pitchFamily="50" charset="-127"/>
+                <a:ea typeface="맑은 고딕" panose="020B0503020000020004" pitchFamily="50" charset="-127"/>
+              </a:rPr>
+              <a:t>형상관리</a:t>
+            </a:r>
+            <a:r>
+              <a:rPr lang="en-US" altLang="ko-KR" sz="1013" b="1" dirty="0">
+                <a:ln>
+                  <a:solidFill>
+                    <a:schemeClr val="tx1">
+                      <a:alpha val="30000"/>
+                    </a:schemeClr>
+                  </a:solidFill>
+                </a:ln>
+                <a:latin typeface="맑은 고딕" panose="020B0503020000020004" pitchFamily="50" charset="-127"/>
+                <a:ea typeface="맑은 고딕" panose="020B0503020000020004" pitchFamily="50" charset="-127"/>
+              </a:rPr>
+              <a:t> : 4</a:t>
+            </a:r>
+            <a:r>
+              <a:rPr lang="ko-KR" altLang="en-US" sz="1013" b="1" dirty="0">
+                <a:ln>
+                  <a:solidFill>
+                    <a:schemeClr val="tx1">
+                      <a:alpha val="30000"/>
+                    </a:schemeClr>
+                  </a:solidFill>
+                </a:ln>
+                <a:latin typeface="맑은 고딕" panose="020B0503020000020004" pitchFamily="50" charset="-127"/>
+                <a:ea typeface="맑은 고딕" panose="020B0503020000020004" pitchFamily="50" charset="-127"/>
+              </a:rPr>
+              <a:t>월 </a:t>
+            </a:r>
+            <a:r>
+              <a:rPr lang="en-US" altLang="ko-KR" sz="1013" b="1" dirty="0">
+                <a:ln>
+                  <a:solidFill>
+                    <a:schemeClr val="tx1">
+                      <a:alpha val="30000"/>
+                    </a:schemeClr>
+                  </a:solidFill>
+                </a:ln>
+                <a:latin typeface="맑은 고딕" panose="020B0503020000020004" pitchFamily="50" charset="-127"/>
+                <a:ea typeface="맑은 고딕" panose="020B0503020000020004" pitchFamily="50" charset="-127"/>
+              </a:rPr>
+              <a:t>2</a:t>
+            </a:r>
+            <a:r>
+              <a:rPr lang="ko-KR" altLang="en-US" sz="1013" b="1" dirty="0">
+                <a:ln>
+                  <a:solidFill>
+                    <a:schemeClr val="tx1">
+                      <a:alpha val="30000"/>
+                    </a:schemeClr>
+                  </a:solidFill>
+                </a:ln>
+                <a:latin typeface="맑은 고딕" panose="020B0503020000020004" pitchFamily="50" charset="-127"/>
+                <a:ea typeface="맑은 고딕" panose="020B0503020000020004" pitchFamily="50" charset="-127"/>
+              </a:rPr>
+              <a:t>일 </a:t>
+            </a:r>
+            <a:r>
+              <a:rPr lang="en-US" altLang="ko-KR" sz="1013" b="1" dirty="0">
+                <a:ln>
+                  <a:solidFill>
+                    <a:schemeClr val="tx1">
+                      <a:alpha val="30000"/>
+                    </a:schemeClr>
+                  </a:solidFill>
+                </a:ln>
+                <a:latin typeface="맑은 고딕" panose="020B0503020000020004" pitchFamily="50" charset="-127"/>
+                <a:ea typeface="맑은 고딕" panose="020B0503020000020004" pitchFamily="50" charset="-127"/>
+              </a:rPr>
+              <a:t>~ 4</a:t>
+            </a:r>
+            <a:r>
+              <a:rPr lang="ko-KR" altLang="en-US" sz="1013" b="1" dirty="0">
+                <a:ln>
+                  <a:solidFill>
+                    <a:schemeClr val="tx1">
+                      <a:alpha val="30000"/>
+                    </a:schemeClr>
+                  </a:solidFill>
+                </a:ln>
+                <a:latin typeface="맑은 고딕" panose="020B0503020000020004" pitchFamily="50" charset="-127"/>
+                <a:ea typeface="맑은 고딕" panose="020B0503020000020004" pitchFamily="50" charset="-127"/>
+              </a:rPr>
+              <a:t>월 </a:t>
+            </a:r>
+            <a:r>
+              <a:rPr lang="en-US" altLang="ko-KR" sz="1013" b="1" dirty="0">
+                <a:ln>
+                  <a:solidFill>
+                    <a:schemeClr val="tx1">
+                      <a:alpha val="30000"/>
+                    </a:schemeClr>
+                  </a:solidFill>
+                </a:ln>
+                <a:latin typeface="맑은 고딕" panose="020B0503020000020004" pitchFamily="50" charset="-127"/>
+                <a:ea typeface="맑은 고딕" panose="020B0503020000020004" pitchFamily="50" charset="-127"/>
+              </a:rPr>
+              <a:t>9</a:t>
+            </a:r>
+            <a:r>
+              <a:rPr lang="ko-KR" altLang="en-US" sz="1013" b="1" dirty="0">
+                <a:ln>
+                  <a:solidFill>
+                    <a:schemeClr val="tx1">
+                      <a:alpha val="30000"/>
+                    </a:schemeClr>
+                  </a:solidFill>
+                </a:ln>
+                <a:latin typeface="맑은 고딕" panose="020B0503020000020004" pitchFamily="50" charset="-127"/>
+                <a:ea typeface="맑은 고딕" panose="020B0503020000020004" pitchFamily="50" charset="-127"/>
+              </a:rPr>
+              <a:t>일 </a:t>
+            </a:r>
+            <a:r>
+              <a:rPr lang="en-US" altLang="ko-KR" sz="1013" b="1" dirty="0">
+                <a:ln>
+                  <a:solidFill>
+                    <a:schemeClr val="tx1">
+                      <a:alpha val="30000"/>
+                    </a:schemeClr>
+                  </a:solidFill>
+                </a:ln>
+                <a:latin typeface="맑은 고딕" panose="020B0503020000020004" pitchFamily="50" charset="-127"/>
+                <a:ea typeface="맑은 고딕" panose="020B0503020000020004" pitchFamily="50" charset="-127"/>
+              </a:rPr>
+              <a:t>(1</a:t>
+            </a:r>
+            <a:r>
+              <a:rPr lang="ko-KR" altLang="en-US" sz="1013" b="1" dirty="0">
+                <a:ln>
+                  <a:solidFill>
+                    <a:schemeClr val="tx1">
+                      <a:alpha val="30000"/>
+                    </a:schemeClr>
+                  </a:solidFill>
+                </a:ln>
+                <a:latin typeface="맑은 고딕" panose="020B0503020000020004" pitchFamily="50" charset="-127"/>
+                <a:ea typeface="맑은 고딕" panose="020B0503020000020004" pitchFamily="50" charset="-127"/>
+              </a:rPr>
+              <a:t>주</a:t>
+            </a:r>
+            <a:r>
+              <a:rPr lang="en-US" altLang="ko-KR" sz="1013" b="1" dirty="0">
+                <a:ln>
+                  <a:solidFill>
+                    <a:schemeClr val="tx1">
+                      <a:alpha val="30000"/>
+                    </a:schemeClr>
+                  </a:solidFill>
+                </a:ln>
+                <a:latin typeface="맑은 고딕" panose="020B0503020000020004" pitchFamily="50" charset="-127"/>
+                <a:ea typeface="맑은 고딕" panose="020B0503020000020004" pitchFamily="50" charset="-127"/>
+              </a:rPr>
+              <a:t>)</a:t>
+            </a:r>
+          </a:p>
+        </p:txBody>
+      </p:sp>
+      <p:sp>
+        <p:nvSpPr>
+          <p:cNvPr id="10" name="직사각형 9">
+            <a:extLst>
+              <a:ext uri="{FF2B5EF4-FFF2-40B4-BE49-F238E27FC236}">
+                <a16:creationId xmlns:a16="http://schemas.microsoft.com/office/drawing/2014/main" id="{D0B92730-812E-47DC-8FEB-745A5EB314EA}"/>
+              </a:ext>
+            </a:extLst>
+          </p:cNvPr>
+          <p:cNvSpPr/>
+          <p:nvPr/>
+        </p:nvSpPr>
+        <p:spPr>
+          <a:xfrm>
+            <a:off x="2062278" y="2183300"/>
+            <a:ext cx="5021001" cy="3134342"/>
+          </a:xfrm>
+          <a:prstGeom prst="rect">
+            <a:avLst/>
+          </a:prstGeom>
+        </p:spPr>
+        <p:style>
+          <a:lnRef idx="2">
+            <a:schemeClr val="accent5"/>
+          </a:lnRef>
+          <a:fillRef idx="1">
+            <a:schemeClr val="lt1"/>
+          </a:fillRef>
+          <a:effectRef idx="0">
+            <a:schemeClr val="accent5"/>
+          </a:effectRef>
+          <a:fontRef idx="minor">
+            <a:schemeClr val="dk1"/>
+          </a:fontRef>
+        </p:style>
+        <p:txBody>
+          <a:bodyPr rtlCol="0" anchor="ctr"/>
+          <a:lstStyle/>
+          <a:p>
+            <a:pPr algn="ctr"/>
+            <a:endParaRPr lang="ko-KR" altLang="en-US" sz="1013"/>
+          </a:p>
+        </p:txBody>
+      </p:sp>
+      <p:sp>
+        <p:nvSpPr>
+          <p:cNvPr id="11" name="TextBox 10">
+            <a:extLst>
+              <a:ext uri="{FF2B5EF4-FFF2-40B4-BE49-F238E27FC236}">
+                <a16:creationId xmlns:a16="http://schemas.microsoft.com/office/drawing/2014/main" id="{DDCDD611-648F-4E5E-B70C-65CAEAA0674C}"/>
+              </a:ext>
+            </a:extLst>
+          </p:cNvPr>
+          <p:cNvSpPr txBox="1"/>
+          <p:nvPr/>
+        </p:nvSpPr>
+        <p:spPr>
+          <a:xfrm>
+            <a:off x="2097910" y="2216654"/>
+            <a:ext cx="1888659" cy="248209"/>
+          </a:xfrm>
+          <a:prstGeom prst="rect">
+            <a:avLst/>
+          </a:prstGeom>
+          <a:noFill/>
+        </p:spPr>
+        <p:txBody>
+          <a:bodyPr wrap="none" rtlCol="0">
+            <a:spAutoFit/>
+          </a:bodyPr>
+          <a:lstStyle/>
+          <a:p>
+            <a:r>
+              <a:rPr lang="en-US" altLang="ko-KR" sz="1013" dirty="0"/>
+              <a:t>Here : Contents Image Insert</a:t>
+            </a:r>
+            <a:endParaRPr lang="ko-KR" altLang="en-US" sz="1013" dirty="0"/>
+          </a:p>
+        </p:txBody>
+      </p:sp>
+      <p:pic>
+        <p:nvPicPr>
+          <p:cNvPr id="3" name="그림 2">
+            <a:extLst>
+              <a:ext uri="{FF2B5EF4-FFF2-40B4-BE49-F238E27FC236}">
+                <a16:creationId xmlns:a16="http://schemas.microsoft.com/office/drawing/2014/main" id="{CA634179-61FE-47B5-B05F-BF012D98E7F3}"/>
+              </a:ext>
+            </a:extLst>
+          </p:cNvPr>
+          <p:cNvPicPr>
+            <a:picLocks noChangeAspect="1"/>
+          </p:cNvPicPr>
+          <p:nvPr/>
+        </p:nvPicPr>
+        <p:blipFill>
+          <a:blip r:embed="rId2"/>
+          <a:stretch>
+            <a:fillRect/>
+          </a:stretch>
+        </p:blipFill>
+        <p:spPr>
+          <a:xfrm>
+            <a:off x="2263245" y="2620462"/>
+            <a:ext cx="1355527" cy="1938546"/>
+          </a:xfrm>
+          <a:prstGeom prst="rect">
+            <a:avLst/>
+          </a:prstGeom>
+        </p:spPr>
+      </p:pic>
+      <p:pic>
+        <p:nvPicPr>
+          <p:cNvPr id="7" name="그림 6">
+            <a:extLst>
+              <a:ext uri="{FF2B5EF4-FFF2-40B4-BE49-F238E27FC236}">
+                <a16:creationId xmlns:a16="http://schemas.microsoft.com/office/drawing/2014/main" id="{8B07E9A7-E382-4CF3-9043-D984A0B4DB19}"/>
+              </a:ext>
+            </a:extLst>
+          </p:cNvPr>
+          <p:cNvPicPr>
+            <a:picLocks noChangeAspect="1"/>
+          </p:cNvPicPr>
+          <p:nvPr/>
+        </p:nvPicPr>
+        <p:blipFill>
+          <a:blip r:embed="rId3"/>
+          <a:stretch>
+            <a:fillRect/>
+          </a:stretch>
+        </p:blipFill>
+        <p:spPr>
+          <a:xfrm>
+            <a:off x="4248405" y="2254370"/>
+            <a:ext cx="2725573" cy="2774244"/>
+          </a:xfrm>
+          <a:prstGeom prst="rect">
+            <a:avLst/>
+          </a:prstGeom>
+        </p:spPr>
+      </p:pic>
+      <p:sp>
+        <p:nvSpPr>
+          <p:cNvPr id="8" name="직사각형 7">
+            <a:extLst>
+              <a:ext uri="{FF2B5EF4-FFF2-40B4-BE49-F238E27FC236}">
+                <a16:creationId xmlns:a16="http://schemas.microsoft.com/office/drawing/2014/main" id="{C512EC96-0DDF-4B9C-8487-886200C81D34}"/>
+              </a:ext>
+            </a:extLst>
+          </p:cNvPr>
+          <p:cNvSpPr/>
+          <p:nvPr/>
+        </p:nvSpPr>
+        <p:spPr>
+          <a:xfrm>
+            <a:off x="2263245" y="2821433"/>
+            <a:ext cx="1355527" cy="405045"/>
+          </a:xfrm>
+          <a:prstGeom prst="rect">
+            <a:avLst/>
+          </a:prstGeom>
+          <a:noFill/>
+        </p:spPr>
+        <p:style>
+          <a:lnRef idx="2">
+            <a:schemeClr val="accent1">
+              <a:shade val="50000"/>
+            </a:schemeClr>
+          </a:lnRef>
+          <a:fillRef idx="1">
+            <a:schemeClr val="accent1"/>
+          </a:fillRef>
+          <a:effectRef idx="0">
+            <a:schemeClr val="accent1"/>
+          </a:effectRef>
+          <a:fontRef idx="minor">
+            <a:schemeClr val="lt1"/>
+          </a:fontRef>
+        </p:style>
+        <p:txBody>
+          <a:bodyPr rtlCol="0" anchor="ctr"/>
+          <a:lstStyle/>
+          <a:p>
+            <a:pPr algn="ctr"/>
+            <a:endParaRPr lang="ko-KR" altLang="en-US" sz="1013"/>
+          </a:p>
+        </p:txBody>
+      </p:sp>
+    </p:spTree>
+    <p:extLst>
+      <p:ext uri="{BB962C8B-B14F-4D97-AF65-F5344CB8AC3E}">
+        <p14:creationId xmlns:p14="http://schemas.microsoft.com/office/powerpoint/2010/main" val="1605203562"/>
+      </p:ext>
+    </p:extLst>
+  </p:cSld>
+  <p:clrMapOvr>
+    <a:masterClrMapping/>
+  </p:clrMapOvr>
+</p:sld>
+</file>
+
+<file path=ppt/slides/slide8.xml><?xml version="1.0" encoding="utf-8"?>
+<p:sld xmlns:a="http://schemas.openxmlformats.org/drawingml/2006/main" xmlns:r="http://schemas.openxmlformats.org/officeDocument/2006/relationships" xmlns:p="http://schemas.openxmlformats.org/presentationml/2006/main">
+  <p:cSld>
+    <p:spTree>
+      <p:nvGrpSpPr>
+        <p:cNvPr id="1" name=""/>
+        <p:cNvGrpSpPr/>
+        <p:nvPr/>
+      </p:nvGrpSpPr>
+      <p:grpSpPr>
+        <a:xfrm>
+          <a:off x="0" y="0"/>
+          <a:ext cx="0" cy="0"/>
+          <a:chOff x="0" y="0"/>
+          <a:chExt cx="0" cy="0"/>
+        </a:xfrm>
+      </p:grpSpPr>
+      <p:sp>
+        <p:nvSpPr>
+          <p:cNvPr id="18" name="TextBox 17">
+            <a:extLst>
+              <a:ext uri="{FF2B5EF4-FFF2-40B4-BE49-F238E27FC236}">
+                <a16:creationId xmlns:a16="http://schemas.microsoft.com/office/drawing/2014/main" id="{D7B7EE40-BAD9-4569-9BF6-F6E9ACA78A3C}"/>
+              </a:ext>
+            </a:extLst>
+          </p:cNvPr>
+          <p:cNvSpPr txBox="1"/>
+          <p:nvPr/>
+        </p:nvSpPr>
+        <p:spPr>
+          <a:xfrm>
+            <a:off x="2062279" y="1407020"/>
+            <a:ext cx="2389171" cy="578300"/>
+          </a:xfrm>
+          <a:prstGeom prst="rect">
+            <a:avLst/>
+          </a:prstGeom>
+          <a:noFill/>
+        </p:spPr>
+        <p:txBody>
+          <a:bodyPr wrap="square" rtlCol="0" anchor="ctr">
+            <a:spAutoFit/>
+          </a:bodyPr>
+          <a:lstStyle/>
+          <a:p>
+            <a:pPr algn="ctr">
+              <a:lnSpc>
+                <a:spcPct val="150000"/>
+              </a:lnSpc>
+            </a:pPr>
+            <a:r>
+              <a:rPr lang="ko-KR" altLang="en-US" sz="1125" b="1" dirty="0">
+                <a:ln>
+                  <a:solidFill>
+                    <a:schemeClr val="tx1">
+                      <a:alpha val="30000"/>
+                    </a:schemeClr>
+                  </a:solidFill>
+                </a:ln>
+                <a:latin typeface="맑은 고딕" panose="020B0503020000020004" pitchFamily="50" charset="-127"/>
+                <a:ea typeface="맑은 고딕" panose="020B0503020000020004" pitchFamily="50" charset="-127"/>
+              </a:rPr>
+              <a:t>개발 일정</a:t>
+            </a:r>
+            <a:r>
+              <a:rPr lang="en-US" altLang="ko-KR" sz="1125" b="1" dirty="0">
+                <a:ln>
+                  <a:solidFill>
+                    <a:schemeClr val="tx1">
+                      <a:alpha val="30000"/>
+                    </a:schemeClr>
+                  </a:solidFill>
+                </a:ln>
+                <a:latin typeface="맑은 고딕" panose="020B0503020000020004" pitchFamily="50" charset="-127"/>
+                <a:ea typeface="맑은 고딕" panose="020B0503020000020004" pitchFamily="50" charset="-127"/>
+              </a:rPr>
+              <a:t>(Development Schedule)</a:t>
+            </a:r>
+            <a:endParaRPr lang="ko-KR" altLang="en-US" sz="1125" b="1" dirty="0">
+              <a:ln>
+                <a:solidFill>
+                  <a:schemeClr val="tx1">
+                    <a:alpha val="30000"/>
+                  </a:schemeClr>
+                </a:solidFill>
+              </a:ln>
+              <a:latin typeface="맑은 고딕" panose="020B0503020000020004" pitchFamily="50" charset="-127"/>
+              <a:ea typeface="맑은 고딕" panose="020B0503020000020004" pitchFamily="50" charset="-127"/>
+            </a:endParaRPr>
+          </a:p>
+        </p:txBody>
+      </p:sp>
+      <p:sp>
+        <p:nvSpPr>
+          <p:cNvPr id="22" name="직사각형 21">
+            <a:extLst>
+              <a:ext uri="{FF2B5EF4-FFF2-40B4-BE49-F238E27FC236}">
+                <a16:creationId xmlns:a16="http://schemas.microsoft.com/office/drawing/2014/main" id="{AB4C8245-D0E4-4D79-B3E9-2FB89CE6FE84}"/>
+              </a:ext>
+            </a:extLst>
+          </p:cNvPr>
+          <p:cNvSpPr/>
+          <p:nvPr/>
+        </p:nvSpPr>
+        <p:spPr>
+          <a:xfrm>
+            <a:off x="2040416" y="1540358"/>
+            <a:ext cx="2411033" cy="321471"/>
+          </a:xfrm>
+          <a:prstGeom prst="rect">
+            <a:avLst/>
+          </a:prstGeom>
+          <a:noFill/>
+          <a:ln w="25400">
+            <a:solidFill>
+              <a:schemeClr val="tx1"/>
+            </a:solidFill>
+          </a:ln>
+        </p:spPr>
+        <p:style>
+          <a:lnRef idx="2">
+            <a:schemeClr val="accent1">
+              <a:shade val="50000"/>
+            </a:schemeClr>
+          </a:lnRef>
+          <a:fillRef idx="1">
+            <a:schemeClr val="accent1"/>
+          </a:fillRef>
+          <a:effectRef idx="0">
+            <a:schemeClr val="accent1"/>
+          </a:effectRef>
+          <a:fontRef idx="minor">
+            <a:schemeClr val="lt1"/>
+          </a:fontRef>
+        </p:style>
+        <p:txBody>
+          <a:bodyPr rtlCol="0" anchor="ctr"/>
+          <a:lstStyle/>
+          <a:p>
+            <a:pPr algn="ctr"/>
+            <a:endParaRPr lang="ko-KR" altLang="en-US" sz="1013"/>
+          </a:p>
+        </p:txBody>
+      </p:sp>
+      <p:sp>
+        <p:nvSpPr>
+          <p:cNvPr id="24" name="TextBox 23">
+            <a:extLst>
+              <a:ext uri="{FF2B5EF4-FFF2-40B4-BE49-F238E27FC236}">
+                <a16:creationId xmlns:a16="http://schemas.microsoft.com/office/drawing/2014/main" id="{706566D1-60CB-4C10-9859-0656D082B2B7}"/>
+              </a:ext>
+            </a:extLst>
+          </p:cNvPr>
+          <p:cNvSpPr txBox="1"/>
+          <p:nvPr/>
+        </p:nvSpPr>
+        <p:spPr>
+          <a:xfrm>
+            <a:off x="2120784" y="1939562"/>
+            <a:ext cx="4071397" cy="248209"/>
+          </a:xfrm>
+          <a:prstGeom prst="rect">
+            <a:avLst/>
+          </a:prstGeom>
+          <a:noFill/>
+          <a:ln>
+            <a:noFill/>
+          </a:ln>
+        </p:spPr>
+        <p:txBody>
+          <a:bodyPr wrap="square" rtlCol="0">
+            <a:spAutoFit/>
+          </a:bodyPr>
+          <a:lstStyle/>
+          <a:p>
+            <a:r>
+              <a:rPr lang="en-US" altLang="ko-KR" sz="1013" b="1" dirty="0">
+                <a:ln>
+                  <a:solidFill>
+                    <a:schemeClr val="tx1">
+                      <a:alpha val="30000"/>
+                    </a:schemeClr>
+                  </a:solidFill>
+                </a:ln>
+                <a:latin typeface="맑은 고딕" panose="020B0503020000020004" pitchFamily="50" charset="-127"/>
+                <a:ea typeface="맑은 고딕" panose="020B0503020000020004" pitchFamily="50" charset="-127"/>
+              </a:rPr>
+              <a:t>GitHub : </a:t>
+            </a:r>
+            <a:r>
+              <a:rPr lang="ko-KR" altLang="en-US" sz="1013" b="1" dirty="0">
+                <a:ln>
+                  <a:solidFill>
+                    <a:schemeClr val="tx1">
+                      <a:alpha val="30000"/>
+                    </a:schemeClr>
+                  </a:solidFill>
+                </a:ln>
+                <a:latin typeface="맑은 고딕" panose="020B0503020000020004" pitchFamily="50" charset="-127"/>
+                <a:ea typeface="맑은 고딕" panose="020B0503020000020004" pitchFamily="50" charset="-127"/>
+              </a:rPr>
+              <a:t>형상관리</a:t>
+            </a:r>
+            <a:r>
+              <a:rPr lang="en-US" altLang="ko-KR" sz="1013" b="1" dirty="0">
+                <a:ln>
+                  <a:solidFill>
+                    <a:schemeClr val="tx1">
+                      <a:alpha val="30000"/>
+                    </a:schemeClr>
+                  </a:solidFill>
+                </a:ln>
+                <a:latin typeface="맑은 고딕" panose="020B0503020000020004" pitchFamily="50" charset="-127"/>
+                <a:ea typeface="맑은 고딕" panose="020B0503020000020004" pitchFamily="50" charset="-127"/>
+              </a:rPr>
+              <a:t> : 4</a:t>
+            </a:r>
+            <a:r>
+              <a:rPr lang="ko-KR" altLang="en-US" sz="1013" b="1" dirty="0">
+                <a:ln>
+                  <a:solidFill>
+                    <a:schemeClr val="tx1">
+                      <a:alpha val="30000"/>
+                    </a:schemeClr>
+                  </a:solidFill>
+                </a:ln>
+                <a:latin typeface="맑은 고딕" panose="020B0503020000020004" pitchFamily="50" charset="-127"/>
+                <a:ea typeface="맑은 고딕" panose="020B0503020000020004" pitchFamily="50" charset="-127"/>
+              </a:rPr>
+              <a:t>월 </a:t>
+            </a:r>
+            <a:r>
+              <a:rPr lang="en-US" altLang="ko-KR" sz="1013" b="1" dirty="0">
+                <a:ln>
+                  <a:solidFill>
+                    <a:schemeClr val="tx1">
+                      <a:alpha val="30000"/>
+                    </a:schemeClr>
+                  </a:solidFill>
+                </a:ln>
+                <a:latin typeface="맑은 고딕" panose="020B0503020000020004" pitchFamily="50" charset="-127"/>
+                <a:ea typeface="맑은 고딕" panose="020B0503020000020004" pitchFamily="50" charset="-127"/>
+              </a:rPr>
+              <a:t>2</a:t>
+            </a:r>
+            <a:r>
+              <a:rPr lang="ko-KR" altLang="en-US" sz="1013" b="1" dirty="0">
+                <a:ln>
+                  <a:solidFill>
+                    <a:schemeClr val="tx1">
+                      <a:alpha val="30000"/>
+                    </a:schemeClr>
+                  </a:solidFill>
+                </a:ln>
+                <a:latin typeface="맑은 고딕" panose="020B0503020000020004" pitchFamily="50" charset="-127"/>
+                <a:ea typeface="맑은 고딕" panose="020B0503020000020004" pitchFamily="50" charset="-127"/>
+              </a:rPr>
+              <a:t>일 </a:t>
+            </a:r>
+            <a:r>
+              <a:rPr lang="en-US" altLang="ko-KR" sz="1013" b="1" dirty="0">
+                <a:ln>
+                  <a:solidFill>
+                    <a:schemeClr val="tx1">
+                      <a:alpha val="30000"/>
+                    </a:schemeClr>
+                  </a:solidFill>
+                </a:ln>
+                <a:latin typeface="맑은 고딕" panose="020B0503020000020004" pitchFamily="50" charset="-127"/>
+                <a:ea typeface="맑은 고딕" panose="020B0503020000020004" pitchFamily="50" charset="-127"/>
+              </a:rPr>
+              <a:t>~ 4</a:t>
+            </a:r>
+            <a:r>
+              <a:rPr lang="ko-KR" altLang="en-US" sz="1013" b="1" dirty="0">
+                <a:ln>
+                  <a:solidFill>
+                    <a:schemeClr val="tx1">
+                      <a:alpha val="30000"/>
+                    </a:schemeClr>
+                  </a:solidFill>
+                </a:ln>
+                <a:latin typeface="맑은 고딕" panose="020B0503020000020004" pitchFamily="50" charset="-127"/>
+                <a:ea typeface="맑은 고딕" panose="020B0503020000020004" pitchFamily="50" charset="-127"/>
+              </a:rPr>
+              <a:t>월 </a:t>
+            </a:r>
+            <a:r>
+              <a:rPr lang="en-US" altLang="ko-KR" sz="1013" b="1" dirty="0">
+                <a:ln>
+                  <a:solidFill>
+                    <a:schemeClr val="tx1">
+                      <a:alpha val="30000"/>
+                    </a:schemeClr>
+                  </a:solidFill>
+                </a:ln>
+                <a:latin typeface="맑은 고딕" panose="020B0503020000020004" pitchFamily="50" charset="-127"/>
+                <a:ea typeface="맑은 고딕" panose="020B0503020000020004" pitchFamily="50" charset="-127"/>
+              </a:rPr>
+              <a:t>9</a:t>
+            </a:r>
+            <a:r>
+              <a:rPr lang="ko-KR" altLang="en-US" sz="1013" b="1" dirty="0">
+                <a:ln>
+                  <a:solidFill>
+                    <a:schemeClr val="tx1">
+                      <a:alpha val="30000"/>
+                    </a:schemeClr>
+                  </a:solidFill>
+                </a:ln>
+                <a:latin typeface="맑은 고딕" panose="020B0503020000020004" pitchFamily="50" charset="-127"/>
+                <a:ea typeface="맑은 고딕" panose="020B0503020000020004" pitchFamily="50" charset="-127"/>
+              </a:rPr>
+              <a:t>일 </a:t>
+            </a:r>
+            <a:r>
+              <a:rPr lang="en-US" altLang="ko-KR" sz="1013" b="1" dirty="0">
+                <a:ln>
+                  <a:solidFill>
+                    <a:schemeClr val="tx1">
+                      <a:alpha val="30000"/>
+                    </a:schemeClr>
+                  </a:solidFill>
+                </a:ln>
+                <a:latin typeface="맑은 고딕" panose="020B0503020000020004" pitchFamily="50" charset="-127"/>
+                <a:ea typeface="맑은 고딕" panose="020B0503020000020004" pitchFamily="50" charset="-127"/>
+              </a:rPr>
+              <a:t>(1</a:t>
+            </a:r>
+            <a:r>
+              <a:rPr lang="ko-KR" altLang="en-US" sz="1013" b="1" dirty="0">
+                <a:ln>
+                  <a:solidFill>
+                    <a:schemeClr val="tx1">
+                      <a:alpha val="30000"/>
+                    </a:schemeClr>
+                  </a:solidFill>
+                </a:ln>
+                <a:latin typeface="맑은 고딕" panose="020B0503020000020004" pitchFamily="50" charset="-127"/>
+                <a:ea typeface="맑은 고딕" panose="020B0503020000020004" pitchFamily="50" charset="-127"/>
+              </a:rPr>
+              <a:t>주</a:t>
+            </a:r>
+            <a:r>
+              <a:rPr lang="en-US" altLang="ko-KR" sz="1013" b="1" dirty="0">
+                <a:ln>
+                  <a:solidFill>
+                    <a:schemeClr val="tx1">
+                      <a:alpha val="30000"/>
+                    </a:schemeClr>
+                  </a:solidFill>
+                </a:ln>
+                <a:latin typeface="맑은 고딕" panose="020B0503020000020004" pitchFamily="50" charset="-127"/>
+                <a:ea typeface="맑은 고딕" panose="020B0503020000020004" pitchFamily="50" charset="-127"/>
+              </a:rPr>
+              <a:t>) </a:t>
+            </a:r>
+          </a:p>
+        </p:txBody>
+      </p:sp>
+      <p:sp>
+        <p:nvSpPr>
+          <p:cNvPr id="39" name="직사각형 38"/>
+          <p:cNvSpPr/>
+          <p:nvPr/>
+        </p:nvSpPr>
+        <p:spPr>
+          <a:xfrm>
+            <a:off x="2080601" y="2187495"/>
+            <a:ext cx="4947170" cy="3064208"/>
+          </a:xfrm>
+          <a:prstGeom prst="rect">
+            <a:avLst/>
+          </a:prstGeom>
+        </p:spPr>
+        <p:style>
+          <a:lnRef idx="2">
+            <a:schemeClr val="accent5"/>
+          </a:lnRef>
+          <a:fillRef idx="1">
+            <a:schemeClr val="lt1"/>
+          </a:fillRef>
+          <a:effectRef idx="0">
+            <a:schemeClr val="accent5"/>
+          </a:effectRef>
+          <a:fontRef idx="minor">
+            <a:schemeClr val="dk1"/>
+          </a:fontRef>
+        </p:style>
+        <p:txBody>
+          <a:bodyPr rtlCol="0" anchor="ctr"/>
+          <a:lstStyle/>
+          <a:p>
+            <a:pPr algn="ctr"/>
+            <a:endParaRPr lang="ko-KR" altLang="en-US" sz="1013"/>
+          </a:p>
+        </p:txBody>
+      </p:sp>
+      <p:pic>
+        <p:nvPicPr>
+          <p:cNvPr id="3" name="그림 2">
+            <a:extLst>
+              <a:ext uri="{FF2B5EF4-FFF2-40B4-BE49-F238E27FC236}">
+                <a16:creationId xmlns:a16="http://schemas.microsoft.com/office/drawing/2014/main" id="{625CBAB4-E3B7-4E44-9BAA-64F85C37409D}"/>
+              </a:ext>
+            </a:extLst>
+          </p:cNvPr>
+          <p:cNvPicPr>
+            <a:picLocks noChangeAspect="1"/>
+          </p:cNvPicPr>
+          <p:nvPr/>
+        </p:nvPicPr>
+        <p:blipFill>
+          <a:blip r:embed="rId2"/>
+          <a:stretch>
+            <a:fillRect/>
+          </a:stretch>
+        </p:blipFill>
+        <p:spPr>
+          <a:xfrm>
+            <a:off x="2321954" y="2568298"/>
+            <a:ext cx="4464463" cy="2535194"/>
+          </a:xfrm>
+          <a:prstGeom prst="rect">
+            <a:avLst/>
+          </a:prstGeom>
+        </p:spPr>
+      </p:pic>
+    </p:spTree>
+    <p:extLst>
+      <p:ext uri="{BB962C8B-B14F-4D97-AF65-F5344CB8AC3E}">
+        <p14:creationId xmlns:p14="http://schemas.microsoft.com/office/powerpoint/2010/main" val="4117069643"/>
+      </p:ext>
+    </p:extLst>
+  </p:cSld>
+  <p:clrMapOvr>
+    <a:masterClrMapping/>
+  </p:clrMapOvr>
+</p:sld>
+</file>
+
+<file path=ppt/slides/slide9.xml><?xml version="1.0" encoding="utf-8"?>
+<p:sld xmlns:a="http://schemas.openxmlformats.org/drawingml/2006/main" xmlns:r="http://schemas.openxmlformats.org/officeDocument/2006/relationships" xmlns:p="http://schemas.openxmlformats.org/presentationml/2006/main">
+  <p:cSld>
+    <p:spTree>
+      <p:nvGrpSpPr>
+        <p:cNvPr id="1" name=""/>
+        <p:cNvGrpSpPr/>
+        <p:nvPr/>
+      </p:nvGrpSpPr>
+      <p:grpSpPr>
+        <a:xfrm>
+          <a:off x="0" y="0"/>
+          <a:ext cx="0" cy="0"/>
+          <a:chOff x="0" y="0"/>
+          <a:chExt cx="0" cy="0"/>
+        </a:xfrm>
+      </p:grpSpPr>
+      <p:sp>
+        <p:nvSpPr>
+          <p:cNvPr id="18" name="TextBox 17">
+            <a:extLst>
+              <a:ext uri="{FF2B5EF4-FFF2-40B4-BE49-F238E27FC236}">
+                <a16:creationId xmlns:a16="http://schemas.microsoft.com/office/drawing/2014/main" id="{D7B7EE40-BAD9-4569-9BF6-F6E9ACA78A3C}"/>
+              </a:ext>
+            </a:extLst>
+          </p:cNvPr>
+          <p:cNvSpPr txBox="1"/>
+          <p:nvPr/>
+        </p:nvSpPr>
+        <p:spPr>
+          <a:xfrm>
+            <a:off x="2062279" y="1407020"/>
+            <a:ext cx="2389171" cy="578300"/>
+          </a:xfrm>
+          <a:prstGeom prst="rect">
+            <a:avLst/>
+          </a:prstGeom>
+          <a:noFill/>
+        </p:spPr>
+        <p:txBody>
+          <a:bodyPr wrap="square" rtlCol="0" anchor="ctr">
+            <a:spAutoFit/>
+          </a:bodyPr>
+          <a:lstStyle/>
+          <a:p>
+            <a:pPr algn="ctr">
+              <a:lnSpc>
+                <a:spcPct val="150000"/>
+              </a:lnSpc>
+            </a:pPr>
+            <a:r>
+              <a:rPr lang="ko-KR" altLang="en-US" sz="1125" b="1" dirty="0">
+                <a:ln>
+                  <a:solidFill>
+                    <a:schemeClr val="tx1">
+                      <a:alpha val="30000"/>
+                    </a:schemeClr>
+                  </a:solidFill>
+                </a:ln>
+                <a:latin typeface="맑은 고딕" panose="020B0503020000020004" pitchFamily="50" charset="-127"/>
+                <a:ea typeface="맑은 고딕" panose="020B0503020000020004" pitchFamily="50" charset="-127"/>
+              </a:rPr>
+              <a:t>개발 일정</a:t>
+            </a:r>
+            <a:r>
+              <a:rPr lang="en-US" altLang="ko-KR" sz="1125" b="1" dirty="0">
+                <a:ln>
+                  <a:solidFill>
+                    <a:schemeClr val="tx1">
+                      <a:alpha val="30000"/>
+                    </a:schemeClr>
+                  </a:solidFill>
+                </a:ln>
+                <a:latin typeface="맑은 고딕" panose="020B0503020000020004" pitchFamily="50" charset="-127"/>
+                <a:ea typeface="맑은 고딕" panose="020B0503020000020004" pitchFamily="50" charset="-127"/>
+              </a:rPr>
+              <a:t>(Development Schedule)</a:t>
+            </a:r>
+            <a:endParaRPr lang="ko-KR" altLang="en-US" sz="1125" b="1" dirty="0">
+              <a:ln>
+                <a:solidFill>
+                  <a:schemeClr val="tx1">
+                    <a:alpha val="30000"/>
+                  </a:schemeClr>
+                </a:solidFill>
+              </a:ln>
+              <a:latin typeface="맑은 고딕" panose="020B0503020000020004" pitchFamily="50" charset="-127"/>
+              <a:ea typeface="맑은 고딕" panose="020B0503020000020004" pitchFamily="50" charset="-127"/>
+            </a:endParaRPr>
+          </a:p>
+        </p:txBody>
+      </p:sp>
+      <p:sp>
+        <p:nvSpPr>
+          <p:cNvPr id="22" name="직사각형 21">
+            <a:extLst>
+              <a:ext uri="{FF2B5EF4-FFF2-40B4-BE49-F238E27FC236}">
+                <a16:creationId xmlns:a16="http://schemas.microsoft.com/office/drawing/2014/main" id="{AB4C8245-D0E4-4D79-B3E9-2FB89CE6FE84}"/>
+              </a:ext>
+            </a:extLst>
+          </p:cNvPr>
+          <p:cNvSpPr/>
+          <p:nvPr/>
+        </p:nvSpPr>
+        <p:spPr>
+          <a:xfrm>
+            <a:off x="2040416" y="1540358"/>
+            <a:ext cx="2411033" cy="321471"/>
+          </a:xfrm>
+          <a:prstGeom prst="rect">
+            <a:avLst/>
+          </a:prstGeom>
+          <a:noFill/>
+          <a:ln w="25400">
+            <a:solidFill>
+              <a:schemeClr val="tx1"/>
+            </a:solidFill>
+          </a:ln>
+        </p:spPr>
+        <p:style>
+          <a:lnRef idx="2">
+            <a:schemeClr val="accent1">
+              <a:shade val="50000"/>
+            </a:schemeClr>
+          </a:lnRef>
+          <a:fillRef idx="1">
+            <a:schemeClr val="accent1"/>
+          </a:fillRef>
+          <a:effectRef idx="0">
+            <a:schemeClr val="accent1"/>
+          </a:effectRef>
+          <a:fontRef idx="minor">
+            <a:schemeClr val="lt1"/>
+          </a:fontRef>
+        </p:style>
+        <p:txBody>
+          <a:bodyPr rtlCol="0" anchor="ctr"/>
+          <a:lstStyle/>
+          <a:p>
+            <a:pPr algn="ctr"/>
+            <a:endParaRPr lang="ko-KR" altLang="en-US" sz="1013"/>
+          </a:p>
+        </p:txBody>
+      </p:sp>
+      <p:sp>
+        <p:nvSpPr>
+          <p:cNvPr id="24" name="TextBox 23">
+            <a:extLst>
+              <a:ext uri="{FF2B5EF4-FFF2-40B4-BE49-F238E27FC236}">
+                <a16:creationId xmlns:a16="http://schemas.microsoft.com/office/drawing/2014/main" id="{706566D1-60CB-4C10-9859-0656D082B2B7}"/>
+              </a:ext>
+            </a:extLst>
+          </p:cNvPr>
+          <p:cNvSpPr txBox="1"/>
+          <p:nvPr/>
+        </p:nvSpPr>
+        <p:spPr>
+          <a:xfrm>
+            <a:off x="2120784" y="1939562"/>
+            <a:ext cx="4071397" cy="248209"/>
+          </a:xfrm>
+          <a:prstGeom prst="rect">
+            <a:avLst/>
+          </a:prstGeom>
+          <a:noFill/>
+          <a:ln>
+            <a:noFill/>
+          </a:ln>
+        </p:spPr>
+        <p:txBody>
+          <a:bodyPr wrap="square" rtlCol="0">
+            <a:spAutoFit/>
+          </a:bodyPr>
+          <a:lstStyle/>
+          <a:p>
+            <a:r>
+              <a:rPr lang="en-US" altLang="ko-KR" sz="1013" b="1" dirty="0">
+                <a:ln>
+                  <a:solidFill>
+                    <a:schemeClr val="tx1">
+                      <a:alpha val="30000"/>
+                    </a:schemeClr>
+                  </a:solidFill>
+                </a:ln>
+                <a:latin typeface="맑은 고딕" panose="020B0503020000020004" pitchFamily="50" charset="-127"/>
+                <a:ea typeface="맑은 고딕" panose="020B0503020000020004" pitchFamily="50" charset="-127"/>
+              </a:rPr>
+              <a:t>GitHub : </a:t>
+            </a:r>
+            <a:r>
+              <a:rPr lang="ko-KR" altLang="en-US" sz="1013" b="1" dirty="0">
+                <a:ln>
+                  <a:solidFill>
+                    <a:schemeClr val="tx1">
+                      <a:alpha val="30000"/>
+                    </a:schemeClr>
+                  </a:solidFill>
+                </a:ln>
+                <a:latin typeface="맑은 고딕" panose="020B0503020000020004" pitchFamily="50" charset="-127"/>
+                <a:ea typeface="맑은 고딕" panose="020B0503020000020004" pitchFamily="50" charset="-127"/>
+              </a:rPr>
+              <a:t>형상관리</a:t>
+            </a:r>
+            <a:r>
+              <a:rPr lang="en-US" altLang="ko-KR" sz="1013" b="1" dirty="0">
+                <a:ln>
+                  <a:solidFill>
+                    <a:schemeClr val="tx1">
+                      <a:alpha val="30000"/>
+                    </a:schemeClr>
+                  </a:solidFill>
+                </a:ln>
+                <a:latin typeface="맑은 고딕" panose="020B0503020000020004" pitchFamily="50" charset="-127"/>
+                <a:ea typeface="맑은 고딕" panose="020B0503020000020004" pitchFamily="50" charset="-127"/>
+              </a:rPr>
+              <a:t> : 4</a:t>
+            </a:r>
+            <a:r>
+              <a:rPr lang="ko-KR" altLang="en-US" sz="1013" b="1" dirty="0">
+                <a:ln>
+                  <a:solidFill>
+                    <a:schemeClr val="tx1">
+                      <a:alpha val="30000"/>
+                    </a:schemeClr>
+                  </a:solidFill>
+                </a:ln>
+                <a:latin typeface="맑은 고딕" panose="020B0503020000020004" pitchFamily="50" charset="-127"/>
+                <a:ea typeface="맑은 고딕" panose="020B0503020000020004" pitchFamily="50" charset="-127"/>
+              </a:rPr>
+              <a:t>월 </a:t>
+            </a:r>
+            <a:r>
+              <a:rPr lang="en-US" altLang="ko-KR" sz="1013" b="1" dirty="0">
+                <a:ln>
+                  <a:solidFill>
+                    <a:schemeClr val="tx1">
+                      <a:alpha val="30000"/>
+                    </a:schemeClr>
+                  </a:solidFill>
+                </a:ln>
+                <a:latin typeface="맑은 고딕" panose="020B0503020000020004" pitchFamily="50" charset="-127"/>
+                <a:ea typeface="맑은 고딕" panose="020B0503020000020004" pitchFamily="50" charset="-127"/>
+              </a:rPr>
+              <a:t>2</a:t>
+            </a:r>
+            <a:r>
+              <a:rPr lang="ko-KR" altLang="en-US" sz="1013" b="1" dirty="0">
+                <a:ln>
+                  <a:solidFill>
+                    <a:schemeClr val="tx1">
+                      <a:alpha val="30000"/>
+                    </a:schemeClr>
+                  </a:solidFill>
+                </a:ln>
+                <a:latin typeface="맑은 고딕" panose="020B0503020000020004" pitchFamily="50" charset="-127"/>
+                <a:ea typeface="맑은 고딕" panose="020B0503020000020004" pitchFamily="50" charset="-127"/>
+              </a:rPr>
+              <a:t>일 </a:t>
+            </a:r>
+            <a:r>
+              <a:rPr lang="en-US" altLang="ko-KR" sz="1013" b="1" dirty="0">
+                <a:ln>
+                  <a:solidFill>
+                    <a:schemeClr val="tx1">
+                      <a:alpha val="30000"/>
+                    </a:schemeClr>
+                  </a:solidFill>
+                </a:ln>
+                <a:latin typeface="맑은 고딕" panose="020B0503020000020004" pitchFamily="50" charset="-127"/>
+                <a:ea typeface="맑은 고딕" panose="020B0503020000020004" pitchFamily="50" charset="-127"/>
+              </a:rPr>
+              <a:t>~ 4</a:t>
+            </a:r>
+            <a:r>
+              <a:rPr lang="ko-KR" altLang="en-US" sz="1013" b="1" dirty="0">
+                <a:ln>
+                  <a:solidFill>
+                    <a:schemeClr val="tx1">
+                      <a:alpha val="30000"/>
+                    </a:schemeClr>
+                  </a:solidFill>
+                </a:ln>
+                <a:latin typeface="맑은 고딕" panose="020B0503020000020004" pitchFamily="50" charset="-127"/>
+                <a:ea typeface="맑은 고딕" panose="020B0503020000020004" pitchFamily="50" charset="-127"/>
+              </a:rPr>
+              <a:t>월 </a:t>
+            </a:r>
+            <a:r>
+              <a:rPr lang="en-US" altLang="ko-KR" sz="1013" b="1" dirty="0">
+                <a:ln>
+                  <a:solidFill>
+                    <a:schemeClr val="tx1">
+                      <a:alpha val="30000"/>
+                    </a:schemeClr>
+                  </a:solidFill>
+                </a:ln>
+                <a:latin typeface="맑은 고딕" panose="020B0503020000020004" pitchFamily="50" charset="-127"/>
+                <a:ea typeface="맑은 고딕" panose="020B0503020000020004" pitchFamily="50" charset="-127"/>
+              </a:rPr>
+              <a:t>9</a:t>
+            </a:r>
+            <a:r>
+              <a:rPr lang="ko-KR" altLang="en-US" sz="1013" b="1" dirty="0">
+                <a:ln>
+                  <a:solidFill>
+                    <a:schemeClr val="tx1">
+                      <a:alpha val="30000"/>
+                    </a:schemeClr>
+                  </a:solidFill>
+                </a:ln>
+                <a:latin typeface="맑은 고딕" panose="020B0503020000020004" pitchFamily="50" charset="-127"/>
+                <a:ea typeface="맑은 고딕" panose="020B0503020000020004" pitchFamily="50" charset="-127"/>
+              </a:rPr>
+              <a:t>일 </a:t>
+            </a:r>
+            <a:r>
+              <a:rPr lang="en-US" altLang="ko-KR" sz="1013" b="1" dirty="0">
+                <a:ln>
+                  <a:solidFill>
+                    <a:schemeClr val="tx1">
+                      <a:alpha val="30000"/>
+                    </a:schemeClr>
+                  </a:solidFill>
+                </a:ln>
+                <a:latin typeface="맑은 고딕" panose="020B0503020000020004" pitchFamily="50" charset="-127"/>
+                <a:ea typeface="맑은 고딕" panose="020B0503020000020004" pitchFamily="50" charset="-127"/>
+              </a:rPr>
+              <a:t>(1</a:t>
+            </a:r>
+            <a:r>
+              <a:rPr lang="ko-KR" altLang="en-US" sz="1013" b="1" dirty="0">
+                <a:ln>
+                  <a:solidFill>
+                    <a:schemeClr val="tx1">
+                      <a:alpha val="30000"/>
+                    </a:schemeClr>
+                  </a:solidFill>
+                </a:ln>
+                <a:latin typeface="맑은 고딕" panose="020B0503020000020004" pitchFamily="50" charset="-127"/>
+                <a:ea typeface="맑은 고딕" panose="020B0503020000020004" pitchFamily="50" charset="-127"/>
+              </a:rPr>
+              <a:t>주</a:t>
+            </a:r>
+            <a:r>
+              <a:rPr lang="en-US" altLang="ko-KR" sz="1013" b="1" dirty="0">
+                <a:ln>
+                  <a:solidFill>
+                    <a:schemeClr val="tx1">
+                      <a:alpha val="30000"/>
+                    </a:schemeClr>
+                  </a:solidFill>
+                </a:ln>
+                <a:latin typeface="맑은 고딕" panose="020B0503020000020004" pitchFamily="50" charset="-127"/>
+                <a:ea typeface="맑은 고딕" panose="020B0503020000020004" pitchFamily="50" charset="-127"/>
+              </a:rPr>
+              <a:t>) </a:t>
+            </a:r>
+          </a:p>
+        </p:txBody>
+      </p:sp>
+      <p:sp>
+        <p:nvSpPr>
+          <p:cNvPr id="39" name="직사각형 38"/>
+          <p:cNvSpPr/>
+          <p:nvPr/>
+        </p:nvSpPr>
+        <p:spPr>
+          <a:xfrm>
+            <a:off x="2080601" y="2187495"/>
+            <a:ext cx="4947170" cy="3064208"/>
+          </a:xfrm>
+          <a:prstGeom prst="rect">
+            <a:avLst/>
+          </a:prstGeom>
+        </p:spPr>
+        <p:style>
+          <a:lnRef idx="2">
+            <a:schemeClr val="accent5"/>
+          </a:lnRef>
+          <a:fillRef idx="1">
+            <a:schemeClr val="lt1"/>
+          </a:fillRef>
+          <a:effectRef idx="0">
+            <a:schemeClr val="accent5"/>
+          </a:effectRef>
+          <a:fontRef idx="minor">
+            <a:schemeClr val="dk1"/>
+          </a:fontRef>
+        </p:style>
+        <p:txBody>
+          <a:bodyPr rtlCol="0" anchor="ctr"/>
+          <a:lstStyle/>
+          <a:p>
+            <a:pPr algn="ctr"/>
+            <a:endParaRPr lang="ko-KR" altLang="en-US" sz="1013"/>
+          </a:p>
+        </p:txBody>
+      </p:sp>
+      <p:pic>
+        <p:nvPicPr>
+          <p:cNvPr id="4" name="그림 3">
+            <a:extLst>
+              <a:ext uri="{FF2B5EF4-FFF2-40B4-BE49-F238E27FC236}">
+                <a16:creationId xmlns:a16="http://schemas.microsoft.com/office/drawing/2014/main" id="{1EE1F3E9-906E-42FF-A8A9-635F9D7E1A8B}"/>
+              </a:ext>
+            </a:extLst>
+          </p:cNvPr>
+          <p:cNvPicPr>
+            <a:picLocks noChangeAspect="1"/>
+          </p:cNvPicPr>
+          <p:nvPr/>
+        </p:nvPicPr>
+        <p:blipFill>
+          <a:blip r:embed="rId2"/>
+          <a:stretch>
+            <a:fillRect/>
+          </a:stretch>
+        </p:blipFill>
+        <p:spPr>
+          <a:xfrm>
+            <a:off x="2171763" y="2699919"/>
+            <a:ext cx="4800478" cy="2486025"/>
+          </a:xfrm>
+          <a:prstGeom prst="rect">
+            <a:avLst/>
+          </a:prstGeom>
+        </p:spPr>
+      </p:pic>
+      <p:pic>
+        <p:nvPicPr>
+          <p:cNvPr id="7" name="그림 6">
+            <a:extLst>
+              <a:ext uri="{FF2B5EF4-FFF2-40B4-BE49-F238E27FC236}">
+                <a16:creationId xmlns:a16="http://schemas.microsoft.com/office/drawing/2014/main" id="{F5A2031A-15FB-400B-AEDB-5A39396790E1}"/>
+              </a:ext>
+            </a:extLst>
+          </p:cNvPr>
+          <p:cNvPicPr>
+            <a:picLocks noChangeAspect="1"/>
+          </p:cNvPicPr>
+          <p:nvPr/>
+        </p:nvPicPr>
+        <p:blipFill>
+          <a:blip r:embed="rId3"/>
+          <a:stretch>
+            <a:fillRect/>
+          </a:stretch>
+        </p:blipFill>
+        <p:spPr>
+          <a:xfrm>
+            <a:off x="2222740" y="2428388"/>
+            <a:ext cx="1735931" cy="182166"/>
+          </a:xfrm>
+          <a:prstGeom prst="rect">
+            <a:avLst/>
+          </a:prstGeom>
+        </p:spPr>
+      </p:pic>
+      <p:sp>
+        <p:nvSpPr>
+          <p:cNvPr id="8" name="직사각형 7">
+            <a:extLst>
+              <a:ext uri="{FF2B5EF4-FFF2-40B4-BE49-F238E27FC236}">
+                <a16:creationId xmlns:a16="http://schemas.microsoft.com/office/drawing/2014/main" id="{759F18B0-9380-44A3-8A01-58E9CEC038A2}"/>
+              </a:ext>
+            </a:extLst>
+          </p:cNvPr>
+          <p:cNvSpPr/>
+          <p:nvPr/>
+        </p:nvSpPr>
+        <p:spPr>
+          <a:xfrm>
+            <a:off x="2171762" y="2374255"/>
+            <a:ext cx="1833176" cy="259907"/>
+          </a:xfrm>
+          <a:prstGeom prst="rect">
+            <a:avLst/>
+          </a:prstGeom>
+          <a:noFill/>
+        </p:spPr>
+        <p:style>
+          <a:lnRef idx="2">
+            <a:schemeClr val="accent1">
+              <a:shade val="50000"/>
+            </a:schemeClr>
+          </a:lnRef>
+          <a:fillRef idx="1">
+            <a:schemeClr val="accent1"/>
+          </a:fillRef>
+          <a:effectRef idx="0">
+            <a:schemeClr val="accent1"/>
+          </a:effectRef>
+          <a:fontRef idx="minor">
+            <a:schemeClr val="lt1"/>
+          </a:fontRef>
+        </p:style>
+        <p:txBody>
+          <a:bodyPr rtlCol="0" anchor="ctr"/>
+          <a:lstStyle/>
+          <a:p>
+            <a:pPr algn="ctr"/>
+            <a:endParaRPr lang="ko-KR" altLang="en-US" sz="1013"/>
+          </a:p>
+        </p:txBody>
+      </p:sp>
+    </p:spTree>
+    <p:extLst>
+      <p:ext uri="{BB962C8B-B14F-4D97-AF65-F5344CB8AC3E}">
+        <p14:creationId xmlns:p14="http://schemas.microsoft.com/office/powerpoint/2010/main" val="922644136"/>
       </p:ext>
     </p:extLst>
   </p:cSld>
